--- a/documents/lecbyjak_bachlor_prezentation.pptx
+++ b/documents/lecbyjak_bachlor_prezentation.pptx
@@ -5,7 +5,7 @@
     <p:sldMasterId id="2147483648" r:id="rId1"/>
   </p:sldMasterIdLst>
   <p:notesMasterIdLst>
-    <p:notesMasterId r:id="rId14"/>
+    <p:notesMasterId r:id="rId15"/>
   </p:notesMasterIdLst>
   <p:sldIdLst>
     <p:sldId id="256" r:id="rId2"/>
@@ -18,8 +18,9 @@
     <p:sldId id="260" r:id="rId9"/>
     <p:sldId id="267" r:id="rId10"/>
     <p:sldId id="261" r:id="rId11"/>
-    <p:sldId id="262" r:id="rId12"/>
-    <p:sldId id="263" r:id="rId13"/>
+    <p:sldId id="268" r:id="rId12"/>
+    <p:sldId id="262" r:id="rId13"/>
+    <p:sldId id="263" r:id="rId14"/>
   </p:sldIdLst>
   <p:sldSz cx="12192000" cy="6858000"/>
   <p:notesSz cx="6858000" cy="9144000"/>
@@ -2154,6 +2155,13 @@
         </dgm:presLayoutVars>
       </dgm:prSet>
       <dgm:spPr/>
+      <dgm:t>
+        <a:bodyPr/>
+        <a:lstStyle/>
+        <a:p>
+          <a:endParaRPr lang="en-US"/>
+        </a:p>
+      </dgm:t>
     </dgm:pt>
     <dgm:pt modelId="{10FD7CD2-C8ED-4D1D-A5BA-C8606F16D000}" type="pres">
       <dgm:prSet presAssocID="{2D881152-9C26-4751-9D0C-F56BFAE2443F}" presName="parentLin" presStyleCnt="0"/>
@@ -2162,6 +2170,13 @@
     <dgm:pt modelId="{1C33767E-62CA-46E8-ADB1-41CEEF0715EA}" type="pres">
       <dgm:prSet presAssocID="{2D881152-9C26-4751-9D0C-F56BFAE2443F}" presName="parentLeftMargin" presStyleLbl="node1" presStyleIdx="0" presStyleCnt="2"/>
       <dgm:spPr/>
+      <dgm:t>
+        <a:bodyPr/>
+        <a:lstStyle/>
+        <a:p>
+          <a:endParaRPr lang="en-US"/>
+        </a:p>
+      </dgm:t>
     </dgm:pt>
     <dgm:pt modelId="{FE03CE7B-11DD-4A27-9B29-CFFB94D6E3EA}" type="pres">
       <dgm:prSet presAssocID="{2D881152-9C26-4751-9D0C-F56BFAE2443F}" presName="parentText" presStyleLbl="node1" presStyleIdx="0" presStyleCnt="2">
@@ -2171,6 +2186,13 @@
         </dgm:presLayoutVars>
       </dgm:prSet>
       <dgm:spPr/>
+      <dgm:t>
+        <a:bodyPr/>
+        <a:lstStyle/>
+        <a:p>
+          <a:endParaRPr lang="en-US"/>
+        </a:p>
+      </dgm:t>
     </dgm:pt>
     <dgm:pt modelId="{81AB442E-BAED-4C9F-976A-DFD9AF6E5CCC}" type="pres">
       <dgm:prSet presAssocID="{2D881152-9C26-4751-9D0C-F56BFAE2443F}" presName="negativeSpace" presStyleCnt="0"/>
@@ -2183,6 +2205,13 @@
         </dgm:presLayoutVars>
       </dgm:prSet>
       <dgm:spPr/>
+      <dgm:t>
+        <a:bodyPr/>
+        <a:lstStyle/>
+        <a:p>
+          <a:endParaRPr lang="en-US"/>
+        </a:p>
+      </dgm:t>
     </dgm:pt>
     <dgm:pt modelId="{1C13F62D-F898-41ED-9A34-C22A052779CE}" type="pres">
       <dgm:prSet presAssocID="{B79A03D6-1CD2-402F-892A-771BA3673FA5}" presName="spaceBetweenRectangles" presStyleCnt="0"/>
@@ -2195,6 +2224,13 @@
     <dgm:pt modelId="{F0B507A8-6EC3-4A6E-97AE-21F1A60E977D}" type="pres">
       <dgm:prSet presAssocID="{D6D0F413-4B1C-485C-ADC9-45561BFFCEB5}" presName="parentLeftMargin" presStyleLbl="node1" presStyleIdx="0" presStyleCnt="2"/>
       <dgm:spPr/>
+      <dgm:t>
+        <a:bodyPr/>
+        <a:lstStyle/>
+        <a:p>
+          <a:endParaRPr lang="en-US"/>
+        </a:p>
+      </dgm:t>
     </dgm:pt>
     <dgm:pt modelId="{EEF2EA84-5C2C-4EC2-8CE8-780881F6C723}" type="pres">
       <dgm:prSet presAssocID="{D6D0F413-4B1C-485C-ADC9-45561BFFCEB5}" presName="parentText" presStyleLbl="node1" presStyleIdx="1" presStyleCnt="2">
@@ -2204,6 +2240,13 @@
         </dgm:presLayoutVars>
       </dgm:prSet>
       <dgm:spPr/>
+      <dgm:t>
+        <a:bodyPr/>
+        <a:lstStyle/>
+        <a:p>
+          <a:endParaRPr lang="en-US"/>
+        </a:p>
+      </dgm:t>
     </dgm:pt>
     <dgm:pt modelId="{BDA6DD04-A5F4-4825-BEE1-8534BD33D374}" type="pres">
       <dgm:prSet presAssocID="{D6D0F413-4B1C-485C-ADC9-45561BFFCEB5}" presName="negativeSpace" presStyleCnt="0"/>
@@ -2216,32 +2259,39 @@
         </dgm:presLayoutVars>
       </dgm:prSet>
       <dgm:spPr/>
+      <dgm:t>
+        <a:bodyPr/>
+        <a:lstStyle/>
+        <a:p>
+          <a:endParaRPr lang="en-US"/>
+        </a:p>
+      </dgm:t>
     </dgm:pt>
   </dgm:ptLst>
   <dgm:cxnLst>
+    <dgm:cxn modelId="{18F8CB7A-E2FC-4EA6-80E8-6569855CF7B7}" srcId="{2D881152-9C26-4751-9D0C-F56BFAE2443F}" destId="{D52A3BB3-ECF1-40B2-A6EF-665BC8A8BACF}" srcOrd="0" destOrd="0" parTransId="{C610DB94-3F95-4C48-8B9A-1A0C2F9ADF22}" sibTransId="{B00E4C3A-2E6C-4E06-9A13-02E5021FFEDA}"/>
+    <dgm:cxn modelId="{5F364988-137E-4B49-B7D9-B3B960EF8AE3}" srcId="{D6D0F413-4B1C-485C-ADC9-45561BFFCEB5}" destId="{CCB3CD64-2AF4-4D36-B9DF-E31B14765494}" srcOrd="2" destOrd="0" parTransId="{EC0CDD69-41CD-45D2-A040-F596F7745C04}" sibTransId="{69BF892B-2EFF-42BE-80CB-2B99C0FDCD4A}"/>
+    <dgm:cxn modelId="{7126A461-1A3A-4A55-9603-0370FEFF2EB6}" srcId="{D6D0F413-4B1C-485C-ADC9-45561BFFCEB5}" destId="{C1F81F30-C58B-4B26-940D-7A6FCB16F35E}" srcOrd="1" destOrd="0" parTransId="{F73DBBD3-E517-4861-9FEF-0C66CCAB17F9}" sibTransId="{7B8F7FBD-3B21-44D2-A828-D9E667BEA286}"/>
+    <dgm:cxn modelId="{71D991CB-C2B2-4620-9A37-BCE819FE7264}" type="presOf" srcId="{E6F8B5A7-1F23-40D3-A893-F7BDFCDD8A60}" destId="{79C6CE04-C633-48FB-AF93-D1D29FCA690D}" srcOrd="0" destOrd="0" presId="urn:microsoft.com/office/officeart/2005/8/layout/list1"/>
+    <dgm:cxn modelId="{49604C67-A9E1-4841-9FC1-0984036FBF90}" type="presOf" srcId="{CCB3CD64-2AF4-4D36-B9DF-E31B14765494}" destId="{79C6CE04-C633-48FB-AF93-D1D29FCA690D}" srcOrd="0" destOrd="2" presId="urn:microsoft.com/office/officeart/2005/8/layout/list1"/>
+    <dgm:cxn modelId="{43ECB761-C13D-402F-9F8C-318C304EA834}" type="presOf" srcId="{3F19389B-BA7F-4730-9962-2D5A6EB543BD}" destId="{C1D5A6ED-F09B-4637-9C72-B74284BBAE68}" srcOrd="0" destOrd="1" presId="urn:microsoft.com/office/officeart/2005/8/layout/list1"/>
+    <dgm:cxn modelId="{786633C1-4158-44EE-94D0-70C163090638}" type="presOf" srcId="{D52A3BB3-ECF1-40B2-A6EF-665BC8A8BACF}" destId="{C1D5A6ED-F09B-4637-9C72-B74284BBAE68}" srcOrd="0" destOrd="0" presId="urn:microsoft.com/office/officeart/2005/8/layout/list1"/>
+    <dgm:cxn modelId="{F2F15888-0D8B-475A-9950-31C3A48D5C36}" type="presOf" srcId="{2D881152-9C26-4751-9D0C-F56BFAE2443F}" destId="{1C33767E-62CA-46E8-ADB1-41CEEF0715EA}" srcOrd="0" destOrd="0" presId="urn:microsoft.com/office/officeart/2005/8/layout/list1"/>
+    <dgm:cxn modelId="{779D91F7-8FD0-40B8-ACA8-166148B07618}" srcId="{2D881152-9C26-4751-9D0C-F56BFAE2443F}" destId="{3F19389B-BA7F-4730-9962-2D5A6EB543BD}" srcOrd="1" destOrd="0" parTransId="{C9B7AE51-9F97-490E-ADD9-F9A51B3752D5}" sibTransId="{F55B4A2B-A7EA-4A87-AE39-B84B52184ACB}"/>
+    <dgm:cxn modelId="{E0F7F064-73B8-41DC-8F41-2C7ABFDD0F08}" type="presOf" srcId="{AF1C2EE3-2845-46C9-AF21-4DDE03401F11}" destId="{C1D5A6ED-F09B-4637-9C72-B74284BBAE68}" srcOrd="0" destOrd="4" presId="urn:microsoft.com/office/officeart/2005/8/layout/list1"/>
     <dgm:cxn modelId="{11355924-3232-45AA-B4A8-E21306476DD7}" type="presOf" srcId="{A485CCFE-07F9-4767-A38A-CFE7E40F2B3E}" destId="{AF35CA9F-3174-4902-B65C-838560B53999}" srcOrd="0" destOrd="0" presId="urn:microsoft.com/office/officeart/2005/8/layout/list1"/>
-    <dgm:cxn modelId="{7126A461-1A3A-4A55-9603-0370FEFF2EB6}" srcId="{D6D0F413-4B1C-485C-ADC9-45561BFFCEB5}" destId="{C1F81F30-C58B-4B26-940D-7A6FCB16F35E}" srcOrd="1" destOrd="0" parTransId="{F73DBBD3-E517-4861-9FEF-0C66CCAB17F9}" sibTransId="{7B8F7FBD-3B21-44D2-A828-D9E667BEA286}"/>
-    <dgm:cxn modelId="{43ECB761-C13D-402F-9F8C-318C304EA834}" type="presOf" srcId="{3F19389B-BA7F-4730-9962-2D5A6EB543BD}" destId="{C1D5A6ED-F09B-4637-9C72-B74284BBAE68}" srcOrd="0" destOrd="1" presId="urn:microsoft.com/office/officeart/2005/8/layout/list1"/>
+    <dgm:cxn modelId="{F815AF79-38A8-46C4-B4C6-BAA6A00FF71B}" type="presOf" srcId="{C1F81F30-C58B-4B26-940D-7A6FCB16F35E}" destId="{79C6CE04-C633-48FB-AF93-D1D29FCA690D}" srcOrd="0" destOrd="1" presId="urn:microsoft.com/office/officeart/2005/8/layout/list1"/>
+    <dgm:cxn modelId="{66686368-2277-4689-9D12-BF4C0CCC91BE}" srcId="{D6D0F413-4B1C-485C-ADC9-45561BFFCEB5}" destId="{E6F8B5A7-1F23-40D3-A893-F7BDFCDD8A60}" srcOrd="0" destOrd="0" parTransId="{86AADF70-A4AE-43C5-A455-0ADF9804F4AC}" sibTransId="{95ADDE04-589C-45D4-8F90-47606B9D12A7}"/>
+    <dgm:cxn modelId="{18E0E7AB-EC62-48E3-B990-1C0681047655}" srcId="{2D881152-9C26-4751-9D0C-F56BFAE2443F}" destId="{00F3EF11-5294-4246-AC9C-D491E9DDAFC0}" srcOrd="3" destOrd="0" parTransId="{E7680209-08F3-4E48-B51E-E91F7B701886}" sibTransId="{62890F8C-2F02-43F8-B8BE-F9EC480A38BA}"/>
+    <dgm:cxn modelId="{176FC4CB-0642-4968-987E-15220633A90D}" srcId="{00F3EF11-5294-4246-AC9C-D491E9DDAFC0}" destId="{AF1C2EE3-2845-46C9-AF21-4DDE03401F11}" srcOrd="0" destOrd="0" parTransId="{2B2FCCAE-BC3B-48EE-ACBB-46D875DB3544}" sibTransId="{E4E51F07-D243-4C01-8919-BFCDFBD46EF3}"/>
+    <dgm:cxn modelId="{EA6E83B1-2192-420E-AB4B-11B01F304110}" type="presOf" srcId="{00F3EF11-5294-4246-AC9C-D491E9DDAFC0}" destId="{C1D5A6ED-F09B-4637-9C72-B74284BBAE68}" srcOrd="0" destOrd="3" presId="urn:microsoft.com/office/officeart/2005/8/layout/list1"/>
     <dgm:cxn modelId="{C72D1343-65CF-4D5F-86A0-BF4796DBA180}" srcId="{2D881152-9C26-4751-9D0C-F56BFAE2443F}" destId="{32D98473-1BB3-4AF8-A9BC-4A73D8B12A23}" srcOrd="2" destOrd="0" parTransId="{9F3C4A8A-3E78-4C86-97A7-8D70DA2643A4}" sibTransId="{A1867EFC-6C49-4DFB-AC06-3EEB85CCF168}"/>
-    <dgm:cxn modelId="{E0F7F064-73B8-41DC-8F41-2C7ABFDD0F08}" type="presOf" srcId="{AF1C2EE3-2845-46C9-AF21-4DDE03401F11}" destId="{C1D5A6ED-F09B-4637-9C72-B74284BBAE68}" srcOrd="0" destOrd="4" presId="urn:microsoft.com/office/officeart/2005/8/layout/list1"/>
-    <dgm:cxn modelId="{49604C67-A9E1-4841-9FC1-0984036FBF90}" type="presOf" srcId="{CCB3CD64-2AF4-4D36-B9DF-E31B14765494}" destId="{79C6CE04-C633-48FB-AF93-D1D29FCA690D}" srcOrd="0" destOrd="2" presId="urn:microsoft.com/office/officeart/2005/8/layout/list1"/>
-    <dgm:cxn modelId="{66686368-2277-4689-9D12-BF4C0CCC91BE}" srcId="{D6D0F413-4B1C-485C-ADC9-45561BFFCEB5}" destId="{E6F8B5A7-1F23-40D3-A893-F7BDFCDD8A60}" srcOrd="0" destOrd="0" parTransId="{86AADF70-A4AE-43C5-A455-0ADF9804F4AC}" sibTransId="{95ADDE04-589C-45D4-8F90-47606B9D12A7}"/>
+    <dgm:cxn modelId="{37E27871-AC49-4C60-BC93-9230A179D3A5}" srcId="{A485CCFE-07F9-4767-A38A-CFE7E40F2B3E}" destId="{D6D0F413-4B1C-485C-ADC9-45561BFFCEB5}" srcOrd="1" destOrd="0" parTransId="{D6DD45F5-59E9-4FE5-BB4E-1011C22183A9}" sibTransId="{EAD56968-634D-4E11-8EC9-8401949F51A9}"/>
     <dgm:cxn modelId="{20F1894C-0A57-418D-B811-8D3C14910B48}" type="presOf" srcId="{32D98473-1BB3-4AF8-A9BC-4A73D8B12A23}" destId="{C1D5A6ED-F09B-4637-9C72-B74284BBAE68}" srcOrd="0" destOrd="2" presId="urn:microsoft.com/office/officeart/2005/8/layout/list1"/>
     <dgm:cxn modelId="{3EF15251-433C-405E-9B4B-E1825EFF03A3}" srcId="{A485CCFE-07F9-4767-A38A-CFE7E40F2B3E}" destId="{2D881152-9C26-4751-9D0C-F56BFAE2443F}" srcOrd="0" destOrd="0" parTransId="{8606C577-0EDF-46C2-B4BE-0DF7D2CADF39}" sibTransId="{B79A03D6-1CD2-402F-892A-771BA3673FA5}"/>
-    <dgm:cxn modelId="{37E27871-AC49-4C60-BC93-9230A179D3A5}" srcId="{A485CCFE-07F9-4767-A38A-CFE7E40F2B3E}" destId="{D6D0F413-4B1C-485C-ADC9-45561BFFCEB5}" srcOrd="1" destOrd="0" parTransId="{D6DD45F5-59E9-4FE5-BB4E-1011C22183A9}" sibTransId="{EAD56968-634D-4E11-8EC9-8401949F51A9}"/>
-    <dgm:cxn modelId="{F815AF79-38A8-46C4-B4C6-BAA6A00FF71B}" type="presOf" srcId="{C1F81F30-C58B-4B26-940D-7A6FCB16F35E}" destId="{79C6CE04-C633-48FB-AF93-D1D29FCA690D}" srcOrd="0" destOrd="1" presId="urn:microsoft.com/office/officeart/2005/8/layout/list1"/>
-    <dgm:cxn modelId="{18F8CB7A-E2FC-4EA6-80E8-6569855CF7B7}" srcId="{2D881152-9C26-4751-9D0C-F56BFAE2443F}" destId="{D52A3BB3-ECF1-40B2-A6EF-665BC8A8BACF}" srcOrd="0" destOrd="0" parTransId="{C610DB94-3F95-4C48-8B9A-1A0C2F9ADF22}" sibTransId="{B00E4C3A-2E6C-4E06-9A13-02E5021FFEDA}"/>
-    <dgm:cxn modelId="{5F364988-137E-4B49-B7D9-B3B960EF8AE3}" srcId="{D6D0F413-4B1C-485C-ADC9-45561BFFCEB5}" destId="{CCB3CD64-2AF4-4D36-B9DF-E31B14765494}" srcOrd="2" destOrd="0" parTransId="{EC0CDD69-41CD-45D2-A040-F596F7745C04}" sibTransId="{69BF892B-2EFF-42BE-80CB-2B99C0FDCD4A}"/>
-    <dgm:cxn modelId="{F2F15888-0D8B-475A-9950-31C3A48D5C36}" type="presOf" srcId="{2D881152-9C26-4751-9D0C-F56BFAE2443F}" destId="{1C33767E-62CA-46E8-ADB1-41CEEF0715EA}" srcOrd="0" destOrd="0" presId="urn:microsoft.com/office/officeart/2005/8/layout/list1"/>
+    <dgm:cxn modelId="{1864DEBF-D31B-41C1-9E67-785C83B34241}" type="presOf" srcId="{D6D0F413-4B1C-485C-ADC9-45561BFFCEB5}" destId="{F0B507A8-6EC3-4A6E-97AE-21F1A60E977D}" srcOrd="0" destOrd="0" presId="urn:microsoft.com/office/officeart/2005/8/layout/list1"/>
     <dgm:cxn modelId="{C00F9993-FB0E-459F-9E30-0E0EEDD4045F}" type="presOf" srcId="{D6D0F413-4B1C-485C-ADC9-45561BFFCEB5}" destId="{EEF2EA84-5C2C-4EC2-8CE8-780881F6C723}" srcOrd="1" destOrd="0" presId="urn:microsoft.com/office/officeart/2005/8/layout/list1"/>
-    <dgm:cxn modelId="{18E0E7AB-EC62-48E3-B990-1C0681047655}" srcId="{2D881152-9C26-4751-9D0C-F56BFAE2443F}" destId="{00F3EF11-5294-4246-AC9C-D491E9DDAFC0}" srcOrd="3" destOrd="0" parTransId="{E7680209-08F3-4E48-B51E-E91F7B701886}" sibTransId="{62890F8C-2F02-43F8-B8BE-F9EC480A38BA}"/>
-    <dgm:cxn modelId="{EA6E83B1-2192-420E-AB4B-11B01F304110}" type="presOf" srcId="{00F3EF11-5294-4246-AC9C-D491E9DDAFC0}" destId="{C1D5A6ED-F09B-4637-9C72-B74284BBAE68}" srcOrd="0" destOrd="3" presId="urn:microsoft.com/office/officeart/2005/8/layout/list1"/>
-    <dgm:cxn modelId="{1864DEBF-D31B-41C1-9E67-785C83B34241}" type="presOf" srcId="{D6D0F413-4B1C-485C-ADC9-45561BFFCEB5}" destId="{F0B507A8-6EC3-4A6E-97AE-21F1A60E977D}" srcOrd="0" destOrd="0" presId="urn:microsoft.com/office/officeart/2005/8/layout/list1"/>
-    <dgm:cxn modelId="{786633C1-4158-44EE-94D0-70C163090638}" type="presOf" srcId="{D52A3BB3-ECF1-40B2-A6EF-665BC8A8BACF}" destId="{C1D5A6ED-F09B-4637-9C72-B74284BBAE68}" srcOrd="0" destOrd="0" presId="urn:microsoft.com/office/officeart/2005/8/layout/list1"/>
-    <dgm:cxn modelId="{71D991CB-C2B2-4620-9A37-BCE819FE7264}" type="presOf" srcId="{E6F8B5A7-1F23-40D3-A893-F7BDFCDD8A60}" destId="{79C6CE04-C633-48FB-AF93-D1D29FCA690D}" srcOrd="0" destOrd="0" presId="urn:microsoft.com/office/officeart/2005/8/layout/list1"/>
-    <dgm:cxn modelId="{176FC4CB-0642-4968-987E-15220633A90D}" srcId="{00F3EF11-5294-4246-AC9C-D491E9DDAFC0}" destId="{AF1C2EE3-2845-46C9-AF21-4DDE03401F11}" srcOrd="0" destOrd="0" parTransId="{2B2FCCAE-BC3B-48EE-ACBB-46D875DB3544}" sibTransId="{E4E51F07-D243-4C01-8919-BFCDFBD46EF3}"/>
     <dgm:cxn modelId="{787F9AF3-6AB4-4CE3-9070-5EF5EDD3E4E4}" type="presOf" srcId="{2D881152-9C26-4751-9D0C-F56BFAE2443F}" destId="{FE03CE7B-11DD-4A27-9B29-CFFB94D6E3EA}" srcOrd="1" destOrd="0" presId="urn:microsoft.com/office/officeart/2005/8/layout/list1"/>
-    <dgm:cxn modelId="{779D91F7-8FD0-40B8-ACA8-166148B07618}" srcId="{2D881152-9C26-4751-9D0C-F56BFAE2443F}" destId="{3F19389B-BA7F-4730-9962-2D5A6EB543BD}" srcOrd="1" destOrd="0" parTransId="{C9B7AE51-9F97-490E-ADD9-F9A51B3752D5}" sibTransId="{F55B4A2B-A7EA-4A87-AE39-B84B52184ACB}"/>
     <dgm:cxn modelId="{309188CF-DB2E-418C-851F-7A56FE31B698}" type="presParOf" srcId="{AF35CA9F-3174-4902-B65C-838560B53999}" destId="{10FD7CD2-C8ED-4D1D-A5BA-C8606F16D000}" srcOrd="0" destOrd="0" presId="urn:microsoft.com/office/officeart/2005/8/layout/list1"/>
     <dgm:cxn modelId="{C9D7FAAB-8CCA-4781-848F-0A4E6EE0045F}" type="presParOf" srcId="{10FD7CD2-C8ED-4D1D-A5BA-C8606F16D000}" destId="{1C33767E-62CA-46E8-ADB1-41CEEF0715EA}" srcOrd="0" destOrd="0" presId="urn:microsoft.com/office/officeart/2005/8/layout/list1"/>
     <dgm:cxn modelId="{2C7B6098-658A-4A03-8B5B-CDB1610C29EC}" type="presParOf" srcId="{10FD7CD2-C8ED-4D1D-A5BA-C8606F16D000}" destId="{FE03CE7B-11DD-4A27-9B29-CFFB94D6E3EA}" srcOrd="1" destOrd="0" presId="urn:microsoft.com/office/officeart/2005/8/layout/list1"/>
@@ -2598,7 +2648,15 @@
         <a:p>
           <a:r>
             <a:rPr lang="cs-CZ" dirty="0"/>
-            <a:t>Protocol + ´sub domain´ + Domain + ´version´ + endpoint + ´querry´</a:t>
+            <a:t>Protocol + ´sub domain´ + Domain + ´version´ + endpoint + ´</a:t>
+          </a:r>
+          <a:r>
+            <a:rPr lang="cs-CZ" dirty="0" smtClean="0"/>
+            <a:t>query</a:t>
+          </a:r>
+          <a:r>
+            <a:rPr lang="cs-CZ" dirty="0"/>
+            <a:t>´</a:t>
           </a:r>
           <a:endParaRPr lang="en-US" dirty="0"/>
         </a:p>
@@ -2748,6 +2806,13 @@
         </dgm:presLayoutVars>
       </dgm:prSet>
       <dgm:spPr/>
+      <dgm:t>
+        <a:bodyPr/>
+        <a:lstStyle/>
+        <a:p>
+          <a:endParaRPr lang="en-US"/>
+        </a:p>
+      </dgm:t>
     </dgm:pt>
     <dgm:pt modelId="{A238F28A-F3FB-4961-8FB5-7B7AD7970B60}" type="pres">
       <dgm:prSet presAssocID="{5C0F34DA-6624-4B6F-9C6C-3F17BD76BD54}" presName="parentLin" presStyleCnt="0"/>
@@ -2756,6 +2821,13 @@
     <dgm:pt modelId="{0F84C324-D275-4B39-93FF-54E87C6BCB07}" type="pres">
       <dgm:prSet presAssocID="{5C0F34DA-6624-4B6F-9C6C-3F17BD76BD54}" presName="parentLeftMargin" presStyleLbl="node1" presStyleIdx="0" presStyleCnt="2"/>
       <dgm:spPr/>
+      <dgm:t>
+        <a:bodyPr/>
+        <a:lstStyle/>
+        <a:p>
+          <a:endParaRPr lang="en-US"/>
+        </a:p>
+      </dgm:t>
     </dgm:pt>
     <dgm:pt modelId="{F9AF9988-597A-4954-B9DB-2781CAF8B31D}" type="pres">
       <dgm:prSet presAssocID="{5C0F34DA-6624-4B6F-9C6C-3F17BD76BD54}" presName="parentText" presStyleLbl="node1" presStyleIdx="0" presStyleCnt="2">
@@ -2765,6 +2837,13 @@
         </dgm:presLayoutVars>
       </dgm:prSet>
       <dgm:spPr/>
+      <dgm:t>
+        <a:bodyPr/>
+        <a:lstStyle/>
+        <a:p>
+          <a:endParaRPr lang="en-US"/>
+        </a:p>
+      </dgm:t>
     </dgm:pt>
     <dgm:pt modelId="{05F2E40A-432B-4338-974A-043501B3797B}" type="pres">
       <dgm:prSet presAssocID="{5C0F34DA-6624-4B6F-9C6C-3F17BD76BD54}" presName="negativeSpace" presStyleCnt="0"/>
@@ -2777,6 +2856,13 @@
         </dgm:presLayoutVars>
       </dgm:prSet>
       <dgm:spPr/>
+      <dgm:t>
+        <a:bodyPr/>
+        <a:lstStyle/>
+        <a:p>
+          <a:endParaRPr lang="en-US"/>
+        </a:p>
+      </dgm:t>
     </dgm:pt>
     <dgm:pt modelId="{D9F60F5A-1C5C-45CA-B501-8F3113906CD8}" type="pres">
       <dgm:prSet presAssocID="{51CB1D8A-597C-40AC-A006-8453B821EB5B}" presName="spaceBetweenRectangles" presStyleCnt="0"/>
@@ -2789,6 +2875,13 @@
     <dgm:pt modelId="{7EC4D0A3-E3B0-4B91-BF98-36DA683682AD}" type="pres">
       <dgm:prSet presAssocID="{C09A828D-3619-4956-8180-E1611C070D35}" presName="parentLeftMargin" presStyleLbl="node1" presStyleIdx="0" presStyleCnt="2"/>
       <dgm:spPr/>
+      <dgm:t>
+        <a:bodyPr/>
+        <a:lstStyle/>
+        <a:p>
+          <a:endParaRPr lang="en-US"/>
+        </a:p>
+      </dgm:t>
     </dgm:pt>
     <dgm:pt modelId="{56A6C593-B066-41D8-8EDB-DE3EB614084E}" type="pres">
       <dgm:prSet presAssocID="{C09A828D-3619-4956-8180-E1611C070D35}" presName="parentText" presStyleLbl="node1" presStyleIdx="1" presStyleCnt="2">
@@ -2798,6 +2891,13 @@
         </dgm:presLayoutVars>
       </dgm:prSet>
       <dgm:spPr/>
+      <dgm:t>
+        <a:bodyPr/>
+        <a:lstStyle/>
+        <a:p>
+          <a:endParaRPr lang="en-US"/>
+        </a:p>
+      </dgm:t>
     </dgm:pt>
     <dgm:pt modelId="{EC815C0E-F753-4964-A391-D1E5A1E7B7EC}" type="pres">
       <dgm:prSet presAssocID="{C09A828D-3619-4956-8180-E1611C070D35}" presName="negativeSpace" presStyleCnt="0"/>
@@ -2810,30 +2910,37 @@
         </dgm:presLayoutVars>
       </dgm:prSet>
       <dgm:spPr/>
+      <dgm:t>
+        <a:bodyPr/>
+        <a:lstStyle/>
+        <a:p>
+          <a:endParaRPr lang="en-US"/>
+        </a:p>
+      </dgm:t>
     </dgm:pt>
   </dgm:ptLst>
   <dgm:cxnLst>
+    <dgm:cxn modelId="{702F99F1-7BCE-428B-8153-C0E5EB199AA3}" srcId="{7E6D4195-64AB-45B9-B5E3-E2383E772FDF}" destId="{C09A828D-3619-4956-8180-E1611C070D35}" srcOrd="1" destOrd="0" parTransId="{D551791A-2A1A-4709-8AB9-438748D5105F}" sibTransId="{9F03150E-EE21-4A94-87DF-DBA9A013F02A}"/>
     <dgm:cxn modelId="{4068FD03-6B29-4887-A369-8EB3D1D50E3E}" type="presOf" srcId="{C09A828D-3619-4956-8180-E1611C070D35}" destId="{7EC4D0A3-E3B0-4B91-BF98-36DA683682AD}" srcOrd="0" destOrd="0" presId="urn:microsoft.com/office/officeart/2005/8/layout/list1"/>
+    <dgm:cxn modelId="{F7C4DD2E-E62B-414B-953D-CB1C39A8A4FD}" type="presOf" srcId="{7C578AC0-5E19-405F-BEC1-6E815C9AC45A}" destId="{EAFFE586-E6B0-472A-AA9F-71DDCC301C28}" srcOrd="0" destOrd="0" presId="urn:microsoft.com/office/officeart/2005/8/layout/list1"/>
+    <dgm:cxn modelId="{F0B79B2E-918A-496C-818B-4BB1A84FAD47}" type="presOf" srcId="{7E6D4195-64AB-45B9-B5E3-E2383E772FDF}" destId="{167CC80F-3E19-41A9-9002-A3D3DA60190F}" srcOrd="0" destOrd="0" presId="urn:microsoft.com/office/officeart/2005/8/layout/list1"/>
+    <dgm:cxn modelId="{A02C3841-5CEA-4C22-B063-29F516336038}" type="presOf" srcId="{EA6A1143-8B43-489A-89BD-F75F92A2220F}" destId="{03FDA3D2-E5F3-46F6-BCB2-174195519A45}" srcOrd="0" destOrd="2" presId="urn:microsoft.com/office/officeart/2005/8/layout/list1"/>
+    <dgm:cxn modelId="{D38B02F3-CE60-47F4-905B-0B52062EF7C9}" srcId="{5C0F34DA-6624-4B6F-9C6C-3F17BD76BD54}" destId="{E20FEBD7-2608-4BAF-AFBE-5ACBD0B7A2E3}" srcOrd="1" destOrd="0" parTransId="{85CB3AA6-1301-45BB-AF0D-8EBC96134D6D}" sibTransId="{A85119C9-5E22-49D5-AABD-91F3CF331BCF}"/>
+    <dgm:cxn modelId="{F7B2E3DF-2044-44E8-90F3-B0F9545B081B}" type="presOf" srcId="{5C0F34DA-6624-4B6F-9C6C-3F17BD76BD54}" destId="{0F84C324-D275-4B39-93FF-54E87C6BCB07}" srcOrd="0" destOrd="0" presId="urn:microsoft.com/office/officeart/2005/8/layout/list1"/>
+    <dgm:cxn modelId="{19C5248C-DB8E-4482-BA70-833D4405781E}" type="presOf" srcId="{C09A828D-3619-4956-8180-E1611C070D35}" destId="{56A6C593-B066-41D8-8EDB-DE3EB614084E}" srcOrd="1" destOrd="0" presId="urn:microsoft.com/office/officeart/2005/8/layout/list1"/>
+    <dgm:cxn modelId="{425F53C5-0B43-4545-A2CB-F6BC04197B5A}" type="presOf" srcId="{ABB42955-C186-4708-BB60-2A121F5591D4}" destId="{03FDA3D2-E5F3-46F6-BCB2-174195519A45}" srcOrd="0" destOrd="0" presId="urn:microsoft.com/office/officeart/2005/8/layout/list1"/>
+    <dgm:cxn modelId="{A5265A47-3A27-46C3-93DA-B79679954463}" srcId="{5C0F34DA-6624-4B6F-9C6C-3F17BD76BD54}" destId="{7C578AC0-5E19-405F-BEC1-6E815C9AC45A}" srcOrd="0" destOrd="0" parTransId="{864289D5-0416-4AE8-AC40-AD6C6A67DFAD}" sibTransId="{067A0FD4-21D9-474B-BA55-4D54AA20077B}"/>
+    <dgm:cxn modelId="{8D2FE5FE-EDE5-4A0E-9CD4-0ED960C9CCED}" type="presOf" srcId="{3C087919-F200-4031-AB6D-33BE731DEF55}" destId="{EAFFE586-E6B0-472A-AA9F-71DDCC301C28}" srcOrd="0" destOrd="3" presId="urn:microsoft.com/office/officeart/2005/8/layout/list1"/>
+    <dgm:cxn modelId="{8DA3B1F7-71B0-4404-A2D0-C29BE99DFC24}" type="presOf" srcId="{5C0F34DA-6624-4B6F-9C6C-3F17BD76BD54}" destId="{F9AF9988-597A-4954-B9DB-2781CAF8B31D}" srcOrd="1" destOrd="0" presId="urn:microsoft.com/office/officeart/2005/8/layout/list1"/>
+    <dgm:cxn modelId="{8180854D-2001-4519-86CB-E4452E7DDA4F}" srcId="{C09A828D-3619-4956-8180-E1611C070D35}" destId="{ABB42955-C186-4708-BB60-2A121F5591D4}" srcOrd="0" destOrd="0" parTransId="{592BDCEA-40E6-4B06-A110-22EA441A81F0}" sibTransId="{45818C68-3E01-4070-9550-7D14FDFE2D34}"/>
+    <dgm:cxn modelId="{8AB090ED-C63C-4AA4-92D8-E1C1E738C183}" type="presOf" srcId="{2C767607-1006-44C8-AD67-3890E8D6B142}" destId="{EAFFE586-E6B0-472A-AA9F-71DDCC301C28}" srcOrd="0" destOrd="2" presId="urn:microsoft.com/office/officeart/2005/8/layout/list1"/>
+    <dgm:cxn modelId="{7239CD80-4488-4E25-A696-E9324DA85935}" type="presOf" srcId="{E20FEBD7-2608-4BAF-AFBE-5ACBD0B7A2E3}" destId="{EAFFE586-E6B0-472A-AA9F-71DDCC301C28}" srcOrd="0" destOrd="1" presId="urn:microsoft.com/office/officeart/2005/8/layout/list1"/>
+    <dgm:cxn modelId="{78BB52BC-B076-4538-BA84-59A96DE7F04F}" srcId="{C09A828D-3619-4956-8180-E1611C070D35}" destId="{EA6A1143-8B43-489A-89BD-F75F92A2220F}" srcOrd="2" destOrd="0" parTransId="{9BD913D0-6DC5-4B7A-8B45-55A93174D2EA}" sibTransId="{B0C15E15-FE9D-44CC-A593-E8B6E9693665}"/>
+    <dgm:cxn modelId="{12590F6B-68FA-4138-9FFE-CC6037E77FE7}" srcId="{C09A828D-3619-4956-8180-E1611C070D35}" destId="{AFAEF1D1-1427-47BB-9C40-C519E74A5561}" srcOrd="1" destOrd="0" parTransId="{855C8D5C-F3D1-4ED5-BCB1-131BDE9E07CD}" sibTransId="{9F8252BD-0F99-4BAE-A0FA-86AE519EE7B8}"/>
+    <dgm:cxn modelId="{C4E0963C-DC5D-4BCA-BEE1-AFB985258635}" srcId="{7E6D4195-64AB-45B9-B5E3-E2383E772FDF}" destId="{5C0F34DA-6624-4B6F-9C6C-3F17BD76BD54}" srcOrd="0" destOrd="0" parTransId="{CA42AA7B-6758-44A9-AC87-1DE2F6333DC2}" sibTransId="{51CB1D8A-597C-40AC-A006-8453B821EB5B}"/>
+    <dgm:cxn modelId="{D0CDC26E-3174-4025-A41F-98986ACE8769}" srcId="{5C0F34DA-6624-4B6F-9C6C-3F17BD76BD54}" destId="{2C767607-1006-44C8-AD67-3890E8D6B142}" srcOrd="2" destOrd="0" parTransId="{9331CAE8-3DAE-4CCD-8B3A-22A7048CE90E}" sibTransId="{8C9F2BDD-F112-45DF-8079-04771CB1676D}"/>
+    <dgm:cxn modelId="{56F6F5C0-22B4-48A8-8A2B-9766899E0992}" srcId="{5C0F34DA-6624-4B6F-9C6C-3F17BD76BD54}" destId="{3C087919-F200-4031-AB6D-33BE731DEF55}" srcOrd="3" destOrd="0" parTransId="{28DD0F48-62CD-438B-A2FE-A36AD85BBD58}" sibTransId="{86F6D3C0-EA7C-4661-B61A-6277592B0869}"/>
     <dgm:cxn modelId="{F58E960D-BEBB-4F15-8A81-E1C7B36FE8FD}" type="presOf" srcId="{AFAEF1D1-1427-47BB-9C40-C519E74A5561}" destId="{03FDA3D2-E5F3-46F6-BCB2-174195519A45}" srcOrd="0" destOrd="1" presId="urn:microsoft.com/office/officeart/2005/8/layout/list1"/>
-    <dgm:cxn modelId="{F0B79B2E-918A-496C-818B-4BB1A84FAD47}" type="presOf" srcId="{7E6D4195-64AB-45B9-B5E3-E2383E772FDF}" destId="{167CC80F-3E19-41A9-9002-A3D3DA60190F}" srcOrd="0" destOrd="0" presId="urn:microsoft.com/office/officeart/2005/8/layout/list1"/>
-    <dgm:cxn modelId="{F7C4DD2E-E62B-414B-953D-CB1C39A8A4FD}" type="presOf" srcId="{7C578AC0-5E19-405F-BEC1-6E815C9AC45A}" destId="{EAFFE586-E6B0-472A-AA9F-71DDCC301C28}" srcOrd="0" destOrd="0" presId="urn:microsoft.com/office/officeart/2005/8/layout/list1"/>
-    <dgm:cxn modelId="{C4E0963C-DC5D-4BCA-BEE1-AFB985258635}" srcId="{7E6D4195-64AB-45B9-B5E3-E2383E772FDF}" destId="{5C0F34DA-6624-4B6F-9C6C-3F17BD76BD54}" srcOrd="0" destOrd="0" parTransId="{CA42AA7B-6758-44A9-AC87-1DE2F6333DC2}" sibTransId="{51CB1D8A-597C-40AC-A006-8453B821EB5B}"/>
-    <dgm:cxn modelId="{A02C3841-5CEA-4C22-B063-29F516336038}" type="presOf" srcId="{EA6A1143-8B43-489A-89BD-F75F92A2220F}" destId="{03FDA3D2-E5F3-46F6-BCB2-174195519A45}" srcOrd="0" destOrd="2" presId="urn:microsoft.com/office/officeart/2005/8/layout/list1"/>
-    <dgm:cxn modelId="{A5265A47-3A27-46C3-93DA-B79679954463}" srcId="{5C0F34DA-6624-4B6F-9C6C-3F17BD76BD54}" destId="{7C578AC0-5E19-405F-BEC1-6E815C9AC45A}" srcOrd="0" destOrd="0" parTransId="{864289D5-0416-4AE8-AC40-AD6C6A67DFAD}" sibTransId="{067A0FD4-21D9-474B-BA55-4D54AA20077B}"/>
-    <dgm:cxn modelId="{12590F6B-68FA-4138-9FFE-CC6037E77FE7}" srcId="{C09A828D-3619-4956-8180-E1611C070D35}" destId="{AFAEF1D1-1427-47BB-9C40-C519E74A5561}" srcOrd="1" destOrd="0" parTransId="{855C8D5C-F3D1-4ED5-BCB1-131BDE9E07CD}" sibTransId="{9F8252BD-0F99-4BAE-A0FA-86AE519EE7B8}"/>
-    <dgm:cxn modelId="{8180854D-2001-4519-86CB-E4452E7DDA4F}" srcId="{C09A828D-3619-4956-8180-E1611C070D35}" destId="{ABB42955-C186-4708-BB60-2A121F5591D4}" srcOrd="0" destOrd="0" parTransId="{592BDCEA-40E6-4B06-A110-22EA441A81F0}" sibTransId="{45818C68-3E01-4070-9550-7D14FDFE2D34}"/>
-    <dgm:cxn modelId="{D0CDC26E-3174-4025-A41F-98986ACE8769}" srcId="{5C0F34DA-6624-4B6F-9C6C-3F17BD76BD54}" destId="{2C767607-1006-44C8-AD67-3890E8D6B142}" srcOrd="2" destOrd="0" parTransId="{9331CAE8-3DAE-4CCD-8B3A-22A7048CE90E}" sibTransId="{8C9F2BDD-F112-45DF-8079-04771CB1676D}"/>
-    <dgm:cxn modelId="{7239CD80-4488-4E25-A696-E9324DA85935}" type="presOf" srcId="{E20FEBD7-2608-4BAF-AFBE-5ACBD0B7A2E3}" destId="{EAFFE586-E6B0-472A-AA9F-71DDCC301C28}" srcOrd="0" destOrd="1" presId="urn:microsoft.com/office/officeart/2005/8/layout/list1"/>
-    <dgm:cxn modelId="{19C5248C-DB8E-4482-BA70-833D4405781E}" type="presOf" srcId="{C09A828D-3619-4956-8180-E1611C070D35}" destId="{56A6C593-B066-41D8-8EDB-DE3EB614084E}" srcOrd="1" destOrd="0" presId="urn:microsoft.com/office/officeart/2005/8/layout/list1"/>
-    <dgm:cxn modelId="{78BB52BC-B076-4538-BA84-59A96DE7F04F}" srcId="{C09A828D-3619-4956-8180-E1611C070D35}" destId="{EA6A1143-8B43-489A-89BD-F75F92A2220F}" srcOrd="2" destOrd="0" parTransId="{9BD913D0-6DC5-4B7A-8B45-55A93174D2EA}" sibTransId="{B0C15E15-FE9D-44CC-A593-E8B6E9693665}"/>
-    <dgm:cxn modelId="{56F6F5C0-22B4-48A8-8A2B-9766899E0992}" srcId="{5C0F34DA-6624-4B6F-9C6C-3F17BD76BD54}" destId="{3C087919-F200-4031-AB6D-33BE731DEF55}" srcOrd="3" destOrd="0" parTransId="{28DD0F48-62CD-438B-A2FE-A36AD85BBD58}" sibTransId="{86F6D3C0-EA7C-4661-B61A-6277592B0869}"/>
-    <dgm:cxn modelId="{425F53C5-0B43-4545-A2CB-F6BC04197B5A}" type="presOf" srcId="{ABB42955-C186-4708-BB60-2A121F5591D4}" destId="{03FDA3D2-E5F3-46F6-BCB2-174195519A45}" srcOrd="0" destOrd="0" presId="urn:microsoft.com/office/officeart/2005/8/layout/list1"/>
-    <dgm:cxn modelId="{F7B2E3DF-2044-44E8-90F3-B0F9545B081B}" type="presOf" srcId="{5C0F34DA-6624-4B6F-9C6C-3F17BD76BD54}" destId="{0F84C324-D275-4B39-93FF-54E87C6BCB07}" srcOrd="0" destOrd="0" presId="urn:microsoft.com/office/officeart/2005/8/layout/list1"/>
-    <dgm:cxn modelId="{8AB090ED-C63C-4AA4-92D8-E1C1E738C183}" type="presOf" srcId="{2C767607-1006-44C8-AD67-3890E8D6B142}" destId="{EAFFE586-E6B0-472A-AA9F-71DDCC301C28}" srcOrd="0" destOrd="2" presId="urn:microsoft.com/office/officeart/2005/8/layout/list1"/>
-    <dgm:cxn modelId="{702F99F1-7BCE-428B-8153-C0E5EB199AA3}" srcId="{7E6D4195-64AB-45B9-B5E3-E2383E772FDF}" destId="{C09A828D-3619-4956-8180-E1611C070D35}" srcOrd="1" destOrd="0" parTransId="{D551791A-2A1A-4709-8AB9-438748D5105F}" sibTransId="{9F03150E-EE21-4A94-87DF-DBA9A013F02A}"/>
-    <dgm:cxn modelId="{D38B02F3-CE60-47F4-905B-0B52062EF7C9}" srcId="{5C0F34DA-6624-4B6F-9C6C-3F17BD76BD54}" destId="{E20FEBD7-2608-4BAF-AFBE-5ACBD0B7A2E3}" srcOrd="1" destOrd="0" parTransId="{85CB3AA6-1301-45BB-AF0D-8EBC96134D6D}" sibTransId="{A85119C9-5E22-49D5-AABD-91F3CF331BCF}"/>
-    <dgm:cxn modelId="{8DA3B1F7-71B0-4404-A2D0-C29BE99DFC24}" type="presOf" srcId="{5C0F34DA-6624-4B6F-9C6C-3F17BD76BD54}" destId="{F9AF9988-597A-4954-B9DB-2781CAF8B31D}" srcOrd="1" destOrd="0" presId="urn:microsoft.com/office/officeart/2005/8/layout/list1"/>
-    <dgm:cxn modelId="{8D2FE5FE-EDE5-4A0E-9CD4-0ED960C9CCED}" type="presOf" srcId="{3C087919-F200-4031-AB6D-33BE731DEF55}" destId="{EAFFE586-E6B0-472A-AA9F-71DDCC301C28}" srcOrd="0" destOrd="3" presId="urn:microsoft.com/office/officeart/2005/8/layout/list1"/>
     <dgm:cxn modelId="{348798D2-0B63-4588-A044-75895692D003}" type="presParOf" srcId="{167CC80F-3E19-41A9-9002-A3D3DA60190F}" destId="{A238F28A-F3FB-4961-8FB5-7B7AD7970B60}" srcOrd="0" destOrd="0" presId="urn:microsoft.com/office/officeart/2005/8/layout/list1"/>
     <dgm:cxn modelId="{10AC4F0B-6F9F-47B8-AF02-12442FED1FFC}" type="presParOf" srcId="{A238F28A-F3FB-4961-8FB5-7B7AD7970B60}" destId="{0F84C324-D275-4B39-93FF-54E87C6BCB07}" srcOrd="0" destOrd="0" presId="urn:microsoft.com/office/officeart/2005/8/layout/list1"/>
     <dgm:cxn modelId="{DF52B194-3D35-4B9B-8B06-0BCCEFD44886}" type="presParOf" srcId="{A238F28A-F3FB-4961-8FB5-7B7AD7970B60}" destId="{F9AF9988-597A-4954-B9DB-2781CAF8B31D}" srcOrd="1" destOrd="0" presId="urn:microsoft.com/office/officeart/2005/8/layout/list1"/>
@@ -2923,7 +3030,7 @@
             <a:spcAft>
               <a:spcPct val="15000"/>
             </a:spcAft>
-            <a:buChar char="•"/>
+            <a:buChar char="••"/>
           </a:pPr>
           <a:r>
             <a:rPr lang="en-US" sz="1800" kern="1200" dirty="0"/>
@@ -2949,7 +3056,7 @@
             <a:spcAft>
               <a:spcPct val="15000"/>
             </a:spcAft>
-            <a:buChar char="•"/>
+            <a:buChar char="••"/>
           </a:pPr>
           <a:r>
             <a:rPr lang="en-US" sz="1800" kern="1200" dirty="0"/>
@@ -2967,7 +3074,7 @@
             <a:spcAft>
               <a:spcPct val="15000"/>
             </a:spcAft>
-            <a:buChar char="•"/>
+            <a:buChar char="••"/>
           </a:pPr>
           <a:r>
             <a:rPr lang="en-US" sz="1800" kern="1200" dirty="0"/>
@@ -2985,7 +3092,7 @@
             <a:spcAft>
               <a:spcPct val="15000"/>
             </a:spcAft>
-            <a:buChar char="•"/>
+            <a:buChar char="••"/>
           </a:pPr>
           <a:r>
             <a:rPr lang="en-US" sz="1800" kern="1200" dirty="0"/>
@@ -3016,7 +3123,7 @@
             <a:spcAft>
               <a:spcPct val="15000"/>
             </a:spcAft>
-            <a:buChar char="•"/>
+            <a:buChar char="••"/>
           </a:pPr>
           <a:r>
             <a:rPr lang="en-US" sz="1800" kern="1200" dirty="0"/>
@@ -3084,7 +3191,7 @@
         </a:bodyPr>
         <a:lstStyle/>
         <a:p>
-          <a:pPr marL="0" lvl="0" indent="0" algn="l" defTabSz="800100">
+          <a:pPr lvl="0" algn="l" defTabSz="800100">
             <a:lnSpc>
               <a:spcPct val="90000"/>
             </a:lnSpc>
@@ -3094,7 +3201,6 @@
             <a:spcAft>
               <a:spcPct val="35000"/>
             </a:spcAft>
-            <a:buNone/>
           </a:pPr>
           <a:r>
             <a:rPr lang="en-US" sz="1800" kern="1200" dirty="0"/>
@@ -3182,7 +3288,7 @@
             <a:spcAft>
               <a:spcPct val="15000"/>
             </a:spcAft>
-            <a:buChar char="•"/>
+            <a:buChar char="••"/>
           </a:pPr>
           <a:r>
             <a:rPr lang="en-US" sz="1800" kern="1200" dirty="0"/>
@@ -3200,7 +3306,7 @@
             <a:spcAft>
               <a:spcPct val="15000"/>
             </a:spcAft>
-            <a:buChar char="•"/>
+            <a:buChar char="••"/>
           </a:pPr>
           <a:r>
             <a:rPr lang="en-US" sz="1800" kern="1200" dirty="0"/>
@@ -3218,7 +3324,7 @@
             <a:spcAft>
               <a:spcPct val="15000"/>
             </a:spcAft>
-            <a:buChar char="•"/>
+            <a:buChar char="••"/>
           </a:pPr>
           <a:r>
             <a:rPr lang="en-US" sz="1800" kern="1200" dirty="0"/>
@@ -3285,7 +3391,7 @@
         </a:bodyPr>
         <a:lstStyle/>
         <a:p>
-          <a:pPr marL="0" lvl="0" indent="0" algn="l" defTabSz="800100">
+          <a:pPr lvl="0" algn="l" defTabSz="800100">
             <a:lnSpc>
               <a:spcPct val="90000"/>
             </a:lnSpc>
@@ -3295,7 +3401,6 @@
             <a:spcAft>
               <a:spcPct val="35000"/>
             </a:spcAft>
-            <a:buNone/>
           </a:pPr>
           <a:r>
             <a:rPr lang="en-US" sz="1800" kern="1200" dirty="0"/>
@@ -3327,8 +3432,8 @@
       </dsp:nvSpPr>
       <dsp:spPr>
         <a:xfrm>
-          <a:off x="0" y="489336"/>
-          <a:ext cx="10515600" cy="1644300"/>
+          <a:off x="0" y="575511"/>
+          <a:ext cx="10515600" cy="1552950"/>
         </a:xfrm>
         <a:prstGeom prst="rect">
           <a:avLst/>
@@ -3364,12 +3469,12 @@
         <a:fontRef idx="minor"/>
       </dsp:style>
       <dsp:txBody>
-        <a:bodyPr spcFirstLastPara="0" vert="horz" wrap="square" lIns="816127" tIns="374904" rIns="816127" bIns="128016" numCol="1" spcCol="1270" anchor="t" anchorCtr="0">
+        <a:bodyPr spcFirstLastPara="0" vert="horz" wrap="square" lIns="816127" tIns="354076" rIns="816127" bIns="120904" numCol="1" spcCol="1270" anchor="t" anchorCtr="0">
           <a:noAutofit/>
         </a:bodyPr>
         <a:lstStyle/>
         <a:p>
-          <a:pPr marL="171450" lvl="1" indent="-171450" algn="l" defTabSz="800100">
+          <a:pPr marL="171450" lvl="1" indent="-171450" algn="l" defTabSz="755650">
             <a:lnSpc>
               <a:spcPct val="90000"/>
             </a:lnSpc>
@@ -3379,32 +3484,32 @@
             <a:spcAft>
               <a:spcPct val="15000"/>
             </a:spcAft>
-            <a:buChar char="•"/>
+            <a:buChar char="••"/>
           </a:pPr>
           <a:r>
-            <a:rPr lang="cs-CZ" sz="1800" kern="1200" dirty="0"/>
+            <a:rPr lang="cs-CZ" sz="1700" kern="1200" dirty="0"/>
             <a:t>Type – </a:t>
           </a:r>
           <a:r>
-            <a:rPr lang="cs-CZ" sz="1800" b="1" kern="1200" dirty="0"/>
+            <a:rPr lang="cs-CZ" sz="1700" b="1" kern="1200" dirty="0"/>
             <a:t>web</a:t>
           </a:r>
           <a:r>
-            <a:rPr lang="cs-CZ" sz="1800" kern="1200" dirty="0"/>
+            <a:rPr lang="cs-CZ" sz="1700" kern="1200" dirty="0"/>
             <a:t>, </a:t>
           </a:r>
           <a:r>
-            <a:rPr lang="en-US" sz="1800" kern="1200" dirty="0"/>
+            <a:rPr lang="en-US" sz="1700" kern="1200" dirty="0"/>
             <a:t>system</a:t>
           </a:r>
           <a:r>
-            <a:rPr lang="cs-CZ" sz="1800" kern="1200" dirty="0"/>
+            <a:rPr lang="cs-CZ" sz="1700" kern="1200" dirty="0"/>
             <a:t>, software, hardware, ...</a:t>
           </a:r>
-          <a:endParaRPr lang="en-US" sz="1800" kern="1200" dirty="0"/>
+          <a:endParaRPr lang="en-US" sz="1700" kern="1200" dirty="0"/>
         </a:p>
         <a:p>
-          <a:pPr marL="171450" lvl="1" indent="-171450" algn="l" defTabSz="800100">
+          <a:pPr marL="171450" lvl="1" indent="-171450" algn="l" defTabSz="755650">
             <a:lnSpc>
               <a:spcPct val="90000"/>
             </a:lnSpc>
@@ -3414,16 +3519,16 @@
             <a:spcAft>
               <a:spcPct val="15000"/>
             </a:spcAft>
-            <a:buChar char="•"/>
+            <a:buChar char="••"/>
           </a:pPr>
           <a:r>
-            <a:rPr lang="cs-CZ" sz="1800" kern="1200" dirty="0"/>
+            <a:rPr lang="cs-CZ" sz="1700" kern="1200" dirty="0"/>
             <a:t>Data format – file, JSON, CSV, XML, ...</a:t>
           </a:r>
-          <a:endParaRPr lang="en-US" sz="1800" kern="1200" dirty="0"/>
+          <a:endParaRPr lang="en-US" sz="1700" kern="1200" dirty="0"/>
         </a:p>
         <a:p>
-          <a:pPr marL="171450" lvl="1" indent="-171450" algn="l" defTabSz="800100">
+          <a:pPr marL="171450" lvl="1" indent="-171450" algn="l" defTabSz="755650">
             <a:lnSpc>
               <a:spcPct val="90000"/>
             </a:lnSpc>
@@ -3433,16 +3538,16 @@
             <a:spcAft>
               <a:spcPct val="15000"/>
             </a:spcAft>
-            <a:buChar char="•"/>
+            <a:buChar char="••"/>
           </a:pPr>
           <a:r>
-            <a:rPr lang="cs-CZ" sz="1800" kern="1200" dirty="0"/>
+            <a:rPr lang="cs-CZ" sz="1700" kern="1200" dirty="0"/>
             <a:t>Returned informations – complete data, data headers (IDs), ...</a:t>
           </a:r>
-          <a:endParaRPr lang="en-US" sz="1800" kern="1200" dirty="0"/>
+          <a:endParaRPr lang="en-US" sz="1700" kern="1200" dirty="0"/>
         </a:p>
         <a:p>
-          <a:pPr marL="171450" lvl="1" indent="-171450" algn="l" defTabSz="800100">
+          <a:pPr marL="171450" lvl="1" indent="-171450" algn="l" defTabSz="755650">
             <a:lnSpc>
               <a:spcPct val="90000"/>
             </a:lnSpc>
@@ -3452,18 +3557,18 @@
             <a:spcAft>
               <a:spcPct val="15000"/>
             </a:spcAft>
-            <a:buChar char="•"/>
+            <a:buChar char="••"/>
           </a:pPr>
           <a:r>
-            <a:rPr lang="cs-CZ" sz="1800" kern="1200" dirty="0"/>
+            <a:rPr lang="cs-CZ" sz="1700" kern="1200" dirty="0"/>
             <a:t>Returned structure – list, tree, graph, ...</a:t>
           </a:r>
-          <a:endParaRPr lang="en-US" sz="1800" kern="1200" dirty="0"/>
+          <a:endParaRPr lang="en-US" sz="1700" kern="1200" dirty="0"/>
         </a:p>
       </dsp:txBody>
       <dsp:txXfrm>
-        <a:off x="0" y="489336"/>
-        <a:ext cx="10515600" cy="1644300"/>
+        <a:off x="0" y="575511"/>
+        <a:ext cx="10515600" cy="1552950"/>
       </dsp:txXfrm>
     </dsp:sp>
     <dsp:sp modelId="{F9AF9988-597A-4954-B9DB-2781CAF8B31D}">
@@ -3473,8 +3578,8 @@
       </dsp:nvSpPr>
       <dsp:spPr>
         <a:xfrm>
-          <a:off x="525780" y="223656"/>
-          <a:ext cx="7360920" cy="531360"/>
+          <a:off x="525780" y="324591"/>
+          <a:ext cx="7360920" cy="501840"/>
         </a:xfrm>
         <a:prstGeom prst="roundRect">
           <a:avLst/>
@@ -3530,7 +3635,7 @@
         </a:bodyPr>
         <a:lstStyle/>
         <a:p>
-          <a:pPr marL="0" lvl="0" indent="0" algn="l" defTabSz="800100">
+          <a:pPr lvl="0" algn="l" defTabSz="755650">
             <a:lnSpc>
               <a:spcPct val="90000"/>
             </a:lnSpc>
@@ -3540,18 +3645,17 @@
             <a:spcAft>
               <a:spcPct val="35000"/>
             </a:spcAft>
-            <a:buNone/>
           </a:pPr>
           <a:r>
-            <a:rPr lang="cs-CZ" sz="1800" kern="1200" dirty="0"/>
+            <a:rPr lang="cs-CZ" sz="1700" kern="1200" dirty="0"/>
             <a:t>Based on several definitions</a:t>
           </a:r>
-          <a:endParaRPr lang="en-US" sz="1800" kern="1200" dirty="0"/>
+          <a:endParaRPr lang="en-US" sz="1700" kern="1200" dirty="0"/>
         </a:p>
       </dsp:txBody>
       <dsp:txXfrm>
-        <a:off x="551719" y="249595"/>
-        <a:ext cx="7309042" cy="479482"/>
+        <a:off x="550278" y="349089"/>
+        <a:ext cx="7311924" cy="452844"/>
       </dsp:txXfrm>
     </dsp:sp>
     <dsp:sp modelId="{03FDA3D2-E5F3-46F6-BCB2-174195519A45}">
@@ -3561,8 +3665,8 @@
       </dsp:nvSpPr>
       <dsp:spPr>
         <a:xfrm>
-          <a:off x="0" y="2496517"/>
-          <a:ext cx="10515600" cy="1360800"/>
+          <a:off x="0" y="2471182"/>
+          <a:ext cx="10515600" cy="1285200"/>
         </a:xfrm>
         <a:prstGeom prst="rect">
           <a:avLst/>
@@ -3598,12 +3702,12 @@
         <a:fontRef idx="minor"/>
       </dsp:style>
       <dsp:txBody>
-        <a:bodyPr spcFirstLastPara="0" vert="horz" wrap="square" lIns="816127" tIns="374904" rIns="816127" bIns="128016" numCol="1" spcCol="1270" anchor="t" anchorCtr="0">
+        <a:bodyPr spcFirstLastPara="0" vert="horz" wrap="square" lIns="816127" tIns="354076" rIns="816127" bIns="120904" numCol="1" spcCol="1270" anchor="t" anchorCtr="0">
           <a:noAutofit/>
         </a:bodyPr>
         <a:lstStyle/>
         <a:p>
-          <a:pPr marL="171450" lvl="1" indent="-171450" algn="l" defTabSz="800100">
+          <a:pPr marL="171450" lvl="1" indent="-171450" algn="l" defTabSz="755650">
             <a:lnSpc>
               <a:spcPct val="90000"/>
             </a:lnSpc>
@@ -3613,16 +3717,24 @@
             <a:spcAft>
               <a:spcPct val="15000"/>
             </a:spcAft>
-            <a:buChar char="•"/>
+            <a:buChar char="••"/>
           </a:pPr>
           <a:r>
-            <a:rPr lang="cs-CZ" sz="1800" kern="1200" dirty="0"/>
-            <a:t>Protocol + ´sub domain´ + Domain + ´version´ + endpoint + ´querry´</a:t>
+            <a:rPr lang="cs-CZ" sz="1700" kern="1200" dirty="0"/>
+            <a:t>Protocol + ´sub domain´ + Domain + ´version´ + endpoint + ´</a:t>
           </a:r>
-          <a:endParaRPr lang="en-US" sz="1800" kern="1200" dirty="0"/>
+          <a:r>
+            <a:rPr lang="cs-CZ" sz="1700" kern="1200" dirty="0" smtClean="0"/>
+            <a:t>query</a:t>
+          </a:r>
+          <a:r>
+            <a:rPr lang="cs-CZ" sz="1700" kern="1200" dirty="0"/>
+            <a:t>´</a:t>
+          </a:r>
+          <a:endParaRPr lang="en-US" sz="1700" kern="1200" dirty="0"/>
         </a:p>
         <a:p>
-          <a:pPr marL="171450" lvl="1" indent="-171450" algn="l" defTabSz="800100">
+          <a:pPr marL="171450" lvl="1" indent="-171450" algn="l" defTabSz="755650">
             <a:lnSpc>
               <a:spcPct val="90000"/>
             </a:lnSpc>
@@ -3632,20 +3744,20 @@
             <a:spcAft>
               <a:spcPct val="15000"/>
             </a:spcAft>
-            <a:buChar char="•"/>
+            <a:buChar char="••"/>
           </a:pPr>
           <a:r>
-            <a:rPr lang="en-US" sz="1800" kern="1200" dirty="0"/>
+            <a:rPr lang="en-US" sz="1700" kern="1200" dirty="0"/>
             <a:t>Example</a:t>
           </a:r>
           <a:r>
-            <a:rPr lang="cs-CZ" sz="1800" kern="1200" dirty="0"/>
+            <a:rPr lang="cs-CZ" sz="1700" kern="1200" dirty="0"/>
             <a:t>:</a:t>
           </a:r>
-          <a:endParaRPr lang="en-US" sz="1800" kern="1200" dirty="0"/>
+          <a:endParaRPr lang="en-US" sz="1700" kern="1200" dirty="0"/>
         </a:p>
         <a:p>
-          <a:pPr marL="171450" lvl="1" indent="-171450" algn="l" defTabSz="800100">
+          <a:pPr marL="171450" lvl="1" indent="-171450" algn="l" defTabSz="755650">
             <a:lnSpc>
               <a:spcPct val="90000"/>
             </a:lnSpc>
@@ -3656,37 +3768,37 @@
               <a:spcPct val="15000"/>
             </a:spcAft>
             <a:buFont typeface="Arial" panose="020B0604020202020204" pitchFamily="34" charset="0"/>
-            <a:buNone/>
+            <a:buChar char="••"/>
           </a:pPr>
           <a:r>
-            <a:rPr lang="cs-CZ" sz="1800" kern="1200" dirty="0"/>
+            <a:rPr lang="cs-CZ" sz="1700" kern="1200" dirty="0"/>
             <a:t>https://www.api.spotify.com/v1/artist/</a:t>
           </a:r>
           <a:r>
-            <a:rPr lang="en-US" sz="1800" kern="1200" dirty="0"/>
+            <a:rPr lang="en-US" sz="1700" kern="1200" dirty="0"/>
             <a:t>123456789</a:t>
           </a:r>
           <a:r>
-            <a:rPr lang="cs-CZ" sz="1800" kern="1200" dirty="0"/>
+            <a:rPr lang="cs-CZ" sz="1700" kern="1200" dirty="0"/>
             <a:t>/albums</a:t>
           </a:r>
           <a:r>
-            <a:rPr lang="en-US" sz="1800" kern="1200" dirty="0"/>
+            <a:rPr lang="en-US" sz="1700" kern="1200" dirty="0"/>
             <a:t>?</a:t>
           </a:r>
           <a:r>
-            <a:rPr lang="cs-CZ" sz="1800" kern="1200" dirty="0"/>
+            <a:rPr lang="cs-CZ" sz="1700" kern="1200" dirty="0"/>
             <a:t>location=CZ,SK</a:t>
           </a:r>
           <a:r>
-            <a:rPr lang="en-US" sz="1800" kern="1200" dirty="0"/>
+            <a:rPr lang="en-US" sz="1700" kern="1200" dirty="0"/>
             <a:t>&amp;limit=25&amp;offset=5</a:t>
           </a:r>
         </a:p>
       </dsp:txBody>
       <dsp:txXfrm>
-        <a:off x="0" y="2496517"/>
-        <a:ext cx="10515600" cy="1360800"/>
+        <a:off x="0" y="2471182"/>
+        <a:ext cx="10515600" cy="1285200"/>
       </dsp:txXfrm>
     </dsp:sp>
     <dsp:sp modelId="{56A6C593-B066-41D8-8EDB-DE3EB614084E}">
@@ -3696,8 +3808,8 @@
       </dsp:nvSpPr>
       <dsp:spPr>
         <a:xfrm>
-          <a:off x="525780" y="2230837"/>
-          <a:ext cx="7360920" cy="531360"/>
+          <a:off x="525780" y="2220262"/>
+          <a:ext cx="7360920" cy="501840"/>
         </a:xfrm>
         <a:prstGeom prst="roundRect">
           <a:avLst/>
@@ -3756,7 +3868,7 @@
         </a:bodyPr>
         <a:lstStyle/>
         <a:p>
-          <a:pPr marL="0" lvl="0" indent="0" algn="l" defTabSz="800100">
+          <a:pPr lvl="0" algn="l" defTabSz="755650">
             <a:lnSpc>
               <a:spcPct val="90000"/>
             </a:lnSpc>
@@ -3766,18 +3878,17 @@
             <a:spcAft>
               <a:spcPct val="35000"/>
             </a:spcAft>
-            <a:buNone/>
           </a:pPr>
           <a:r>
-            <a:rPr lang="cs-CZ" sz="1800" kern="1200" dirty="0"/>
+            <a:rPr lang="cs-CZ" sz="1700" kern="1200" dirty="0"/>
             <a:t>URL structure</a:t>
           </a:r>
-          <a:endParaRPr lang="en-US" sz="1800" kern="1200" dirty="0"/>
+          <a:endParaRPr lang="en-US" sz="1700" kern="1200" dirty="0"/>
         </a:p>
       </dsp:txBody>
       <dsp:txXfrm>
-        <a:off x="551719" y="2256776"/>
-        <a:ext cx="7309042" cy="479482"/>
+        <a:off x="550278" y="2244760"/>
+        <a:ext cx="7311924" cy="452844"/>
       </dsp:txXfrm>
     </dsp:sp>
   </dsp:spTree>
@@ -6384,7 +6495,7 @@
           <a:p>
             <a:fld id="{B4840607-A076-4567-872E-1B25518608ED}" type="datetimeFigureOut">
               <a:rPr lang="cs-CZ" smtClean="0"/>
-              <a:t>26.3.2018</a:t>
+              <a:t>27.03.2018</a:t>
             </a:fld>
             <a:endParaRPr lang="cs-CZ" dirty="0"/>
           </a:p>
@@ -6864,7 +6975,7 @@
           <a:p>
             <a:fld id="{4ABD8D0A-6121-4E0A-B305-AFF8B868C796}" type="datetimeFigureOut">
               <a:rPr lang="en-US" smtClean="0"/>
-              <a:t>3/26/2018</a:t>
+              <a:t>27-Mar-18</a:t>
             </a:fld>
             <a:endParaRPr lang="en-US" dirty="0"/>
           </a:p>
@@ -7032,7 +7143,7 @@
           <a:p>
             <a:fld id="{4ABD8D0A-6121-4E0A-B305-AFF8B868C796}" type="datetimeFigureOut">
               <a:rPr lang="en-US" smtClean="0"/>
-              <a:t>3/26/2018</a:t>
+              <a:t>27-Mar-18</a:t>
             </a:fld>
             <a:endParaRPr lang="en-US" dirty="0"/>
           </a:p>
@@ -7210,7 +7321,7 @@
           <a:p>
             <a:fld id="{4ABD8D0A-6121-4E0A-B305-AFF8B868C796}" type="datetimeFigureOut">
               <a:rPr lang="en-US" smtClean="0"/>
-              <a:t>3/26/2018</a:t>
+              <a:t>27-Mar-18</a:t>
             </a:fld>
             <a:endParaRPr lang="en-US" dirty="0"/>
           </a:p>
@@ -7378,7 +7489,7 @@
           <a:p>
             <a:fld id="{4ABD8D0A-6121-4E0A-B305-AFF8B868C796}" type="datetimeFigureOut">
               <a:rPr lang="en-US" smtClean="0"/>
-              <a:t>3/26/2018</a:t>
+              <a:t>27-Mar-18</a:t>
             </a:fld>
             <a:endParaRPr lang="en-US" dirty="0"/>
           </a:p>
@@ -7623,7 +7734,7 @@
           <a:p>
             <a:fld id="{4ABD8D0A-6121-4E0A-B305-AFF8B868C796}" type="datetimeFigureOut">
               <a:rPr lang="en-US" smtClean="0"/>
-              <a:t>3/26/2018</a:t>
+              <a:t>27-Mar-18</a:t>
             </a:fld>
             <a:endParaRPr lang="en-US" dirty="0"/>
           </a:p>
@@ -7852,7 +7963,7 @@
           <a:p>
             <a:fld id="{4ABD8D0A-6121-4E0A-B305-AFF8B868C796}" type="datetimeFigureOut">
               <a:rPr lang="en-US" smtClean="0"/>
-              <a:t>3/26/2018</a:t>
+              <a:t>27-Mar-18</a:t>
             </a:fld>
             <a:endParaRPr lang="en-US" dirty="0"/>
           </a:p>
@@ -8216,7 +8327,7 @@
           <a:p>
             <a:fld id="{4ABD8D0A-6121-4E0A-B305-AFF8B868C796}" type="datetimeFigureOut">
               <a:rPr lang="en-US" smtClean="0"/>
-              <a:t>3/26/2018</a:t>
+              <a:t>27-Mar-18</a:t>
             </a:fld>
             <a:endParaRPr lang="en-US" dirty="0"/>
           </a:p>
@@ -8333,7 +8444,7 @@
           <a:p>
             <a:fld id="{4ABD8D0A-6121-4E0A-B305-AFF8B868C796}" type="datetimeFigureOut">
               <a:rPr lang="en-US" smtClean="0"/>
-              <a:t>3/26/2018</a:t>
+              <a:t>27-Mar-18</a:t>
             </a:fld>
             <a:endParaRPr lang="en-US" dirty="0"/>
           </a:p>
@@ -8428,7 +8539,7 @@
           <a:p>
             <a:fld id="{4ABD8D0A-6121-4E0A-B305-AFF8B868C796}" type="datetimeFigureOut">
               <a:rPr lang="en-US" smtClean="0"/>
-              <a:t>3/26/2018</a:t>
+              <a:t>27-Mar-18</a:t>
             </a:fld>
             <a:endParaRPr lang="en-US" dirty="0"/>
           </a:p>
@@ -8703,7 +8814,7 @@
           <a:p>
             <a:fld id="{4ABD8D0A-6121-4E0A-B305-AFF8B868C796}" type="datetimeFigureOut">
               <a:rPr lang="en-US" smtClean="0"/>
-              <a:t>3/26/2018</a:t>
+              <a:t>27-Mar-18</a:t>
             </a:fld>
             <a:endParaRPr lang="en-US" dirty="0"/>
           </a:p>
@@ -8955,7 +9066,7 @@
           <a:p>
             <a:fld id="{4ABD8D0A-6121-4E0A-B305-AFF8B868C796}" type="datetimeFigureOut">
               <a:rPr lang="en-US" smtClean="0"/>
-              <a:t>3/26/2018</a:t>
+              <a:t>27-Mar-18</a:t>
             </a:fld>
             <a:endParaRPr lang="en-US" dirty="0"/>
           </a:p>
@@ -9166,7 +9277,7 @@
           <a:p>
             <a:fld id="{4ABD8D0A-6121-4E0A-B305-AFF8B868C796}" type="datetimeFigureOut">
               <a:rPr lang="en-US" smtClean="0"/>
-              <a:t>3/26/2018</a:t>
+              <a:t>27-Mar-18</a:t>
             </a:fld>
             <a:endParaRPr lang="en-US" dirty="0"/>
           </a:p>
@@ -10521,8 +10632,20 @@
           <a:p>
             <a:pPr lvl="1"/>
             <a:r>
+              <a:rPr lang="cs-CZ" sz="2000" dirty="0" smtClean="0"/>
+              <a:t>Proce</a:t>
+            </a:r>
+            <a:r>
+              <a:rPr lang="en-US" sz="2000" dirty="0" smtClean="0"/>
+              <a:t>s</a:t>
+            </a:r>
+            <a:r>
+              <a:rPr lang="cs-CZ" sz="2000" dirty="0" smtClean="0"/>
+              <a:t>sing </a:t>
+            </a:r>
+            <a:r>
               <a:rPr lang="cs-CZ" sz="2000" dirty="0"/>
-              <a:t>Procesing data may be slow</a:t>
+              <a:t>data may be slow</a:t>
             </a:r>
           </a:p>
           <a:p>
@@ -10545,10 +10668,96 @@
   <p:clrMapOvr>
     <a:masterClrMapping/>
   </p:clrMapOvr>
+  <p:timing>
+    <p:tnLst>
+      <p:par>
+        <p:cTn id="1" dur="indefinite" restart="never" nodeType="tmRoot"/>
+      </p:par>
+    </p:tnLst>
+  </p:timing>
 </p:sld>
 </file>
 
 <file path=ppt/slides/slide11.xml><?xml version="1.0" encoding="utf-8"?>
+<p:sld xmlns:a="http://schemas.openxmlformats.org/drawingml/2006/main" xmlns:r="http://schemas.openxmlformats.org/officeDocument/2006/relationships" xmlns:p="http://schemas.openxmlformats.org/presentationml/2006/main">
+  <p:cSld>
+    <p:spTree>
+      <p:nvGrpSpPr>
+        <p:cNvPr id="1" name=""/>
+        <p:cNvGrpSpPr/>
+        <p:nvPr/>
+      </p:nvGrpSpPr>
+      <p:grpSpPr>
+        <a:xfrm>
+          <a:off x="0" y="0"/>
+          <a:ext cx="0" cy="0"/>
+          <a:chOff x="0" y="0"/>
+          <a:chExt cx="0" cy="0"/>
+        </a:xfrm>
+      </p:grpSpPr>
+      <p:sp>
+        <p:nvSpPr>
+          <p:cNvPr id="5" name="Title 4"/>
+          <p:cNvSpPr>
+            <a:spLocks noGrp="1"/>
+          </p:cNvSpPr>
+          <p:nvPr>
+            <p:ph type="title"/>
+          </p:nvPr>
+        </p:nvSpPr>
+        <p:spPr/>
+        <p:txBody>
+          <a:bodyPr/>
+          <a:lstStyle/>
+          <a:p>
+            <a:r>
+              <a:rPr lang="en-US" dirty="0" smtClean="0"/>
+              <a:t>Competitive solutions</a:t>
+            </a:r>
+            <a:endParaRPr lang="en-US" dirty="0"/>
+          </a:p>
+        </p:txBody>
+      </p:sp>
+      <p:sp>
+        <p:nvSpPr>
+          <p:cNvPr id="6" name="Text Placeholder 5"/>
+          <p:cNvSpPr>
+            <a:spLocks noGrp="1"/>
+          </p:cNvSpPr>
+          <p:nvPr>
+            <p:ph type="body" idx="1"/>
+          </p:nvPr>
+        </p:nvSpPr>
+        <p:spPr/>
+        <p:txBody>
+          <a:bodyPr/>
+          <a:lstStyle/>
+          <a:p>
+            <a:endParaRPr lang="en-US"/>
+          </a:p>
+        </p:txBody>
+      </p:sp>
+    </p:spTree>
+    <p:extLst>
+      <p:ext uri="{BB962C8B-B14F-4D97-AF65-F5344CB8AC3E}">
+        <p14:creationId xmlns:p14="http://schemas.microsoft.com/office/powerpoint/2010/main" val="2598203701"/>
+      </p:ext>
+    </p:extLst>
+  </p:cSld>
+  <p:clrMapOvr>
+    <a:masterClrMapping/>
+  </p:clrMapOvr>
+  <p:timing>
+    <p:tnLst>
+      <p:par>
+        <p:cTn id="1" dur="indefinite" restart="never" nodeType="tmRoot"/>
+      </p:par>
+    </p:tnLst>
+  </p:timing>
+</p:sld>
+</file>
+
+<file path=ppt/slides/slide12.xml><?xml version="1.0" encoding="utf-8"?>
 <p:sld xmlns:a="http://schemas.openxmlformats.org/drawingml/2006/main" xmlns:r="http://schemas.openxmlformats.org/officeDocument/2006/relationships" xmlns:p="http://schemas.openxmlformats.org/presentationml/2006/main">
   <p:cSld>
     <p:bg>
@@ -10734,7 +10943,7 @@
 </p:sld>
 </file>
 
-<file path=ppt/slides/slide12.xml><?xml version="1.0" encoding="utf-8"?>
+<file path=ppt/slides/slide13.xml><?xml version="1.0" encoding="utf-8"?>
 <p:sld xmlns:a="http://schemas.openxmlformats.org/drawingml/2006/main" xmlns:r="http://schemas.openxmlformats.org/officeDocument/2006/relationships" xmlns:p="http://schemas.openxmlformats.org/presentationml/2006/main">
   <p:cSld>
     <p:bg>
@@ -11169,11 +11378,11 @@
             </a:pPr>
             <a:r>
               <a:rPr lang="cs-CZ" sz="2400" dirty="0"/>
-              <a:t>Introduction to the problematic</a:t>
+              <a:t>Introduction to the </a:t>
             </a:r>
             <a:r>
-              <a:rPr lang="en-US" sz="2400" dirty="0"/>
-              <a:t>s</a:t>
+              <a:rPr lang="cs-CZ" sz="2400" dirty="0" smtClean="0"/>
+              <a:t>problem</a:t>
             </a:r>
             <a:endParaRPr lang="cs-CZ" sz="2400" dirty="0"/>
           </a:p>
@@ -11355,7 +11564,7 @@
                 <a14:useLocalDpi xmlns:a14="http://schemas.microsoft.com/office/drawing/2010/main" val="0"/>
               </a:ext>
               <a:ext uri="{96DAC541-7B7A-43D3-8B79-37D633B846F1}">
-                <asvg:svgBlip xmlns:asvg="http://schemas.microsoft.com/office/drawing/2016/SVG/main" r:embed="rId3"/>
+                <asvg:svgBlip xmlns:asvg="http://schemas.microsoft.com/office/drawing/2016/SVG/main" xmlns="" r:embed="rId3"/>
               </a:ext>
             </a:extLst>
           </a:blip>
@@ -11726,8 +11935,13 @@
           <a:p>
             <a:r>
               <a:rPr lang="en-US" dirty="0"/>
-              <a:t>Introduction to the problematic</a:t>
+              <a:t>Introduction to the </a:t>
             </a:r>
+            <a:r>
+              <a:rPr lang="en-US" dirty="0" smtClean="0"/>
+              <a:t>problem</a:t>
+            </a:r>
+            <a:endParaRPr lang="en-US" dirty="0"/>
           </a:p>
         </p:txBody>
       </p:sp>
@@ -12049,7 +12263,7 @@
             <p:ph idx="1"/>
             <p:extLst>
               <p:ext uri="{D42A27DB-BD31-4B8C-83A1-F6EECF244321}">
-                <p14:modId xmlns:p14="http://schemas.microsoft.com/office/powerpoint/2010/main" val="1965402296"/>
+                <p14:modId xmlns:p14="http://schemas.microsoft.com/office/powerpoint/2010/main" val="3745422761"/>
               </p:ext>
             </p:extLst>
           </p:nvPr>
@@ -14511,6 +14725,14 @@
   <p:clrMapOvr>
     <a:masterClrMapping/>
   </p:clrMapOvr>
+  <mc:AlternateContent xmlns:mc="http://schemas.openxmlformats.org/markup-compatibility/2006">
+    <mc:Choice xmlns:p14="http://schemas.microsoft.com/office/powerpoint/2010/main" Requires="p14">
+      <p:transition spd="slow" p14:dur="2000"/>
+    </mc:Choice>
+    <mc:Fallback>
+      <p:transition spd="slow"/>
+    </mc:Fallback>
+  </mc:AlternateContent>
 </p:sld>
 </file>
 
@@ -16858,6 +17080,14 @@
   <p:clrMapOvr>
     <a:masterClrMapping/>
   </p:clrMapOvr>
+  <mc:AlternateContent xmlns:mc="http://schemas.openxmlformats.org/markup-compatibility/2006">
+    <mc:Choice xmlns:p14="http://schemas.microsoft.com/office/powerpoint/2010/main" Requires="p14">
+      <p:transition spd="slow" p14:dur="2000"/>
+    </mc:Choice>
+    <mc:Fallback>
+      <p:transition spd="slow"/>
+    </mc:Fallback>
+  </mc:AlternateContent>
 </p:sld>
 </file>
 

--- a/documents/lecbyjak_bachlor_prezentation.pptx
+++ b/documents/lecbyjak_bachlor_prezentation.pptx
@@ -5,22 +5,25 @@
     <p:sldMasterId id="2147483648" r:id="rId1"/>
   </p:sldMasterIdLst>
   <p:notesMasterIdLst>
-    <p:notesMasterId r:id="rId15"/>
+    <p:notesMasterId r:id="rId18"/>
   </p:notesMasterIdLst>
   <p:sldIdLst>
     <p:sldId id="256" r:id="rId2"/>
     <p:sldId id="257" r:id="rId3"/>
-    <p:sldId id="265" r:id="rId4"/>
-    <p:sldId id="264" r:id="rId5"/>
-    <p:sldId id="258" r:id="rId6"/>
-    <p:sldId id="259" r:id="rId7"/>
-    <p:sldId id="266" r:id="rId8"/>
-    <p:sldId id="260" r:id="rId9"/>
-    <p:sldId id="267" r:id="rId10"/>
-    <p:sldId id="261" r:id="rId11"/>
-    <p:sldId id="268" r:id="rId12"/>
-    <p:sldId id="262" r:id="rId13"/>
-    <p:sldId id="263" r:id="rId14"/>
+    <p:sldId id="272" r:id="rId4"/>
+    <p:sldId id="265" r:id="rId5"/>
+    <p:sldId id="264" r:id="rId6"/>
+    <p:sldId id="258" r:id="rId7"/>
+    <p:sldId id="259" r:id="rId8"/>
+    <p:sldId id="266" r:id="rId9"/>
+    <p:sldId id="260" r:id="rId10"/>
+    <p:sldId id="267" r:id="rId11"/>
+    <p:sldId id="261" r:id="rId12"/>
+    <p:sldId id="268" r:id="rId13"/>
+    <p:sldId id="269" r:id="rId14"/>
+    <p:sldId id="271" r:id="rId15"/>
+    <p:sldId id="262" r:id="rId16"/>
+    <p:sldId id="263" r:id="rId17"/>
   </p:sldIdLst>
   <p:sldSz cx="12192000" cy="6858000"/>
   <p:notesSz cx="6858000" cy="9144000"/>
@@ -2146,6 +2149,34 @@
         </a:p>
       </dgm:t>
     </dgm:pt>
+    <dgm:pt modelId="{56FEB5E4-E480-4702-B988-AA8D5BC17266}">
+      <dgm:prSet/>
+      <dgm:spPr>
+        <a:ln>
+          <a:solidFill>
+            <a:schemeClr val="tx1"/>
+          </a:solidFill>
+        </a:ln>
+      </dgm:spPr>
+      <dgm:t>
+        <a:bodyPr/>
+        <a:lstStyle/>
+        <a:p>
+          <a:r>
+            <a:rPr lang="en-US" noProof="0" dirty="0"/>
+            <a:t>Downloading data from different providers simultaneously</a:t>
+          </a:r>
+        </a:p>
+      </dgm:t>
+    </dgm:pt>
+    <dgm:pt modelId="{75815074-7778-4296-8B72-3617015589D6}" type="parTrans" cxnId="{59A3DBF8-9F41-41A8-96F7-B26C5ABA7316}">
+      <dgm:prSet/>
+      <dgm:spPr/>
+    </dgm:pt>
+    <dgm:pt modelId="{E6FA5746-2739-4387-8749-8ED189140AB3}" type="sibTrans" cxnId="{59A3DBF8-9F41-41A8-96F7-B26C5ABA7316}">
+      <dgm:prSet/>
+      <dgm:spPr/>
+    </dgm:pt>
     <dgm:pt modelId="{AF35CA9F-3174-4902-B65C-838560B53999}" type="pres">
       <dgm:prSet presAssocID="{A485CCFE-07F9-4767-A38A-CFE7E40F2B3E}" presName="linear" presStyleCnt="0">
         <dgm:presLayoutVars>
@@ -2155,13 +2186,6 @@
         </dgm:presLayoutVars>
       </dgm:prSet>
       <dgm:spPr/>
-      <dgm:t>
-        <a:bodyPr/>
-        <a:lstStyle/>
-        <a:p>
-          <a:endParaRPr lang="en-US"/>
-        </a:p>
-      </dgm:t>
     </dgm:pt>
     <dgm:pt modelId="{10FD7CD2-C8ED-4D1D-A5BA-C8606F16D000}" type="pres">
       <dgm:prSet presAssocID="{2D881152-9C26-4751-9D0C-F56BFAE2443F}" presName="parentLin" presStyleCnt="0"/>
@@ -2170,13 +2194,6 @@
     <dgm:pt modelId="{1C33767E-62CA-46E8-ADB1-41CEEF0715EA}" type="pres">
       <dgm:prSet presAssocID="{2D881152-9C26-4751-9D0C-F56BFAE2443F}" presName="parentLeftMargin" presStyleLbl="node1" presStyleIdx="0" presStyleCnt="2"/>
       <dgm:spPr/>
-      <dgm:t>
-        <a:bodyPr/>
-        <a:lstStyle/>
-        <a:p>
-          <a:endParaRPr lang="en-US"/>
-        </a:p>
-      </dgm:t>
     </dgm:pt>
     <dgm:pt modelId="{FE03CE7B-11DD-4A27-9B29-CFFB94D6E3EA}" type="pres">
       <dgm:prSet presAssocID="{2D881152-9C26-4751-9D0C-F56BFAE2443F}" presName="parentText" presStyleLbl="node1" presStyleIdx="0" presStyleCnt="2">
@@ -2186,13 +2203,6 @@
         </dgm:presLayoutVars>
       </dgm:prSet>
       <dgm:spPr/>
-      <dgm:t>
-        <a:bodyPr/>
-        <a:lstStyle/>
-        <a:p>
-          <a:endParaRPr lang="en-US"/>
-        </a:p>
-      </dgm:t>
     </dgm:pt>
     <dgm:pt modelId="{81AB442E-BAED-4C9F-976A-DFD9AF6E5CCC}" type="pres">
       <dgm:prSet presAssocID="{2D881152-9C26-4751-9D0C-F56BFAE2443F}" presName="negativeSpace" presStyleCnt="0"/>
@@ -2205,13 +2215,6 @@
         </dgm:presLayoutVars>
       </dgm:prSet>
       <dgm:spPr/>
-      <dgm:t>
-        <a:bodyPr/>
-        <a:lstStyle/>
-        <a:p>
-          <a:endParaRPr lang="en-US"/>
-        </a:p>
-      </dgm:t>
     </dgm:pt>
     <dgm:pt modelId="{1C13F62D-F898-41ED-9A34-C22A052779CE}" type="pres">
       <dgm:prSet presAssocID="{B79A03D6-1CD2-402F-892A-771BA3673FA5}" presName="spaceBetweenRectangles" presStyleCnt="0"/>
@@ -2224,13 +2227,6 @@
     <dgm:pt modelId="{F0B507A8-6EC3-4A6E-97AE-21F1A60E977D}" type="pres">
       <dgm:prSet presAssocID="{D6D0F413-4B1C-485C-ADC9-45561BFFCEB5}" presName="parentLeftMargin" presStyleLbl="node1" presStyleIdx="0" presStyleCnt="2"/>
       <dgm:spPr/>
-      <dgm:t>
-        <a:bodyPr/>
-        <a:lstStyle/>
-        <a:p>
-          <a:endParaRPr lang="en-US"/>
-        </a:p>
-      </dgm:t>
     </dgm:pt>
     <dgm:pt modelId="{EEF2EA84-5C2C-4EC2-8CE8-780881F6C723}" type="pres">
       <dgm:prSet presAssocID="{D6D0F413-4B1C-485C-ADC9-45561BFFCEB5}" presName="parentText" presStyleLbl="node1" presStyleIdx="1" presStyleCnt="2">
@@ -2240,13 +2236,6 @@
         </dgm:presLayoutVars>
       </dgm:prSet>
       <dgm:spPr/>
-      <dgm:t>
-        <a:bodyPr/>
-        <a:lstStyle/>
-        <a:p>
-          <a:endParaRPr lang="en-US"/>
-        </a:p>
-      </dgm:t>
     </dgm:pt>
     <dgm:pt modelId="{BDA6DD04-A5F4-4825-BEE1-8534BD33D374}" type="pres">
       <dgm:prSet presAssocID="{D6D0F413-4B1C-485C-ADC9-45561BFFCEB5}" presName="negativeSpace" presStyleCnt="0"/>
@@ -2259,39 +2248,34 @@
         </dgm:presLayoutVars>
       </dgm:prSet>
       <dgm:spPr/>
-      <dgm:t>
-        <a:bodyPr/>
-        <a:lstStyle/>
-        <a:p>
-          <a:endParaRPr lang="en-US"/>
-        </a:p>
-      </dgm:t>
     </dgm:pt>
   </dgm:ptLst>
   <dgm:cxnLst>
+    <dgm:cxn modelId="{11355924-3232-45AA-B4A8-E21306476DD7}" type="presOf" srcId="{A485CCFE-07F9-4767-A38A-CFE7E40F2B3E}" destId="{AF35CA9F-3174-4902-B65C-838560B53999}" srcOrd="0" destOrd="0" presId="urn:microsoft.com/office/officeart/2005/8/layout/list1"/>
+    <dgm:cxn modelId="{7126A461-1A3A-4A55-9603-0370FEFF2EB6}" srcId="{D6D0F413-4B1C-485C-ADC9-45561BFFCEB5}" destId="{C1F81F30-C58B-4B26-940D-7A6FCB16F35E}" srcOrd="1" destOrd="0" parTransId="{F73DBBD3-E517-4861-9FEF-0C66CCAB17F9}" sibTransId="{7B8F7FBD-3B21-44D2-A828-D9E667BEA286}"/>
+    <dgm:cxn modelId="{43ECB761-C13D-402F-9F8C-318C304EA834}" type="presOf" srcId="{3F19389B-BA7F-4730-9962-2D5A6EB543BD}" destId="{C1D5A6ED-F09B-4637-9C72-B74284BBAE68}" srcOrd="0" destOrd="2" presId="urn:microsoft.com/office/officeart/2005/8/layout/list1"/>
+    <dgm:cxn modelId="{C72D1343-65CF-4D5F-86A0-BF4796DBA180}" srcId="{2D881152-9C26-4751-9D0C-F56BFAE2443F}" destId="{32D98473-1BB3-4AF8-A9BC-4A73D8B12A23}" srcOrd="2" destOrd="0" parTransId="{9F3C4A8A-3E78-4C86-97A7-8D70DA2643A4}" sibTransId="{A1867EFC-6C49-4DFB-AC06-3EEB85CCF168}"/>
+    <dgm:cxn modelId="{E0F7F064-73B8-41DC-8F41-2C7ABFDD0F08}" type="presOf" srcId="{AF1C2EE3-2845-46C9-AF21-4DDE03401F11}" destId="{C1D5A6ED-F09B-4637-9C72-B74284BBAE68}" srcOrd="0" destOrd="5" presId="urn:microsoft.com/office/officeart/2005/8/layout/list1"/>
+    <dgm:cxn modelId="{49604C67-A9E1-4841-9FC1-0984036FBF90}" type="presOf" srcId="{CCB3CD64-2AF4-4D36-B9DF-E31B14765494}" destId="{79C6CE04-C633-48FB-AF93-D1D29FCA690D}" srcOrd="0" destOrd="2" presId="urn:microsoft.com/office/officeart/2005/8/layout/list1"/>
+    <dgm:cxn modelId="{66686368-2277-4689-9D12-BF4C0CCC91BE}" srcId="{D6D0F413-4B1C-485C-ADC9-45561BFFCEB5}" destId="{E6F8B5A7-1F23-40D3-A893-F7BDFCDD8A60}" srcOrd="0" destOrd="0" parTransId="{86AADF70-A4AE-43C5-A455-0ADF9804F4AC}" sibTransId="{95ADDE04-589C-45D4-8F90-47606B9D12A7}"/>
+    <dgm:cxn modelId="{20F1894C-0A57-418D-B811-8D3C14910B48}" type="presOf" srcId="{32D98473-1BB3-4AF8-A9BC-4A73D8B12A23}" destId="{C1D5A6ED-F09B-4637-9C72-B74284BBAE68}" srcOrd="0" destOrd="3" presId="urn:microsoft.com/office/officeart/2005/8/layout/list1"/>
+    <dgm:cxn modelId="{3EF15251-433C-405E-9B4B-E1825EFF03A3}" srcId="{A485CCFE-07F9-4767-A38A-CFE7E40F2B3E}" destId="{2D881152-9C26-4751-9D0C-F56BFAE2443F}" srcOrd="0" destOrd="0" parTransId="{8606C577-0EDF-46C2-B4BE-0DF7D2CADF39}" sibTransId="{B79A03D6-1CD2-402F-892A-771BA3673FA5}"/>
+    <dgm:cxn modelId="{37E27871-AC49-4C60-BC93-9230A179D3A5}" srcId="{A485CCFE-07F9-4767-A38A-CFE7E40F2B3E}" destId="{D6D0F413-4B1C-485C-ADC9-45561BFFCEB5}" srcOrd="1" destOrd="0" parTransId="{D6DD45F5-59E9-4FE5-BB4E-1011C22183A9}" sibTransId="{EAD56968-634D-4E11-8EC9-8401949F51A9}"/>
+    <dgm:cxn modelId="{F815AF79-38A8-46C4-B4C6-BAA6A00FF71B}" type="presOf" srcId="{C1F81F30-C58B-4B26-940D-7A6FCB16F35E}" destId="{79C6CE04-C633-48FB-AF93-D1D29FCA690D}" srcOrd="0" destOrd="1" presId="urn:microsoft.com/office/officeart/2005/8/layout/list1"/>
     <dgm:cxn modelId="{18F8CB7A-E2FC-4EA6-80E8-6569855CF7B7}" srcId="{2D881152-9C26-4751-9D0C-F56BFAE2443F}" destId="{D52A3BB3-ECF1-40B2-A6EF-665BC8A8BACF}" srcOrd="0" destOrd="0" parTransId="{C610DB94-3F95-4C48-8B9A-1A0C2F9ADF22}" sibTransId="{B00E4C3A-2E6C-4E06-9A13-02E5021FFEDA}"/>
     <dgm:cxn modelId="{5F364988-137E-4B49-B7D9-B3B960EF8AE3}" srcId="{D6D0F413-4B1C-485C-ADC9-45561BFFCEB5}" destId="{CCB3CD64-2AF4-4D36-B9DF-E31B14765494}" srcOrd="2" destOrd="0" parTransId="{EC0CDD69-41CD-45D2-A040-F596F7745C04}" sibTransId="{69BF892B-2EFF-42BE-80CB-2B99C0FDCD4A}"/>
-    <dgm:cxn modelId="{7126A461-1A3A-4A55-9603-0370FEFF2EB6}" srcId="{D6D0F413-4B1C-485C-ADC9-45561BFFCEB5}" destId="{C1F81F30-C58B-4B26-940D-7A6FCB16F35E}" srcOrd="1" destOrd="0" parTransId="{F73DBBD3-E517-4861-9FEF-0C66CCAB17F9}" sibTransId="{7B8F7FBD-3B21-44D2-A828-D9E667BEA286}"/>
+    <dgm:cxn modelId="{F2F15888-0D8B-475A-9950-31C3A48D5C36}" type="presOf" srcId="{2D881152-9C26-4751-9D0C-F56BFAE2443F}" destId="{1C33767E-62CA-46E8-ADB1-41CEEF0715EA}" srcOrd="0" destOrd="0" presId="urn:microsoft.com/office/officeart/2005/8/layout/list1"/>
+    <dgm:cxn modelId="{731D9A8F-45BB-45DF-965D-8982B46D2509}" type="presOf" srcId="{56FEB5E4-E480-4702-B988-AA8D5BC17266}" destId="{C1D5A6ED-F09B-4637-9C72-B74284BBAE68}" srcOrd="0" destOrd="1" presId="urn:microsoft.com/office/officeart/2005/8/layout/list1"/>
+    <dgm:cxn modelId="{C00F9993-FB0E-459F-9E30-0E0EEDD4045F}" type="presOf" srcId="{D6D0F413-4B1C-485C-ADC9-45561BFFCEB5}" destId="{EEF2EA84-5C2C-4EC2-8CE8-780881F6C723}" srcOrd="1" destOrd="0" presId="urn:microsoft.com/office/officeart/2005/8/layout/list1"/>
+    <dgm:cxn modelId="{18E0E7AB-EC62-48E3-B990-1C0681047655}" srcId="{2D881152-9C26-4751-9D0C-F56BFAE2443F}" destId="{00F3EF11-5294-4246-AC9C-D491E9DDAFC0}" srcOrd="3" destOrd="0" parTransId="{E7680209-08F3-4E48-B51E-E91F7B701886}" sibTransId="{62890F8C-2F02-43F8-B8BE-F9EC480A38BA}"/>
+    <dgm:cxn modelId="{EA6E83B1-2192-420E-AB4B-11B01F304110}" type="presOf" srcId="{00F3EF11-5294-4246-AC9C-D491E9DDAFC0}" destId="{C1D5A6ED-F09B-4637-9C72-B74284BBAE68}" srcOrd="0" destOrd="4" presId="urn:microsoft.com/office/officeart/2005/8/layout/list1"/>
+    <dgm:cxn modelId="{1864DEBF-D31B-41C1-9E67-785C83B34241}" type="presOf" srcId="{D6D0F413-4B1C-485C-ADC9-45561BFFCEB5}" destId="{F0B507A8-6EC3-4A6E-97AE-21F1A60E977D}" srcOrd="0" destOrd="0" presId="urn:microsoft.com/office/officeart/2005/8/layout/list1"/>
+    <dgm:cxn modelId="{786633C1-4158-44EE-94D0-70C163090638}" type="presOf" srcId="{D52A3BB3-ECF1-40B2-A6EF-665BC8A8BACF}" destId="{C1D5A6ED-F09B-4637-9C72-B74284BBAE68}" srcOrd="0" destOrd="0" presId="urn:microsoft.com/office/officeart/2005/8/layout/list1"/>
     <dgm:cxn modelId="{71D991CB-C2B2-4620-9A37-BCE819FE7264}" type="presOf" srcId="{E6F8B5A7-1F23-40D3-A893-F7BDFCDD8A60}" destId="{79C6CE04-C633-48FB-AF93-D1D29FCA690D}" srcOrd="0" destOrd="0" presId="urn:microsoft.com/office/officeart/2005/8/layout/list1"/>
-    <dgm:cxn modelId="{49604C67-A9E1-4841-9FC1-0984036FBF90}" type="presOf" srcId="{CCB3CD64-2AF4-4D36-B9DF-E31B14765494}" destId="{79C6CE04-C633-48FB-AF93-D1D29FCA690D}" srcOrd="0" destOrd="2" presId="urn:microsoft.com/office/officeart/2005/8/layout/list1"/>
-    <dgm:cxn modelId="{43ECB761-C13D-402F-9F8C-318C304EA834}" type="presOf" srcId="{3F19389B-BA7F-4730-9962-2D5A6EB543BD}" destId="{C1D5A6ED-F09B-4637-9C72-B74284BBAE68}" srcOrd="0" destOrd="1" presId="urn:microsoft.com/office/officeart/2005/8/layout/list1"/>
-    <dgm:cxn modelId="{786633C1-4158-44EE-94D0-70C163090638}" type="presOf" srcId="{D52A3BB3-ECF1-40B2-A6EF-665BC8A8BACF}" destId="{C1D5A6ED-F09B-4637-9C72-B74284BBAE68}" srcOrd="0" destOrd="0" presId="urn:microsoft.com/office/officeart/2005/8/layout/list1"/>
-    <dgm:cxn modelId="{F2F15888-0D8B-475A-9950-31C3A48D5C36}" type="presOf" srcId="{2D881152-9C26-4751-9D0C-F56BFAE2443F}" destId="{1C33767E-62CA-46E8-ADB1-41CEEF0715EA}" srcOrd="0" destOrd="0" presId="urn:microsoft.com/office/officeart/2005/8/layout/list1"/>
+    <dgm:cxn modelId="{176FC4CB-0642-4968-987E-15220633A90D}" srcId="{00F3EF11-5294-4246-AC9C-D491E9DDAFC0}" destId="{AF1C2EE3-2845-46C9-AF21-4DDE03401F11}" srcOrd="0" destOrd="0" parTransId="{2B2FCCAE-BC3B-48EE-ACBB-46D875DB3544}" sibTransId="{E4E51F07-D243-4C01-8919-BFCDFBD46EF3}"/>
+    <dgm:cxn modelId="{787F9AF3-6AB4-4CE3-9070-5EF5EDD3E4E4}" type="presOf" srcId="{2D881152-9C26-4751-9D0C-F56BFAE2443F}" destId="{FE03CE7B-11DD-4A27-9B29-CFFB94D6E3EA}" srcOrd="1" destOrd="0" presId="urn:microsoft.com/office/officeart/2005/8/layout/list1"/>
     <dgm:cxn modelId="{779D91F7-8FD0-40B8-ACA8-166148B07618}" srcId="{2D881152-9C26-4751-9D0C-F56BFAE2443F}" destId="{3F19389B-BA7F-4730-9962-2D5A6EB543BD}" srcOrd="1" destOrd="0" parTransId="{C9B7AE51-9F97-490E-ADD9-F9A51B3752D5}" sibTransId="{F55B4A2B-A7EA-4A87-AE39-B84B52184ACB}"/>
-    <dgm:cxn modelId="{E0F7F064-73B8-41DC-8F41-2C7ABFDD0F08}" type="presOf" srcId="{AF1C2EE3-2845-46C9-AF21-4DDE03401F11}" destId="{C1D5A6ED-F09B-4637-9C72-B74284BBAE68}" srcOrd="0" destOrd="4" presId="urn:microsoft.com/office/officeart/2005/8/layout/list1"/>
-    <dgm:cxn modelId="{11355924-3232-45AA-B4A8-E21306476DD7}" type="presOf" srcId="{A485CCFE-07F9-4767-A38A-CFE7E40F2B3E}" destId="{AF35CA9F-3174-4902-B65C-838560B53999}" srcOrd="0" destOrd="0" presId="urn:microsoft.com/office/officeart/2005/8/layout/list1"/>
-    <dgm:cxn modelId="{F815AF79-38A8-46C4-B4C6-BAA6A00FF71B}" type="presOf" srcId="{C1F81F30-C58B-4B26-940D-7A6FCB16F35E}" destId="{79C6CE04-C633-48FB-AF93-D1D29FCA690D}" srcOrd="0" destOrd="1" presId="urn:microsoft.com/office/officeart/2005/8/layout/list1"/>
-    <dgm:cxn modelId="{66686368-2277-4689-9D12-BF4C0CCC91BE}" srcId="{D6D0F413-4B1C-485C-ADC9-45561BFFCEB5}" destId="{E6F8B5A7-1F23-40D3-A893-F7BDFCDD8A60}" srcOrd="0" destOrd="0" parTransId="{86AADF70-A4AE-43C5-A455-0ADF9804F4AC}" sibTransId="{95ADDE04-589C-45D4-8F90-47606B9D12A7}"/>
-    <dgm:cxn modelId="{18E0E7AB-EC62-48E3-B990-1C0681047655}" srcId="{2D881152-9C26-4751-9D0C-F56BFAE2443F}" destId="{00F3EF11-5294-4246-AC9C-D491E9DDAFC0}" srcOrd="3" destOrd="0" parTransId="{E7680209-08F3-4E48-B51E-E91F7B701886}" sibTransId="{62890F8C-2F02-43F8-B8BE-F9EC480A38BA}"/>
-    <dgm:cxn modelId="{176FC4CB-0642-4968-987E-15220633A90D}" srcId="{00F3EF11-5294-4246-AC9C-D491E9DDAFC0}" destId="{AF1C2EE3-2845-46C9-AF21-4DDE03401F11}" srcOrd="0" destOrd="0" parTransId="{2B2FCCAE-BC3B-48EE-ACBB-46D875DB3544}" sibTransId="{E4E51F07-D243-4C01-8919-BFCDFBD46EF3}"/>
-    <dgm:cxn modelId="{EA6E83B1-2192-420E-AB4B-11B01F304110}" type="presOf" srcId="{00F3EF11-5294-4246-AC9C-D491E9DDAFC0}" destId="{C1D5A6ED-F09B-4637-9C72-B74284BBAE68}" srcOrd="0" destOrd="3" presId="urn:microsoft.com/office/officeart/2005/8/layout/list1"/>
-    <dgm:cxn modelId="{C72D1343-65CF-4D5F-86A0-BF4796DBA180}" srcId="{2D881152-9C26-4751-9D0C-F56BFAE2443F}" destId="{32D98473-1BB3-4AF8-A9BC-4A73D8B12A23}" srcOrd="2" destOrd="0" parTransId="{9F3C4A8A-3E78-4C86-97A7-8D70DA2643A4}" sibTransId="{A1867EFC-6C49-4DFB-AC06-3EEB85CCF168}"/>
-    <dgm:cxn modelId="{37E27871-AC49-4C60-BC93-9230A179D3A5}" srcId="{A485CCFE-07F9-4767-A38A-CFE7E40F2B3E}" destId="{D6D0F413-4B1C-485C-ADC9-45561BFFCEB5}" srcOrd="1" destOrd="0" parTransId="{D6DD45F5-59E9-4FE5-BB4E-1011C22183A9}" sibTransId="{EAD56968-634D-4E11-8EC9-8401949F51A9}"/>
-    <dgm:cxn modelId="{20F1894C-0A57-418D-B811-8D3C14910B48}" type="presOf" srcId="{32D98473-1BB3-4AF8-A9BC-4A73D8B12A23}" destId="{C1D5A6ED-F09B-4637-9C72-B74284BBAE68}" srcOrd="0" destOrd="2" presId="urn:microsoft.com/office/officeart/2005/8/layout/list1"/>
-    <dgm:cxn modelId="{3EF15251-433C-405E-9B4B-E1825EFF03A3}" srcId="{A485CCFE-07F9-4767-A38A-CFE7E40F2B3E}" destId="{2D881152-9C26-4751-9D0C-F56BFAE2443F}" srcOrd="0" destOrd="0" parTransId="{8606C577-0EDF-46C2-B4BE-0DF7D2CADF39}" sibTransId="{B79A03D6-1CD2-402F-892A-771BA3673FA5}"/>
-    <dgm:cxn modelId="{1864DEBF-D31B-41C1-9E67-785C83B34241}" type="presOf" srcId="{D6D0F413-4B1C-485C-ADC9-45561BFFCEB5}" destId="{F0B507A8-6EC3-4A6E-97AE-21F1A60E977D}" srcOrd="0" destOrd="0" presId="urn:microsoft.com/office/officeart/2005/8/layout/list1"/>
-    <dgm:cxn modelId="{C00F9993-FB0E-459F-9E30-0E0EEDD4045F}" type="presOf" srcId="{D6D0F413-4B1C-485C-ADC9-45561BFFCEB5}" destId="{EEF2EA84-5C2C-4EC2-8CE8-780881F6C723}" srcOrd="1" destOrd="0" presId="urn:microsoft.com/office/officeart/2005/8/layout/list1"/>
-    <dgm:cxn modelId="{787F9AF3-6AB4-4CE3-9070-5EF5EDD3E4E4}" type="presOf" srcId="{2D881152-9C26-4751-9D0C-F56BFAE2443F}" destId="{FE03CE7B-11DD-4A27-9B29-CFFB94D6E3EA}" srcOrd="1" destOrd="0" presId="urn:microsoft.com/office/officeart/2005/8/layout/list1"/>
+    <dgm:cxn modelId="{59A3DBF8-9F41-41A8-96F7-B26C5ABA7316}" srcId="{D52A3BB3-ECF1-40B2-A6EF-665BC8A8BACF}" destId="{56FEB5E4-E480-4702-B988-AA8D5BC17266}" srcOrd="0" destOrd="0" parTransId="{75815074-7778-4296-8B72-3617015589D6}" sibTransId="{E6FA5746-2739-4387-8749-8ED189140AB3}"/>
     <dgm:cxn modelId="{309188CF-DB2E-418C-851F-7A56FE31B698}" type="presParOf" srcId="{AF35CA9F-3174-4902-B65C-838560B53999}" destId="{10FD7CD2-C8ED-4D1D-A5BA-C8606F16D000}" srcOrd="0" destOrd="0" presId="urn:microsoft.com/office/officeart/2005/8/layout/list1"/>
     <dgm:cxn modelId="{C9D7FAAB-8CCA-4781-848F-0A4E6EE0045F}" type="presParOf" srcId="{10FD7CD2-C8ED-4D1D-A5BA-C8606F16D000}" destId="{1C33767E-62CA-46E8-ADB1-41CEEF0715EA}" srcOrd="0" destOrd="0" presId="urn:microsoft.com/office/officeart/2005/8/layout/list1"/>
     <dgm:cxn modelId="{2C7B6098-658A-4A03-8B5B-CDB1610C29EC}" type="presParOf" srcId="{10FD7CD2-C8ED-4D1D-A5BA-C8606F16D000}" destId="{FE03CE7B-11DD-4A27-9B29-CFFB94D6E3EA}" srcOrd="1" destOrd="0" presId="urn:microsoft.com/office/officeart/2005/8/layout/list1"/>
@@ -2308,7 +2292,7 @@
   <dgm:whole/>
   <dgm:extLst>
     <a:ext uri="http://schemas.microsoft.com/office/drawing/2008/diagram">
-      <dsp:dataModelExt xmlns:dsp="http://schemas.microsoft.com/office/drawing/2008/diagram" relId="rId6" minVer="http://schemas.openxmlformats.org/drawingml/2006/diagram"/>
+      <dsp:dataModelExt xmlns:dsp="http://schemas.microsoft.com/office/drawing/2008/diagram" relId="rId7" minVer="http://schemas.openxmlformats.org/drawingml/2006/diagram"/>
     </a:ext>
   </dgm:extLst>
 </dgm:dataModel>
@@ -2648,15 +2632,7 @@
         <a:p>
           <a:r>
             <a:rPr lang="cs-CZ" dirty="0"/>
-            <a:t>Protocol + ´sub domain´ + Domain + ´version´ + endpoint + ´</a:t>
-          </a:r>
-          <a:r>
-            <a:rPr lang="cs-CZ" dirty="0" smtClean="0"/>
-            <a:t>query</a:t>
-          </a:r>
-          <a:r>
-            <a:rPr lang="cs-CZ" dirty="0"/>
-            <a:t>´</a:t>
+            <a:t>Protocol + ´sub domain´ + Domain + ´version´ + endpoint + ´query´</a:t>
           </a:r>
           <a:endParaRPr lang="en-US" dirty="0"/>
         </a:p>
@@ -2806,13 +2782,6 @@
         </dgm:presLayoutVars>
       </dgm:prSet>
       <dgm:spPr/>
-      <dgm:t>
-        <a:bodyPr/>
-        <a:lstStyle/>
-        <a:p>
-          <a:endParaRPr lang="en-US"/>
-        </a:p>
-      </dgm:t>
     </dgm:pt>
     <dgm:pt modelId="{A238F28A-F3FB-4961-8FB5-7B7AD7970B60}" type="pres">
       <dgm:prSet presAssocID="{5C0F34DA-6624-4B6F-9C6C-3F17BD76BD54}" presName="parentLin" presStyleCnt="0"/>
@@ -2821,13 +2790,6 @@
     <dgm:pt modelId="{0F84C324-D275-4B39-93FF-54E87C6BCB07}" type="pres">
       <dgm:prSet presAssocID="{5C0F34DA-6624-4B6F-9C6C-3F17BD76BD54}" presName="parentLeftMargin" presStyleLbl="node1" presStyleIdx="0" presStyleCnt="2"/>
       <dgm:spPr/>
-      <dgm:t>
-        <a:bodyPr/>
-        <a:lstStyle/>
-        <a:p>
-          <a:endParaRPr lang="en-US"/>
-        </a:p>
-      </dgm:t>
     </dgm:pt>
     <dgm:pt modelId="{F9AF9988-597A-4954-B9DB-2781CAF8B31D}" type="pres">
       <dgm:prSet presAssocID="{5C0F34DA-6624-4B6F-9C6C-3F17BD76BD54}" presName="parentText" presStyleLbl="node1" presStyleIdx="0" presStyleCnt="2">
@@ -2837,13 +2799,6 @@
         </dgm:presLayoutVars>
       </dgm:prSet>
       <dgm:spPr/>
-      <dgm:t>
-        <a:bodyPr/>
-        <a:lstStyle/>
-        <a:p>
-          <a:endParaRPr lang="en-US"/>
-        </a:p>
-      </dgm:t>
     </dgm:pt>
     <dgm:pt modelId="{05F2E40A-432B-4338-974A-043501B3797B}" type="pres">
       <dgm:prSet presAssocID="{5C0F34DA-6624-4B6F-9C6C-3F17BD76BD54}" presName="negativeSpace" presStyleCnt="0"/>
@@ -2856,13 +2811,6 @@
         </dgm:presLayoutVars>
       </dgm:prSet>
       <dgm:spPr/>
-      <dgm:t>
-        <a:bodyPr/>
-        <a:lstStyle/>
-        <a:p>
-          <a:endParaRPr lang="en-US"/>
-        </a:p>
-      </dgm:t>
     </dgm:pt>
     <dgm:pt modelId="{D9F60F5A-1C5C-45CA-B501-8F3113906CD8}" type="pres">
       <dgm:prSet presAssocID="{51CB1D8A-597C-40AC-A006-8453B821EB5B}" presName="spaceBetweenRectangles" presStyleCnt="0"/>
@@ -2875,13 +2823,6 @@
     <dgm:pt modelId="{7EC4D0A3-E3B0-4B91-BF98-36DA683682AD}" type="pres">
       <dgm:prSet presAssocID="{C09A828D-3619-4956-8180-E1611C070D35}" presName="parentLeftMargin" presStyleLbl="node1" presStyleIdx="0" presStyleCnt="2"/>
       <dgm:spPr/>
-      <dgm:t>
-        <a:bodyPr/>
-        <a:lstStyle/>
-        <a:p>
-          <a:endParaRPr lang="en-US"/>
-        </a:p>
-      </dgm:t>
     </dgm:pt>
     <dgm:pt modelId="{56A6C593-B066-41D8-8EDB-DE3EB614084E}" type="pres">
       <dgm:prSet presAssocID="{C09A828D-3619-4956-8180-E1611C070D35}" presName="parentText" presStyleLbl="node1" presStyleIdx="1" presStyleCnt="2">
@@ -2891,13 +2832,6 @@
         </dgm:presLayoutVars>
       </dgm:prSet>
       <dgm:spPr/>
-      <dgm:t>
-        <a:bodyPr/>
-        <a:lstStyle/>
-        <a:p>
-          <a:endParaRPr lang="en-US"/>
-        </a:p>
-      </dgm:t>
     </dgm:pt>
     <dgm:pt modelId="{EC815C0E-F753-4964-A391-D1E5A1E7B7EC}" type="pres">
       <dgm:prSet presAssocID="{C09A828D-3619-4956-8180-E1611C070D35}" presName="negativeSpace" presStyleCnt="0"/>
@@ -2910,37 +2844,30 @@
         </dgm:presLayoutVars>
       </dgm:prSet>
       <dgm:spPr/>
-      <dgm:t>
-        <a:bodyPr/>
-        <a:lstStyle/>
-        <a:p>
-          <a:endParaRPr lang="en-US"/>
-        </a:p>
-      </dgm:t>
     </dgm:pt>
   </dgm:ptLst>
   <dgm:cxnLst>
+    <dgm:cxn modelId="{4068FD03-6B29-4887-A369-8EB3D1D50E3E}" type="presOf" srcId="{C09A828D-3619-4956-8180-E1611C070D35}" destId="{7EC4D0A3-E3B0-4B91-BF98-36DA683682AD}" srcOrd="0" destOrd="0" presId="urn:microsoft.com/office/officeart/2005/8/layout/list1"/>
+    <dgm:cxn modelId="{F58E960D-BEBB-4F15-8A81-E1C7B36FE8FD}" type="presOf" srcId="{AFAEF1D1-1427-47BB-9C40-C519E74A5561}" destId="{03FDA3D2-E5F3-46F6-BCB2-174195519A45}" srcOrd="0" destOrd="1" presId="urn:microsoft.com/office/officeart/2005/8/layout/list1"/>
+    <dgm:cxn modelId="{F0B79B2E-918A-496C-818B-4BB1A84FAD47}" type="presOf" srcId="{7E6D4195-64AB-45B9-B5E3-E2383E772FDF}" destId="{167CC80F-3E19-41A9-9002-A3D3DA60190F}" srcOrd="0" destOrd="0" presId="urn:microsoft.com/office/officeart/2005/8/layout/list1"/>
+    <dgm:cxn modelId="{F7C4DD2E-E62B-414B-953D-CB1C39A8A4FD}" type="presOf" srcId="{7C578AC0-5E19-405F-BEC1-6E815C9AC45A}" destId="{EAFFE586-E6B0-472A-AA9F-71DDCC301C28}" srcOrd="0" destOrd="0" presId="urn:microsoft.com/office/officeart/2005/8/layout/list1"/>
+    <dgm:cxn modelId="{C4E0963C-DC5D-4BCA-BEE1-AFB985258635}" srcId="{7E6D4195-64AB-45B9-B5E3-E2383E772FDF}" destId="{5C0F34DA-6624-4B6F-9C6C-3F17BD76BD54}" srcOrd="0" destOrd="0" parTransId="{CA42AA7B-6758-44A9-AC87-1DE2F6333DC2}" sibTransId="{51CB1D8A-597C-40AC-A006-8453B821EB5B}"/>
+    <dgm:cxn modelId="{A02C3841-5CEA-4C22-B063-29F516336038}" type="presOf" srcId="{EA6A1143-8B43-489A-89BD-F75F92A2220F}" destId="{03FDA3D2-E5F3-46F6-BCB2-174195519A45}" srcOrd="0" destOrd="2" presId="urn:microsoft.com/office/officeart/2005/8/layout/list1"/>
+    <dgm:cxn modelId="{A5265A47-3A27-46C3-93DA-B79679954463}" srcId="{5C0F34DA-6624-4B6F-9C6C-3F17BD76BD54}" destId="{7C578AC0-5E19-405F-BEC1-6E815C9AC45A}" srcOrd="0" destOrd="0" parTransId="{864289D5-0416-4AE8-AC40-AD6C6A67DFAD}" sibTransId="{067A0FD4-21D9-474B-BA55-4D54AA20077B}"/>
+    <dgm:cxn modelId="{12590F6B-68FA-4138-9FFE-CC6037E77FE7}" srcId="{C09A828D-3619-4956-8180-E1611C070D35}" destId="{AFAEF1D1-1427-47BB-9C40-C519E74A5561}" srcOrd="1" destOrd="0" parTransId="{855C8D5C-F3D1-4ED5-BCB1-131BDE9E07CD}" sibTransId="{9F8252BD-0F99-4BAE-A0FA-86AE519EE7B8}"/>
+    <dgm:cxn modelId="{8180854D-2001-4519-86CB-E4452E7DDA4F}" srcId="{C09A828D-3619-4956-8180-E1611C070D35}" destId="{ABB42955-C186-4708-BB60-2A121F5591D4}" srcOrd="0" destOrd="0" parTransId="{592BDCEA-40E6-4B06-A110-22EA441A81F0}" sibTransId="{45818C68-3E01-4070-9550-7D14FDFE2D34}"/>
+    <dgm:cxn modelId="{D0CDC26E-3174-4025-A41F-98986ACE8769}" srcId="{5C0F34DA-6624-4B6F-9C6C-3F17BD76BD54}" destId="{2C767607-1006-44C8-AD67-3890E8D6B142}" srcOrd="2" destOrd="0" parTransId="{9331CAE8-3DAE-4CCD-8B3A-22A7048CE90E}" sibTransId="{8C9F2BDD-F112-45DF-8079-04771CB1676D}"/>
+    <dgm:cxn modelId="{7239CD80-4488-4E25-A696-E9324DA85935}" type="presOf" srcId="{E20FEBD7-2608-4BAF-AFBE-5ACBD0B7A2E3}" destId="{EAFFE586-E6B0-472A-AA9F-71DDCC301C28}" srcOrd="0" destOrd="1" presId="urn:microsoft.com/office/officeart/2005/8/layout/list1"/>
+    <dgm:cxn modelId="{19C5248C-DB8E-4482-BA70-833D4405781E}" type="presOf" srcId="{C09A828D-3619-4956-8180-E1611C070D35}" destId="{56A6C593-B066-41D8-8EDB-DE3EB614084E}" srcOrd="1" destOrd="0" presId="urn:microsoft.com/office/officeart/2005/8/layout/list1"/>
+    <dgm:cxn modelId="{78BB52BC-B076-4538-BA84-59A96DE7F04F}" srcId="{C09A828D-3619-4956-8180-E1611C070D35}" destId="{EA6A1143-8B43-489A-89BD-F75F92A2220F}" srcOrd="2" destOrd="0" parTransId="{9BD913D0-6DC5-4B7A-8B45-55A93174D2EA}" sibTransId="{B0C15E15-FE9D-44CC-A593-E8B6E9693665}"/>
+    <dgm:cxn modelId="{56F6F5C0-22B4-48A8-8A2B-9766899E0992}" srcId="{5C0F34DA-6624-4B6F-9C6C-3F17BD76BD54}" destId="{3C087919-F200-4031-AB6D-33BE731DEF55}" srcOrd="3" destOrd="0" parTransId="{28DD0F48-62CD-438B-A2FE-A36AD85BBD58}" sibTransId="{86F6D3C0-EA7C-4661-B61A-6277592B0869}"/>
+    <dgm:cxn modelId="{425F53C5-0B43-4545-A2CB-F6BC04197B5A}" type="presOf" srcId="{ABB42955-C186-4708-BB60-2A121F5591D4}" destId="{03FDA3D2-E5F3-46F6-BCB2-174195519A45}" srcOrd="0" destOrd="0" presId="urn:microsoft.com/office/officeart/2005/8/layout/list1"/>
+    <dgm:cxn modelId="{F7B2E3DF-2044-44E8-90F3-B0F9545B081B}" type="presOf" srcId="{5C0F34DA-6624-4B6F-9C6C-3F17BD76BD54}" destId="{0F84C324-D275-4B39-93FF-54E87C6BCB07}" srcOrd="0" destOrd="0" presId="urn:microsoft.com/office/officeart/2005/8/layout/list1"/>
+    <dgm:cxn modelId="{8AB090ED-C63C-4AA4-92D8-E1C1E738C183}" type="presOf" srcId="{2C767607-1006-44C8-AD67-3890E8D6B142}" destId="{EAFFE586-E6B0-472A-AA9F-71DDCC301C28}" srcOrd="0" destOrd="2" presId="urn:microsoft.com/office/officeart/2005/8/layout/list1"/>
     <dgm:cxn modelId="{702F99F1-7BCE-428B-8153-C0E5EB199AA3}" srcId="{7E6D4195-64AB-45B9-B5E3-E2383E772FDF}" destId="{C09A828D-3619-4956-8180-E1611C070D35}" srcOrd="1" destOrd="0" parTransId="{D551791A-2A1A-4709-8AB9-438748D5105F}" sibTransId="{9F03150E-EE21-4A94-87DF-DBA9A013F02A}"/>
-    <dgm:cxn modelId="{4068FD03-6B29-4887-A369-8EB3D1D50E3E}" type="presOf" srcId="{C09A828D-3619-4956-8180-E1611C070D35}" destId="{7EC4D0A3-E3B0-4B91-BF98-36DA683682AD}" srcOrd="0" destOrd="0" presId="urn:microsoft.com/office/officeart/2005/8/layout/list1"/>
-    <dgm:cxn modelId="{F7C4DD2E-E62B-414B-953D-CB1C39A8A4FD}" type="presOf" srcId="{7C578AC0-5E19-405F-BEC1-6E815C9AC45A}" destId="{EAFFE586-E6B0-472A-AA9F-71DDCC301C28}" srcOrd="0" destOrd="0" presId="urn:microsoft.com/office/officeart/2005/8/layout/list1"/>
-    <dgm:cxn modelId="{F0B79B2E-918A-496C-818B-4BB1A84FAD47}" type="presOf" srcId="{7E6D4195-64AB-45B9-B5E3-E2383E772FDF}" destId="{167CC80F-3E19-41A9-9002-A3D3DA60190F}" srcOrd="0" destOrd="0" presId="urn:microsoft.com/office/officeart/2005/8/layout/list1"/>
-    <dgm:cxn modelId="{A02C3841-5CEA-4C22-B063-29F516336038}" type="presOf" srcId="{EA6A1143-8B43-489A-89BD-F75F92A2220F}" destId="{03FDA3D2-E5F3-46F6-BCB2-174195519A45}" srcOrd="0" destOrd="2" presId="urn:microsoft.com/office/officeart/2005/8/layout/list1"/>
     <dgm:cxn modelId="{D38B02F3-CE60-47F4-905B-0B52062EF7C9}" srcId="{5C0F34DA-6624-4B6F-9C6C-3F17BD76BD54}" destId="{E20FEBD7-2608-4BAF-AFBE-5ACBD0B7A2E3}" srcOrd="1" destOrd="0" parTransId="{85CB3AA6-1301-45BB-AF0D-8EBC96134D6D}" sibTransId="{A85119C9-5E22-49D5-AABD-91F3CF331BCF}"/>
-    <dgm:cxn modelId="{F7B2E3DF-2044-44E8-90F3-B0F9545B081B}" type="presOf" srcId="{5C0F34DA-6624-4B6F-9C6C-3F17BD76BD54}" destId="{0F84C324-D275-4B39-93FF-54E87C6BCB07}" srcOrd="0" destOrd="0" presId="urn:microsoft.com/office/officeart/2005/8/layout/list1"/>
-    <dgm:cxn modelId="{19C5248C-DB8E-4482-BA70-833D4405781E}" type="presOf" srcId="{C09A828D-3619-4956-8180-E1611C070D35}" destId="{56A6C593-B066-41D8-8EDB-DE3EB614084E}" srcOrd="1" destOrd="0" presId="urn:microsoft.com/office/officeart/2005/8/layout/list1"/>
-    <dgm:cxn modelId="{425F53C5-0B43-4545-A2CB-F6BC04197B5A}" type="presOf" srcId="{ABB42955-C186-4708-BB60-2A121F5591D4}" destId="{03FDA3D2-E5F3-46F6-BCB2-174195519A45}" srcOrd="0" destOrd="0" presId="urn:microsoft.com/office/officeart/2005/8/layout/list1"/>
-    <dgm:cxn modelId="{A5265A47-3A27-46C3-93DA-B79679954463}" srcId="{5C0F34DA-6624-4B6F-9C6C-3F17BD76BD54}" destId="{7C578AC0-5E19-405F-BEC1-6E815C9AC45A}" srcOrd="0" destOrd="0" parTransId="{864289D5-0416-4AE8-AC40-AD6C6A67DFAD}" sibTransId="{067A0FD4-21D9-474B-BA55-4D54AA20077B}"/>
+    <dgm:cxn modelId="{8DA3B1F7-71B0-4404-A2D0-C29BE99DFC24}" type="presOf" srcId="{5C0F34DA-6624-4B6F-9C6C-3F17BD76BD54}" destId="{F9AF9988-597A-4954-B9DB-2781CAF8B31D}" srcOrd="1" destOrd="0" presId="urn:microsoft.com/office/officeart/2005/8/layout/list1"/>
     <dgm:cxn modelId="{8D2FE5FE-EDE5-4A0E-9CD4-0ED960C9CCED}" type="presOf" srcId="{3C087919-F200-4031-AB6D-33BE731DEF55}" destId="{EAFFE586-E6B0-472A-AA9F-71DDCC301C28}" srcOrd="0" destOrd="3" presId="urn:microsoft.com/office/officeart/2005/8/layout/list1"/>
-    <dgm:cxn modelId="{8DA3B1F7-71B0-4404-A2D0-C29BE99DFC24}" type="presOf" srcId="{5C0F34DA-6624-4B6F-9C6C-3F17BD76BD54}" destId="{F9AF9988-597A-4954-B9DB-2781CAF8B31D}" srcOrd="1" destOrd="0" presId="urn:microsoft.com/office/officeart/2005/8/layout/list1"/>
-    <dgm:cxn modelId="{8180854D-2001-4519-86CB-E4452E7DDA4F}" srcId="{C09A828D-3619-4956-8180-E1611C070D35}" destId="{ABB42955-C186-4708-BB60-2A121F5591D4}" srcOrd="0" destOrd="0" parTransId="{592BDCEA-40E6-4B06-A110-22EA441A81F0}" sibTransId="{45818C68-3E01-4070-9550-7D14FDFE2D34}"/>
-    <dgm:cxn modelId="{8AB090ED-C63C-4AA4-92D8-E1C1E738C183}" type="presOf" srcId="{2C767607-1006-44C8-AD67-3890E8D6B142}" destId="{EAFFE586-E6B0-472A-AA9F-71DDCC301C28}" srcOrd="0" destOrd="2" presId="urn:microsoft.com/office/officeart/2005/8/layout/list1"/>
-    <dgm:cxn modelId="{7239CD80-4488-4E25-A696-E9324DA85935}" type="presOf" srcId="{E20FEBD7-2608-4BAF-AFBE-5ACBD0B7A2E3}" destId="{EAFFE586-E6B0-472A-AA9F-71DDCC301C28}" srcOrd="0" destOrd="1" presId="urn:microsoft.com/office/officeart/2005/8/layout/list1"/>
-    <dgm:cxn modelId="{78BB52BC-B076-4538-BA84-59A96DE7F04F}" srcId="{C09A828D-3619-4956-8180-E1611C070D35}" destId="{EA6A1143-8B43-489A-89BD-F75F92A2220F}" srcOrd="2" destOrd="0" parTransId="{9BD913D0-6DC5-4B7A-8B45-55A93174D2EA}" sibTransId="{B0C15E15-FE9D-44CC-A593-E8B6E9693665}"/>
-    <dgm:cxn modelId="{12590F6B-68FA-4138-9FFE-CC6037E77FE7}" srcId="{C09A828D-3619-4956-8180-E1611C070D35}" destId="{AFAEF1D1-1427-47BB-9C40-C519E74A5561}" srcOrd="1" destOrd="0" parTransId="{855C8D5C-F3D1-4ED5-BCB1-131BDE9E07CD}" sibTransId="{9F8252BD-0F99-4BAE-A0FA-86AE519EE7B8}"/>
-    <dgm:cxn modelId="{C4E0963C-DC5D-4BCA-BEE1-AFB985258635}" srcId="{7E6D4195-64AB-45B9-B5E3-E2383E772FDF}" destId="{5C0F34DA-6624-4B6F-9C6C-3F17BD76BD54}" srcOrd="0" destOrd="0" parTransId="{CA42AA7B-6758-44A9-AC87-1DE2F6333DC2}" sibTransId="{51CB1D8A-597C-40AC-A006-8453B821EB5B}"/>
-    <dgm:cxn modelId="{D0CDC26E-3174-4025-A41F-98986ACE8769}" srcId="{5C0F34DA-6624-4B6F-9C6C-3F17BD76BD54}" destId="{2C767607-1006-44C8-AD67-3890E8D6B142}" srcOrd="2" destOrd="0" parTransId="{9331CAE8-3DAE-4CCD-8B3A-22A7048CE90E}" sibTransId="{8C9F2BDD-F112-45DF-8079-04771CB1676D}"/>
-    <dgm:cxn modelId="{56F6F5C0-22B4-48A8-8A2B-9766899E0992}" srcId="{5C0F34DA-6624-4B6F-9C6C-3F17BD76BD54}" destId="{3C087919-F200-4031-AB6D-33BE731DEF55}" srcOrd="3" destOrd="0" parTransId="{28DD0F48-62CD-438B-A2FE-A36AD85BBD58}" sibTransId="{86F6D3C0-EA7C-4661-B61A-6277592B0869}"/>
-    <dgm:cxn modelId="{F58E960D-BEBB-4F15-8A81-E1C7B36FE8FD}" type="presOf" srcId="{AFAEF1D1-1427-47BB-9C40-C519E74A5561}" destId="{03FDA3D2-E5F3-46F6-BCB2-174195519A45}" srcOrd="0" destOrd="1" presId="urn:microsoft.com/office/officeart/2005/8/layout/list1"/>
     <dgm:cxn modelId="{348798D2-0B63-4588-A044-75895692D003}" type="presParOf" srcId="{167CC80F-3E19-41A9-9002-A3D3DA60190F}" destId="{A238F28A-F3FB-4961-8FB5-7B7AD7970B60}" srcOrd="0" destOrd="0" presId="urn:microsoft.com/office/officeart/2005/8/layout/list1"/>
     <dgm:cxn modelId="{10AC4F0B-6F9F-47B8-AF02-12442FED1FFC}" type="presParOf" srcId="{A238F28A-F3FB-4961-8FB5-7B7AD7970B60}" destId="{0F84C324-D275-4B39-93FF-54E87C6BCB07}" srcOrd="0" destOrd="0" presId="urn:microsoft.com/office/officeart/2005/8/layout/list1"/>
     <dgm:cxn modelId="{DF52B194-3D35-4B9B-8B06-0BCCEFD44886}" type="presParOf" srcId="{A238F28A-F3FB-4961-8FB5-7B7AD7970B60}" destId="{F9AF9988-597A-4954-B9DB-2781CAF8B31D}" srcOrd="1" destOrd="0" presId="urn:microsoft.com/office/officeart/2005/8/layout/list1"/>
@@ -2957,7 +2884,7 @@
   <dgm:whole/>
   <dgm:extLst>
     <a:ext uri="http://schemas.microsoft.com/office/drawing/2008/diagram">
-      <dsp:dataModelExt xmlns:dsp="http://schemas.microsoft.com/office/drawing/2008/diagram" relId="rId6" minVer="http://schemas.openxmlformats.org/drawingml/2006/diagram"/>
+      <dsp:dataModelExt xmlns:dsp="http://schemas.microsoft.com/office/drawing/2008/diagram" relId="rId7" minVer="http://schemas.openxmlformats.org/drawingml/2006/diagram"/>
     </a:ext>
   </dgm:extLst>
 </dgm:dataModel>
@@ -2978,8 +2905,8 @@
       </dsp:nvSpPr>
       <dsp:spPr>
         <a:xfrm>
-          <a:off x="0" y="347586"/>
-          <a:ext cx="10515600" cy="1927800"/>
+          <a:off x="0" y="280986"/>
+          <a:ext cx="10515600" cy="2142000"/>
         </a:xfrm>
         <a:prstGeom prst="rect">
           <a:avLst/>
@@ -3015,12 +2942,12 @@
         <a:fontRef idx="minor"/>
       </dsp:style>
       <dsp:txBody>
-        <a:bodyPr spcFirstLastPara="0" vert="horz" wrap="square" lIns="816127" tIns="374904" rIns="816127" bIns="128016" numCol="1" spcCol="1270" anchor="t" anchorCtr="0">
+        <a:bodyPr spcFirstLastPara="0" vert="horz" wrap="square" lIns="816127" tIns="354076" rIns="816127" bIns="120904" numCol="1" spcCol="1270" anchor="t" anchorCtr="0">
           <a:noAutofit/>
         </a:bodyPr>
         <a:lstStyle/>
         <a:p>
-          <a:pPr marL="171450" lvl="1" indent="-171450" algn="l" defTabSz="800100">
+          <a:pPr marL="171450" lvl="1" indent="-171450" algn="l" defTabSz="755650">
             <a:lnSpc>
               <a:spcPct val="90000"/>
             </a:lnSpc>
@@ -3030,23 +2957,23 @@
             <a:spcAft>
               <a:spcPct val="15000"/>
             </a:spcAft>
-            <a:buChar char="••"/>
+            <a:buChar char="•"/>
           </a:pPr>
           <a:r>
-            <a:rPr lang="en-US" sz="1800" kern="1200" dirty="0"/>
+            <a:rPr lang="en-US" sz="1700" kern="1200" dirty="0"/>
             <a:t>Multiple option</a:t>
           </a:r>
           <a:r>
-            <a:rPr lang="cs-CZ" sz="1800" kern="1200" dirty="0"/>
+            <a:rPr lang="cs-CZ" sz="1700" kern="1200" dirty="0"/>
             <a:t> </a:t>
           </a:r>
           <a:r>
-            <a:rPr lang="en-US" sz="1800" kern="1200" dirty="0"/>
+            <a:rPr lang="en-US" sz="1700" kern="1200" dirty="0"/>
             <a:t>providers</a:t>
           </a:r>
         </a:p>
         <a:p>
-          <a:pPr marL="171450" lvl="1" indent="-171450" algn="l" defTabSz="800100">
+          <a:pPr marL="342900" lvl="2" indent="-171450" algn="l" defTabSz="755650">
             <a:lnSpc>
               <a:spcPct val="90000"/>
             </a:lnSpc>
@@ -3056,15 +2983,15 @@
             <a:spcAft>
               <a:spcPct val="15000"/>
             </a:spcAft>
-            <a:buChar char="••"/>
+            <a:buChar char="•"/>
           </a:pPr>
           <a:r>
-            <a:rPr lang="en-US" sz="1800" kern="1200" dirty="0"/>
-            <a:t>Linked data</a:t>
+            <a:rPr lang="en-US" sz="1700" kern="1200" noProof="0" dirty="0"/>
+            <a:t>Downloading data from different providers simultaneously</a:t>
           </a:r>
         </a:p>
         <a:p>
-          <a:pPr marL="171450" lvl="1" indent="-171450" algn="l" defTabSz="800100">
+          <a:pPr marL="171450" lvl="1" indent="-171450" algn="l" defTabSz="755650">
             <a:lnSpc>
               <a:spcPct val="90000"/>
             </a:lnSpc>
@@ -3074,15 +3001,15 @@
             <a:spcAft>
               <a:spcPct val="15000"/>
             </a:spcAft>
-            <a:buChar char="••"/>
+            <a:buChar char="•"/>
           </a:pPr>
           <a:r>
-            <a:rPr lang="en-US" sz="1800" kern="1200" dirty="0"/>
-            <a:t>Flexible</a:t>
+            <a:rPr lang="en-US" sz="1700" kern="1200" dirty="0"/>
+            <a:t>Linked data</a:t>
           </a:r>
         </a:p>
         <a:p>
-          <a:pPr marL="171450" lvl="1" indent="-171450" algn="l" defTabSz="800100">
+          <a:pPr marL="171450" lvl="1" indent="-171450" algn="l" defTabSz="755650">
             <a:lnSpc>
               <a:spcPct val="90000"/>
             </a:lnSpc>
@@ -3092,28 +3019,15 @@
             <a:spcAft>
               <a:spcPct val="15000"/>
             </a:spcAft>
-            <a:buChar char="••"/>
+            <a:buChar char="•"/>
           </a:pPr>
           <a:r>
-            <a:rPr lang="en-US" sz="1800" kern="1200" dirty="0"/>
-            <a:t>Maintain same functionality as current</a:t>
+            <a:rPr lang="en-US" sz="1700" kern="1200" dirty="0"/>
+            <a:t>Flexible</a:t>
           </a:r>
-          <a:r>
-            <a:rPr lang="cs-CZ" sz="1800" kern="1200" dirty="0"/>
-            <a:t> </a:t>
-          </a:r>
-          <a:r>
-            <a:rPr lang="en-US" sz="1800" kern="1200" dirty="0"/>
-            <a:t>solutions</a:t>
-          </a:r>
-          <a:r>
-            <a:rPr lang="cs-CZ" sz="1800" kern="1200" dirty="0"/>
-            <a:t> </a:t>
-          </a:r>
-          <a:endParaRPr lang="en-US" sz="1800" kern="1200" dirty="0"/>
         </a:p>
         <a:p>
-          <a:pPr marL="342900" lvl="2" indent="-171450" algn="l" defTabSz="800100">
+          <a:pPr marL="171450" lvl="1" indent="-171450" algn="l" defTabSz="755650">
             <a:lnSpc>
               <a:spcPct val="90000"/>
             </a:lnSpc>
@@ -3123,25 +3037,56 @@
             <a:spcAft>
               <a:spcPct val="15000"/>
             </a:spcAft>
-            <a:buChar char="••"/>
+            <a:buChar char="•"/>
           </a:pPr>
           <a:r>
-            <a:rPr lang="en-US" sz="1800" kern="1200" dirty="0"/>
+            <a:rPr lang="en-US" sz="1700" kern="1200" dirty="0"/>
+            <a:t>Maintain same functionality as current</a:t>
+          </a:r>
+          <a:r>
+            <a:rPr lang="cs-CZ" sz="1700" kern="1200" dirty="0"/>
+            <a:t> </a:t>
+          </a:r>
+          <a:r>
+            <a:rPr lang="en-US" sz="1700" kern="1200" dirty="0"/>
+            <a:t>solutions</a:t>
+          </a:r>
+          <a:r>
+            <a:rPr lang="cs-CZ" sz="1700" kern="1200" dirty="0"/>
+            <a:t> </a:t>
+          </a:r>
+          <a:endParaRPr lang="en-US" sz="1700" kern="1200" dirty="0"/>
+        </a:p>
+        <a:p>
+          <a:pPr marL="342900" lvl="2" indent="-171450" algn="l" defTabSz="755650">
+            <a:lnSpc>
+              <a:spcPct val="90000"/>
+            </a:lnSpc>
+            <a:spcBef>
+              <a:spcPct val="0"/>
+            </a:spcBef>
+            <a:spcAft>
+              <a:spcPct val="15000"/>
+            </a:spcAft>
+            <a:buChar char="•"/>
+          </a:pPr>
+          <a:r>
+            <a:rPr lang="en-US" sz="1700" kern="1200" dirty="0"/>
             <a:t>Multi-select, show options as tree, collapsible tree branches</a:t>
           </a:r>
           <a:r>
-            <a:rPr lang="cs-CZ" sz="1800" kern="1200" dirty="0"/>
+            <a:rPr lang="cs-CZ" sz="1700" kern="1200" dirty="0"/>
             <a:t>, </a:t>
           </a:r>
           <a:r>
-            <a:rPr lang="en-US" sz="1800" kern="1200" dirty="0"/>
+            <a:rPr lang="en-US" sz="1700" kern="1200" dirty="0"/>
             <a:t>etc.</a:t>
           </a:r>
         </a:p>
       </dsp:txBody>
       <dsp:txXfrm>
-        <a:off x="0" y="347586"/>
-        <a:ext cx="10515600" cy="1927800"/>
+        <a:off x="0" y="280986"/>
+        <a:ext cx="10515600" cy="2142000"/>
       </dsp:txXfrm>
     </dsp:sp>
     <dsp:sp modelId="{FE03CE7B-11DD-4A27-9B29-CFFB94D6E3EA}">
@@ -3151,8 +3096,8 @@
       </dsp:nvSpPr>
       <dsp:spPr>
         <a:xfrm>
-          <a:off x="525780" y="81906"/>
-          <a:ext cx="7360920" cy="531360"/>
+          <a:off x="525780" y="30066"/>
+          <a:ext cx="7360920" cy="501840"/>
         </a:xfrm>
         <a:prstGeom prst="roundRect">
           <a:avLst/>
@@ -3191,7 +3136,7 @@
         </a:bodyPr>
         <a:lstStyle/>
         <a:p>
-          <a:pPr lvl="0" algn="l" defTabSz="800100">
+          <a:pPr marL="0" lvl="0" indent="0" algn="l" defTabSz="755650">
             <a:lnSpc>
               <a:spcPct val="90000"/>
             </a:lnSpc>
@@ -3201,32 +3146,33 @@
             <a:spcAft>
               <a:spcPct val="35000"/>
             </a:spcAft>
+            <a:buNone/>
           </a:pPr>
           <a:r>
-            <a:rPr lang="en-US" sz="1800" kern="1200" dirty="0"/>
+            <a:rPr lang="en-US" sz="1700" kern="1200" dirty="0"/>
             <a:t>No existence of </a:t>
           </a:r>
           <a:r>
-            <a:rPr lang="cs-CZ" sz="1800" kern="1200" dirty="0"/>
+            <a:rPr lang="cs-CZ" sz="1700" kern="1200" dirty="0"/>
             <a:t>a</a:t>
           </a:r>
           <a:r>
-            <a:rPr lang="en-US" sz="1800" kern="1200" dirty="0"/>
+            <a:rPr lang="en-US" sz="1700" kern="1200" dirty="0"/>
             <a:t> component supporting</a:t>
           </a:r>
           <a:r>
-            <a:rPr lang="cs-CZ" sz="1800" kern="1200" dirty="0"/>
+            <a:rPr lang="cs-CZ" sz="1700" kern="1200" dirty="0"/>
             <a:t> </a:t>
           </a:r>
           <a:r>
-            <a:rPr lang="en-US" sz="1800" kern="1200" dirty="0"/>
+            <a:rPr lang="en-US" sz="1700" kern="1200" dirty="0"/>
             <a:t>following</a:t>
           </a:r>
         </a:p>
       </dsp:txBody>
       <dsp:txXfrm>
-        <a:off x="551719" y="107845"/>
-        <a:ext cx="7309042" cy="479482"/>
+        <a:off x="550278" y="54564"/>
+        <a:ext cx="7311924" cy="452844"/>
       </dsp:txXfrm>
     </dsp:sp>
     <dsp:sp modelId="{79C6CE04-C633-48FB-AF93-D1D29FCA690D}">
@@ -3236,8 +3182,8 @@
       </dsp:nvSpPr>
       <dsp:spPr>
         <a:xfrm>
-          <a:off x="0" y="2638267"/>
-          <a:ext cx="10515600" cy="1360800"/>
+          <a:off x="0" y="2765707"/>
+          <a:ext cx="10515600" cy="1285200"/>
         </a:xfrm>
         <a:prstGeom prst="rect">
           <a:avLst/>
@@ -3273,12 +3219,12 @@
         <a:fontRef idx="minor"/>
       </dsp:style>
       <dsp:txBody>
-        <a:bodyPr spcFirstLastPara="0" vert="horz" wrap="square" lIns="816127" tIns="374904" rIns="816127" bIns="128016" numCol="1" spcCol="1270" anchor="t" anchorCtr="0">
+        <a:bodyPr spcFirstLastPara="0" vert="horz" wrap="square" lIns="816127" tIns="354076" rIns="816127" bIns="120904" numCol="1" spcCol="1270" anchor="t" anchorCtr="0">
           <a:noAutofit/>
         </a:bodyPr>
         <a:lstStyle/>
         <a:p>
-          <a:pPr marL="171450" lvl="1" indent="-171450" algn="l" defTabSz="800100">
+          <a:pPr marL="171450" lvl="1" indent="-171450" algn="l" defTabSz="755650">
             <a:lnSpc>
               <a:spcPct val="90000"/>
             </a:lnSpc>
@@ -3288,15 +3234,15 @@
             <a:spcAft>
               <a:spcPct val="15000"/>
             </a:spcAft>
-            <a:buChar char="••"/>
+            <a:buChar char="•"/>
           </a:pPr>
           <a:r>
-            <a:rPr lang="en-US" sz="1800" kern="1200" dirty="0"/>
+            <a:rPr lang="en-US" sz="1700" kern="1200" dirty="0"/>
             <a:t>Display some info such as description, status, etc.</a:t>
           </a:r>
         </a:p>
         <a:p>
-          <a:pPr marL="171450" lvl="1" indent="-171450" algn="l" defTabSz="800100">
+          <a:pPr marL="171450" lvl="1" indent="-171450" algn="l" defTabSz="755650">
             <a:lnSpc>
               <a:spcPct val="90000"/>
             </a:lnSpc>
@@ -3306,15 +3252,15 @@
             <a:spcAft>
               <a:spcPct val="15000"/>
             </a:spcAft>
-            <a:buChar char="••"/>
+            <a:buChar char="•"/>
           </a:pPr>
           <a:r>
-            <a:rPr lang="en-US" sz="1800" kern="1200" dirty="0"/>
+            <a:rPr lang="en-US" sz="1700" kern="1200" dirty="0"/>
             <a:t>Creating new options</a:t>
           </a:r>
         </a:p>
         <a:p>
-          <a:pPr marL="171450" lvl="1" indent="-171450" algn="l" defTabSz="800100">
+          <a:pPr marL="171450" lvl="1" indent="-171450" algn="l" defTabSz="755650">
             <a:lnSpc>
               <a:spcPct val="90000"/>
             </a:lnSpc>
@@ -3324,17 +3270,17 @@
             <a:spcAft>
               <a:spcPct val="15000"/>
             </a:spcAft>
-            <a:buChar char="••"/>
+            <a:buChar char="•"/>
           </a:pPr>
           <a:r>
-            <a:rPr lang="en-US" sz="1800" kern="1200" dirty="0"/>
+            <a:rPr lang="en-US" sz="1700" kern="1200" dirty="0"/>
             <a:t>Configuration in UI (e.g. selectin type)</a:t>
           </a:r>
         </a:p>
       </dsp:txBody>
       <dsp:txXfrm>
-        <a:off x="0" y="2638267"/>
-        <a:ext cx="10515600" cy="1360800"/>
+        <a:off x="0" y="2765707"/>
+        <a:ext cx="10515600" cy="1285200"/>
       </dsp:txXfrm>
     </dsp:sp>
     <dsp:sp modelId="{EEF2EA84-5C2C-4EC2-8CE8-780881F6C723}">
@@ -3344,8 +3290,8 @@
       </dsp:nvSpPr>
       <dsp:spPr>
         <a:xfrm>
-          <a:off x="525780" y="2372587"/>
-          <a:ext cx="7360920" cy="531360"/>
+          <a:off x="525780" y="2514787"/>
+          <a:ext cx="7360920" cy="501840"/>
         </a:xfrm>
         <a:prstGeom prst="roundRect">
           <a:avLst/>
@@ -3391,7 +3337,7 @@
         </a:bodyPr>
         <a:lstStyle/>
         <a:p>
-          <a:pPr lvl="0" algn="l" defTabSz="800100">
+          <a:pPr marL="0" lvl="0" indent="0" algn="l" defTabSz="755650">
             <a:lnSpc>
               <a:spcPct val="90000"/>
             </a:lnSpc>
@@ -3401,16 +3347,17 @@
             <a:spcAft>
               <a:spcPct val="35000"/>
             </a:spcAft>
+            <a:buNone/>
           </a:pPr>
           <a:r>
-            <a:rPr lang="en-US" sz="1800" kern="1200" dirty="0"/>
+            <a:rPr lang="en-US" sz="1700" kern="1200" dirty="0"/>
             <a:t>Additional functionality of the new component</a:t>
           </a:r>
         </a:p>
       </dsp:txBody>
       <dsp:txXfrm>
-        <a:off x="551719" y="2398526"/>
-        <a:ext cx="7309042" cy="479482"/>
+        <a:off x="550278" y="2539285"/>
+        <a:ext cx="7311924" cy="452844"/>
       </dsp:txXfrm>
     </dsp:sp>
   </dsp:spTree>
@@ -3432,8 +3379,8 @@
       </dsp:nvSpPr>
       <dsp:spPr>
         <a:xfrm>
-          <a:off x="0" y="575511"/>
-          <a:ext cx="10515600" cy="1552950"/>
+          <a:off x="0" y="489336"/>
+          <a:ext cx="10515600" cy="1644300"/>
         </a:xfrm>
         <a:prstGeom prst="rect">
           <a:avLst/>
@@ -3469,12 +3416,12 @@
         <a:fontRef idx="minor"/>
       </dsp:style>
       <dsp:txBody>
-        <a:bodyPr spcFirstLastPara="0" vert="horz" wrap="square" lIns="816127" tIns="354076" rIns="816127" bIns="120904" numCol="1" spcCol="1270" anchor="t" anchorCtr="0">
+        <a:bodyPr spcFirstLastPara="0" vert="horz" wrap="square" lIns="816127" tIns="374904" rIns="816127" bIns="128016" numCol="1" spcCol="1270" anchor="t" anchorCtr="0">
           <a:noAutofit/>
         </a:bodyPr>
         <a:lstStyle/>
         <a:p>
-          <a:pPr marL="171450" lvl="1" indent="-171450" algn="l" defTabSz="755650">
+          <a:pPr marL="171450" lvl="1" indent="-171450" algn="l" defTabSz="800100">
             <a:lnSpc>
               <a:spcPct val="90000"/>
             </a:lnSpc>
@@ -3484,32 +3431,32 @@
             <a:spcAft>
               <a:spcPct val="15000"/>
             </a:spcAft>
-            <a:buChar char="••"/>
+            <a:buChar char="•"/>
           </a:pPr>
           <a:r>
-            <a:rPr lang="cs-CZ" sz="1700" kern="1200" dirty="0"/>
+            <a:rPr lang="cs-CZ" sz="1800" kern="1200" dirty="0"/>
             <a:t>Type – </a:t>
           </a:r>
           <a:r>
-            <a:rPr lang="cs-CZ" sz="1700" b="1" kern="1200" dirty="0"/>
+            <a:rPr lang="cs-CZ" sz="1800" b="1" kern="1200" dirty="0"/>
             <a:t>web</a:t>
           </a:r>
           <a:r>
-            <a:rPr lang="cs-CZ" sz="1700" kern="1200" dirty="0"/>
+            <a:rPr lang="cs-CZ" sz="1800" kern="1200" dirty="0"/>
             <a:t>, </a:t>
           </a:r>
           <a:r>
-            <a:rPr lang="en-US" sz="1700" kern="1200" dirty="0"/>
+            <a:rPr lang="en-US" sz="1800" kern="1200" dirty="0"/>
             <a:t>system</a:t>
           </a:r>
           <a:r>
-            <a:rPr lang="cs-CZ" sz="1700" kern="1200" dirty="0"/>
+            <a:rPr lang="cs-CZ" sz="1800" kern="1200" dirty="0"/>
             <a:t>, software, hardware, ...</a:t>
           </a:r>
-          <a:endParaRPr lang="en-US" sz="1700" kern="1200" dirty="0"/>
+          <a:endParaRPr lang="en-US" sz="1800" kern="1200" dirty="0"/>
         </a:p>
         <a:p>
-          <a:pPr marL="171450" lvl="1" indent="-171450" algn="l" defTabSz="755650">
+          <a:pPr marL="171450" lvl="1" indent="-171450" algn="l" defTabSz="800100">
             <a:lnSpc>
               <a:spcPct val="90000"/>
             </a:lnSpc>
@@ -3519,16 +3466,16 @@
             <a:spcAft>
               <a:spcPct val="15000"/>
             </a:spcAft>
-            <a:buChar char="••"/>
+            <a:buChar char="•"/>
           </a:pPr>
           <a:r>
-            <a:rPr lang="cs-CZ" sz="1700" kern="1200" dirty="0"/>
+            <a:rPr lang="cs-CZ" sz="1800" kern="1200" dirty="0"/>
             <a:t>Data format – file, JSON, CSV, XML, ...</a:t>
           </a:r>
-          <a:endParaRPr lang="en-US" sz="1700" kern="1200" dirty="0"/>
+          <a:endParaRPr lang="en-US" sz="1800" kern="1200" dirty="0"/>
         </a:p>
         <a:p>
-          <a:pPr marL="171450" lvl="1" indent="-171450" algn="l" defTabSz="755650">
+          <a:pPr marL="171450" lvl="1" indent="-171450" algn="l" defTabSz="800100">
             <a:lnSpc>
               <a:spcPct val="90000"/>
             </a:lnSpc>
@@ -3538,16 +3485,16 @@
             <a:spcAft>
               <a:spcPct val="15000"/>
             </a:spcAft>
-            <a:buChar char="••"/>
+            <a:buChar char="•"/>
           </a:pPr>
           <a:r>
-            <a:rPr lang="cs-CZ" sz="1700" kern="1200" dirty="0"/>
+            <a:rPr lang="cs-CZ" sz="1800" kern="1200" dirty="0"/>
             <a:t>Returned informations – complete data, data headers (IDs), ...</a:t>
           </a:r>
-          <a:endParaRPr lang="en-US" sz="1700" kern="1200" dirty="0"/>
+          <a:endParaRPr lang="en-US" sz="1800" kern="1200" dirty="0"/>
         </a:p>
         <a:p>
-          <a:pPr marL="171450" lvl="1" indent="-171450" algn="l" defTabSz="755650">
+          <a:pPr marL="171450" lvl="1" indent="-171450" algn="l" defTabSz="800100">
             <a:lnSpc>
               <a:spcPct val="90000"/>
             </a:lnSpc>
@@ -3557,18 +3504,18 @@
             <a:spcAft>
               <a:spcPct val="15000"/>
             </a:spcAft>
-            <a:buChar char="••"/>
+            <a:buChar char="•"/>
           </a:pPr>
           <a:r>
-            <a:rPr lang="cs-CZ" sz="1700" kern="1200" dirty="0"/>
+            <a:rPr lang="cs-CZ" sz="1800" kern="1200" dirty="0"/>
             <a:t>Returned structure – list, tree, graph, ...</a:t>
           </a:r>
-          <a:endParaRPr lang="en-US" sz="1700" kern="1200" dirty="0"/>
+          <a:endParaRPr lang="en-US" sz="1800" kern="1200" dirty="0"/>
         </a:p>
       </dsp:txBody>
       <dsp:txXfrm>
-        <a:off x="0" y="575511"/>
-        <a:ext cx="10515600" cy="1552950"/>
+        <a:off x="0" y="489336"/>
+        <a:ext cx="10515600" cy="1644300"/>
       </dsp:txXfrm>
     </dsp:sp>
     <dsp:sp modelId="{F9AF9988-597A-4954-B9DB-2781CAF8B31D}">
@@ -3578,8 +3525,8 @@
       </dsp:nvSpPr>
       <dsp:spPr>
         <a:xfrm>
-          <a:off x="525780" y="324591"/>
-          <a:ext cx="7360920" cy="501840"/>
+          <a:off x="525780" y="223656"/>
+          <a:ext cx="7360920" cy="531360"/>
         </a:xfrm>
         <a:prstGeom prst="roundRect">
           <a:avLst/>
@@ -3635,7 +3582,7 @@
         </a:bodyPr>
         <a:lstStyle/>
         <a:p>
-          <a:pPr lvl="0" algn="l" defTabSz="755650">
+          <a:pPr marL="0" lvl="0" indent="0" algn="l" defTabSz="800100">
             <a:lnSpc>
               <a:spcPct val="90000"/>
             </a:lnSpc>
@@ -3645,17 +3592,18 @@
             <a:spcAft>
               <a:spcPct val="35000"/>
             </a:spcAft>
+            <a:buNone/>
           </a:pPr>
           <a:r>
-            <a:rPr lang="cs-CZ" sz="1700" kern="1200" dirty="0"/>
+            <a:rPr lang="cs-CZ" sz="1800" kern="1200" dirty="0"/>
             <a:t>Based on several definitions</a:t>
           </a:r>
-          <a:endParaRPr lang="en-US" sz="1700" kern="1200" dirty="0"/>
+          <a:endParaRPr lang="en-US" sz="1800" kern="1200" dirty="0"/>
         </a:p>
       </dsp:txBody>
       <dsp:txXfrm>
-        <a:off x="550278" y="349089"/>
-        <a:ext cx="7311924" cy="452844"/>
+        <a:off x="551719" y="249595"/>
+        <a:ext cx="7309042" cy="479482"/>
       </dsp:txXfrm>
     </dsp:sp>
     <dsp:sp modelId="{03FDA3D2-E5F3-46F6-BCB2-174195519A45}">
@@ -3665,8 +3613,8 @@
       </dsp:nvSpPr>
       <dsp:spPr>
         <a:xfrm>
-          <a:off x="0" y="2471182"/>
-          <a:ext cx="10515600" cy="1285200"/>
+          <a:off x="0" y="2496517"/>
+          <a:ext cx="10515600" cy="1360800"/>
         </a:xfrm>
         <a:prstGeom prst="rect">
           <a:avLst/>
@@ -3702,12 +3650,12 @@
         <a:fontRef idx="minor"/>
       </dsp:style>
       <dsp:txBody>
-        <a:bodyPr spcFirstLastPara="0" vert="horz" wrap="square" lIns="816127" tIns="354076" rIns="816127" bIns="120904" numCol="1" spcCol="1270" anchor="t" anchorCtr="0">
+        <a:bodyPr spcFirstLastPara="0" vert="horz" wrap="square" lIns="816127" tIns="374904" rIns="816127" bIns="128016" numCol="1" spcCol="1270" anchor="t" anchorCtr="0">
           <a:noAutofit/>
         </a:bodyPr>
         <a:lstStyle/>
         <a:p>
-          <a:pPr marL="171450" lvl="1" indent="-171450" algn="l" defTabSz="755650">
+          <a:pPr marL="171450" lvl="1" indent="-171450" algn="l" defTabSz="800100">
             <a:lnSpc>
               <a:spcPct val="90000"/>
             </a:lnSpc>
@@ -3717,24 +3665,16 @@
             <a:spcAft>
               <a:spcPct val="15000"/>
             </a:spcAft>
-            <a:buChar char="••"/>
+            <a:buChar char="•"/>
           </a:pPr>
           <a:r>
-            <a:rPr lang="cs-CZ" sz="1700" kern="1200" dirty="0"/>
-            <a:t>Protocol + ´sub domain´ + Domain + ´version´ + endpoint + ´</a:t>
+            <a:rPr lang="cs-CZ" sz="1800" kern="1200" dirty="0"/>
+            <a:t>Protocol + ´sub domain´ + Domain + ´version´ + endpoint + ´query´</a:t>
           </a:r>
-          <a:r>
-            <a:rPr lang="cs-CZ" sz="1700" kern="1200" dirty="0" smtClean="0"/>
-            <a:t>query</a:t>
-          </a:r>
-          <a:r>
-            <a:rPr lang="cs-CZ" sz="1700" kern="1200" dirty="0"/>
-            <a:t>´</a:t>
-          </a:r>
-          <a:endParaRPr lang="en-US" sz="1700" kern="1200" dirty="0"/>
+          <a:endParaRPr lang="en-US" sz="1800" kern="1200" dirty="0"/>
         </a:p>
         <a:p>
-          <a:pPr marL="171450" lvl="1" indent="-171450" algn="l" defTabSz="755650">
+          <a:pPr marL="171450" lvl="1" indent="-171450" algn="l" defTabSz="800100">
             <a:lnSpc>
               <a:spcPct val="90000"/>
             </a:lnSpc>
@@ -3744,20 +3684,20 @@
             <a:spcAft>
               <a:spcPct val="15000"/>
             </a:spcAft>
-            <a:buChar char="••"/>
+            <a:buChar char="•"/>
           </a:pPr>
           <a:r>
-            <a:rPr lang="en-US" sz="1700" kern="1200" dirty="0"/>
+            <a:rPr lang="en-US" sz="1800" kern="1200" dirty="0"/>
             <a:t>Example</a:t>
           </a:r>
           <a:r>
-            <a:rPr lang="cs-CZ" sz="1700" kern="1200" dirty="0"/>
+            <a:rPr lang="cs-CZ" sz="1800" kern="1200" dirty="0"/>
             <a:t>:</a:t>
           </a:r>
-          <a:endParaRPr lang="en-US" sz="1700" kern="1200" dirty="0"/>
+          <a:endParaRPr lang="en-US" sz="1800" kern="1200" dirty="0"/>
         </a:p>
         <a:p>
-          <a:pPr marL="171450" lvl="1" indent="-171450" algn="l" defTabSz="755650">
+          <a:pPr marL="171450" lvl="1" indent="-171450" algn="l" defTabSz="800100">
             <a:lnSpc>
               <a:spcPct val="90000"/>
             </a:lnSpc>
@@ -3768,37 +3708,37 @@
               <a:spcPct val="15000"/>
             </a:spcAft>
             <a:buFont typeface="Arial" panose="020B0604020202020204" pitchFamily="34" charset="0"/>
-            <a:buChar char="••"/>
+            <a:buNone/>
           </a:pPr>
           <a:r>
-            <a:rPr lang="cs-CZ" sz="1700" kern="1200" dirty="0"/>
+            <a:rPr lang="cs-CZ" sz="1800" kern="1200" dirty="0"/>
             <a:t>https://www.api.spotify.com/v1/artist/</a:t>
           </a:r>
           <a:r>
-            <a:rPr lang="en-US" sz="1700" kern="1200" dirty="0"/>
+            <a:rPr lang="en-US" sz="1800" kern="1200" dirty="0"/>
             <a:t>123456789</a:t>
           </a:r>
           <a:r>
-            <a:rPr lang="cs-CZ" sz="1700" kern="1200" dirty="0"/>
+            <a:rPr lang="cs-CZ" sz="1800" kern="1200" dirty="0"/>
             <a:t>/albums</a:t>
           </a:r>
           <a:r>
-            <a:rPr lang="en-US" sz="1700" kern="1200" dirty="0"/>
+            <a:rPr lang="en-US" sz="1800" kern="1200" dirty="0"/>
             <a:t>?</a:t>
           </a:r>
           <a:r>
-            <a:rPr lang="cs-CZ" sz="1700" kern="1200" dirty="0"/>
+            <a:rPr lang="cs-CZ" sz="1800" kern="1200" dirty="0"/>
             <a:t>location=CZ,SK</a:t>
           </a:r>
           <a:r>
-            <a:rPr lang="en-US" sz="1700" kern="1200" dirty="0"/>
+            <a:rPr lang="en-US" sz="1800" kern="1200" dirty="0"/>
             <a:t>&amp;limit=25&amp;offset=5</a:t>
           </a:r>
         </a:p>
       </dsp:txBody>
       <dsp:txXfrm>
-        <a:off x="0" y="2471182"/>
-        <a:ext cx="10515600" cy="1285200"/>
+        <a:off x="0" y="2496517"/>
+        <a:ext cx="10515600" cy="1360800"/>
       </dsp:txXfrm>
     </dsp:sp>
     <dsp:sp modelId="{56A6C593-B066-41D8-8EDB-DE3EB614084E}">
@@ -3808,8 +3748,8 @@
       </dsp:nvSpPr>
       <dsp:spPr>
         <a:xfrm>
-          <a:off x="525780" y="2220262"/>
-          <a:ext cx="7360920" cy="501840"/>
+          <a:off x="525780" y="2230837"/>
+          <a:ext cx="7360920" cy="531360"/>
         </a:xfrm>
         <a:prstGeom prst="roundRect">
           <a:avLst/>
@@ -3868,7 +3808,7 @@
         </a:bodyPr>
         <a:lstStyle/>
         <a:p>
-          <a:pPr lvl="0" algn="l" defTabSz="755650">
+          <a:pPr marL="0" lvl="0" indent="0" algn="l" defTabSz="800100">
             <a:lnSpc>
               <a:spcPct val="90000"/>
             </a:lnSpc>
@@ -3878,17 +3818,18 @@
             <a:spcAft>
               <a:spcPct val="35000"/>
             </a:spcAft>
+            <a:buNone/>
           </a:pPr>
           <a:r>
-            <a:rPr lang="cs-CZ" sz="1700" kern="1200" dirty="0"/>
+            <a:rPr lang="cs-CZ" sz="1800" kern="1200" dirty="0"/>
             <a:t>URL structure</a:t>
           </a:r>
-          <a:endParaRPr lang="en-US" sz="1700" kern="1200" dirty="0"/>
+          <a:endParaRPr lang="en-US" sz="1800" kern="1200" dirty="0"/>
         </a:p>
       </dsp:txBody>
       <dsp:txXfrm>
-        <a:off x="550278" y="2244760"/>
-        <a:ext cx="7311924" cy="452844"/>
+        <a:off x="551719" y="2256776"/>
+        <a:ext cx="7309042" cy="479482"/>
       </dsp:txXfrm>
     </dsp:sp>
   </dsp:spTree>
@@ -6495,7 +6436,7 @@
           <a:p>
             <a:fld id="{B4840607-A076-4567-872E-1B25518608ED}" type="datetimeFigureOut">
               <a:rPr lang="cs-CZ" smtClean="0"/>
-              <a:t>27.03.2018</a:t>
+              <a:t>27.3.2018</a:t>
             </a:fld>
             <a:endParaRPr lang="cs-CZ" dirty="0"/>
           </a:p>
@@ -6806,7 +6747,7 @@
           <a:bodyPr/>
           <a:lstStyle/>
           <a:p>
-            <a:endParaRPr lang="cs-CZ" dirty="0"/>
+            <a:endParaRPr lang="en-US"/>
           </a:p>
         </p:txBody>
       </p:sp>
@@ -6827,7 +6768,847 @@
           <a:p>
             <a:fld id="{0D90CD49-4EC5-4BD0-B5EE-BE56AF294619}" type="slidenum">
               <a:rPr lang="cs-CZ" smtClean="0"/>
+              <a:t>1</a:t>
+            </a:fld>
+            <a:endParaRPr lang="cs-CZ" dirty="0"/>
+          </a:p>
+        </p:txBody>
+      </p:sp>
+    </p:spTree>
+    <p:extLst>
+      <p:ext uri="{BB962C8B-B14F-4D97-AF65-F5344CB8AC3E}">
+        <p14:creationId xmlns:p14="http://schemas.microsoft.com/office/powerpoint/2010/main" val="1480026530"/>
+      </p:ext>
+    </p:extLst>
+  </p:cSld>
+  <p:clrMapOvr>
+    <a:masterClrMapping/>
+  </p:clrMapOvr>
+</p:notes>
+</file>
+
+<file path=ppt/notesSlides/notesSlide10.xml><?xml version="1.0" encoding="utf-8"?>
+<p:notes xmlns:a="http://schemas.openxmlformats.org/drawingml/2006/main" xmlns:r="http://schemas.openxmlformats.org/officeDocument/2006/relationships" xmlns:p="http://schemas.openxmlformats.org/presentationml/2006/main">
+  <p:cSld>
+    <p:spTree>
+      <p:nvGrpSpPr>
+        <p:cNvPr id="1" name=""/>
+        <p:cNvGrpSpPr/>
+        <p:nvPr/>
+      </p:nvGrpSpPr>
+      <p:grpSpPr>
+        <a:xfrm>
+          <a:off x="0" y="0"/>
+          <a:ext cx="0" cy="0"/>
+          <a:chOff x="0" y="0"/>
+          <a:chExt cx="0" cy="0"/>
+        </a:xfrm>
+      </p:grpSpPr>
+      <p:sp>
+        <p:nvSpPr>
+          <p:cNvPr id="2" name="Zástupný symbol pro obrázek snímku 1"/>
+          <p:cNvSpPr>
+            <a:spLocks noGrp="1" noRot="1" noChangeAspect="1"/>
+          </p:cNvSpPr>
+          <p:nvPr>
+            <p:ph type="sldImg"/>
+          </p:nvPr>
+        </p:nvSpPr>
+        <p:spPr/>
+      </p:sp>
+      <p:sp>
+        <p:nvSpPr>
+          <p:cNvPr id="3" name="Zástupný symbol pro poznámky 2"/>
+          <p:cNvSpPr>
+            <a:spLocks noGrp="1"/>
+          </p:cNvSpPr>
+          <p:nvPr>
+            <p:ph type="body" idx="1"/>
+          </p:nvPr>
+        </p:nvSpPr>
+        <p:spPr/>
+        <p:txBody>
+          <a:bodyPr/>
+          <a:lstStyle/>
+          <a:p>
+            <a:endParaRPr lang="en-US"/>
+          </a:p>
+        </p:txBody>
+      </p:sp>
+      <p:sp>
+        <p:nvSpPr>
+          <p:cNvPr id="4" name="Zástupný symbol pro číslo snímku 3"/>
+          <p:cNvSpPr>
+            <a:spLocks noGrp="1"/>
+          </p:cNvSpPr>
+          <p:nvPr>
+            <p:ph type="sldNum" sz="quarter" idx="10"/>
+          </p:nvPr>
+        </p:nvSpPr>
+        <p:spPr/>
+        <p:txBody>
+          <a:bodyPr/>
+          <a:lstStyle/>
+          <a:p>
+            <a:fld id="{0D90CD49-4EC5-4BD0-B5EE-BE56AF294619}" type="slidenum">
+              <a:rPr lang="cs-CZ" smtClean="0"/>
+              <a:t>12</a:t>
+            </a:fld>
+            <a:endParaRPr lang="cs-CZ" dirty="0"/>
+          </a:p>
+        </p:txBody>
+      </p:sp>
+    </p:spTree>
+    <p:extLst>
+      <p:ext uri="{BB962C8B-B14F-4D97-AF65-F5344CB8AC3E}">
+        <p14:creationId xmlns:p14="http://schemas.microsoft.com/office/powerpoint/2010/main" val="1697953580"/>
+      </p:ext>
+    </p:extLst>
+  </p:cSld>
+  <p:clrMapOvr>
+    <a:masterClrMapping/>
+  </p:clrMapOvr>
+</p:notes>
+</file>
+
+<file path=ppt/notesSlides/notesSlide11.xml><?xml version="1.0" encoding="utf-8"?>
+<p:notes xmlns:a="http://schemas.openxmlformats.org/drawingml/2006/main" xmlns:r="http://schemas.openxmlformats.org/officeDocument/2006/relationships" xmlns:p="http://schemas.openxmlformats.org/presentationml/2006/main">
+  <p:cSld>
+    <p:spTree>
+      <p:nvGrpSpPr>
+        <p:cNvPr id="1" name=""/>
+        <p:cNvGrpSpPr/>
+        <p:nvPr/>
+      </p:nvGrpSpPr>
+      <p:grpSpPr>
+        <a:xfrm>
+          <a:off x="0" y="0"/>
+          <a:ext cx="0" cy="0"/>
+          <a:chOff x="0" y="0"/>
+          <a:chExt cx="0" cy="0"/>
+        </a:xfrm>
+      </p:grpSpPr>
+      <p:sp>
+        <p:nvSpPr>
+          <p:cNvPr id="2" name="Zástupný symbol pro obrázek snímku 1"/>
+          <p:cNvSpPr>
+            <a:spLocks noGrp="1" noRot="1" noChangeAspect="1"/>
+          </p:cNvSpPr>
+          <p:nvPr>
+            <p:ph type="sldImg"/>
+          </p:nvPr>
+        </p:nvSpPr>
+        <p:spPr/>
+      </p:sp>
+      <p:sp>
+        <p:nvSpPr>
+          <p:cNvPr id="3" name="Zástupný symbol pro poznámky 2"/>
+          <p:cNvSpPr>
+            <a:spLocks noGrp="1"/>
+          </p:cNvSpPr>
+          <p:nvPr>
+            <p:ph type="body" idx="1"/>
+          </p:nvPr>
+        </p:nvSpPr>
+        <p:spPr/>
+        <p:txBody>
+          <a:bodyPr/>
+          <a:lstStyle/>
+          <a:p>
+            <a:endParaRPr lang="en-US"/>
+          </a:p>
+        </p:txBody>
+      </p:sp>
+      <p:sp>
+        <p:nvSpPr>
+          <p:cNvPr id="4" name="Zástupný symbol pro číslo snímku 3"/>
+          <p:cNvSpPr>
+            <a:spLocks noGrp="1"/>
+          </p:cNvSpPr>
+          <p:nvPr>
+            <p:ph type="sldNum" sz="quarter" idx="10"/>
+          </p:nvPr>
+        </p:nvSpPr>
+        <p:spPr/>
+        <p:txBody>
+          <a:bodyPr/>
+          <a:lstStyle/>
+          <a:p>
+            <a:fld id="{0D90CD49-4EC5-4BD0-B5EE-BE56AF294619}" type="slidenum">
+              <a:rPr lang="cs-CZ" smtClean="0"/>
+              <a:t>13</a:t>
+            </a:fld>
+            <a:endParaRPr lang="cs-CZ" dirty="0"/>
+          </a:p>
+        </p:txBody>
+      </p:sp>
+    </p:spTree>
+    <p:extLst>
+      <p:ext uri="{BB962C8B-B14F-4D97-AF65-F5344CB8AC3E}">
+        <p14:creationId xmlns:p14="http://schemas.microsoft.com/office/powerpoint/2010/main" val="3496955150"/>
+      </p:ext>
+    </p:extLst>
+  </p:cSld>
+  <p:clrMapOvr>
+    <a:masterClrMapping/>
+  </p:clrMapOvr>
+</p:notes>
+</file>
+
+<file path=ppt/notesSlides/notesSlide12.xml><?xml version="1.0" encoding="utf-8"?>
+<p:notes xmlns:a="http://schemas.openxmlformats.org/drawingml/2006/main" xmlns:r="http://schemas.openxmlformats.org/officeDocument/2006/relationships" xmlns:p="http://schemas.openxmlformats.org/presentationml/2006/main">
+  <p:cSld>
+    <p:spTree>
+      <p:nvGrpSpPr>
+        <p:cNvPr id="1" name=""/>
+        <p:cNvGrpSpPr/>
+        <p:nvPr/>
+      </p:nvGrpSpPr>
+      <p:grpSpPr>
+        <a:xfrm>
+          <a:off x="0" y="0"/>
+          <a:ext cx="0" cy="0"/>
+          <a:chOff x="0" y="0"/>
+          <a:chExt cx="0" cy="0"/>
+        </a:xfrm>
+      </p:grpSpPr>
+      <p:sp>
+        <p:nvSpPr>
+          <p:cNvPr id="2" name="Zástupný symbol pro obrázek snímku 1"/>
+          <p:cNvSpPr>
+            <a:spLocks noGrp="1" noRot="1" noChangeAspect="1"/>
+          </p:cNvSpPr>
+          <p:nvPr>
+            <p:ph type="sldImg"/>
+          </p:nvPr>
+        </p:nvSpPr>
+        <p:spPr/>
+      </p:sp>
+      <p:sp>
+        <p:nvSpPr>
+          <p:cNvPr id="3" name="Zástupný symbol pro poznámky 2"/>
+          <p:cNvSpPr>
+            <a:spLocks noGrp="1"/>
+          </p:cNvSpPr>
+          <p:nvPr>
+            <p:ph type="body" idx="1"/>
+          </p:nvPr>
+        </p:nvSpPr>
+        <p:spPr/>
+        <p:txBody>
+          <a:bodyPr/>
+          <a:lstStyle/>
+          <a:p>
+            <a:endParaRPr lang="en-US"/>
+          </a:p>
+        </p:txBody>
+      </p:sp>
+      <p:sp>
+        <p:nvSpPr>
+          <p:cNvPr id="4" name="Zástupný symbol pro číslo snímku 3"/>
+          <p:cNvSpPr>
+            <a:spLocks noGrp="1"/>
+          </p:cNvSpPr>
+          <p:nvPr>
+            <p:ph type="sldNum" sz="quarter" idx="10"/>
+          </p:nvPr>
+        </p:nvSpPr>
+        <p:spPr/>
+        <p:txBody>
+          <a:bodyPr/>
+          <a:lstStyle/>
+          <a:p>
+            <a:fld id="{0D90CD49-4EC5-4BD0-B5EE-BE56AF294619}" type="slidenum">
+              <a:rPr lang="cs-CZ" smtClean="0"/>
+              <a:t>14</a:t>
+            </a:fld>
+            <a:endParaRPr lang="cs-CZ" dirty="0"/>
+          </a:p>
+        </p:txBody>
+      </p:sp>
+    </p:spTree>
+    <p:extLst>
+      <p:ext uri="{BB962C8B-B14F-4D97-AF65-F5344CB8AC3E}">
+        <p14:creationId xmlns:p14="http://schemas.microsoft.com/office/powerpoint/2010/main" val="706525532"/>
+      </p:ext>
+    </p:extLst>
+  </p:cSld>
+  <p:clrMapOvr>
+    <a:masterClrMapping/>
+  </p:clrMapOvr>
+</p:notes>
+</file>
+
+<file path=ppt/notesSlides/notesSlide13.xml><?xml version="1.0" encoding="utf-8"?>
+<p:notes xmlns:a="http://schemas.openxmlformats.org/drawingml/2006/main" xmlns:r="http://schemas.openxmlformats.org/officeDocument/2006/relationships" xmlns:p="http://schemas.openxmlformats.org/presentationml/2006/main">
+  <p:cSld>
+    <p:spTree>
+      <p:nvGrpSpPr>
+        <p:cNvPr id="1" name=""/>
+        <p:cNvGrpSpPr/>
+        <p:nvPr/>
+      </p:nvGrpSpPr>
+      <p:grpSpPr>
+        <a:xfrm>
+          <a:off x="0" y="0"/>
+          <a:ext cx="0" cy="0"/>
+          <a:chOff x="0" y="0"/>
+          <a:chExt cx="0" cy="0"/>
+        </a:xfrm>
+      </p:grpSpPr>
+      <p:sp>
+        <p:nvSpPr>
+          <p:cNvPr id="2" name="Zástupný symbol pro obrázek snímku 1"/>
+          <p:cNvSpPr>
+            <a:spLocks noGrp="1" noRot="1" noChangeAspect="1"/>
+          </p:cNvSpPr>
+          <p:nvPr>
+            <p:ph type="sldImg"/>
+          </p:nvPr>
+        </p:nvSpPr>
+        <p:spPr/>
+      </p:sp>
+      <p:sp>
+        <p:nvSpPr>
+          <p:cNvPr id="3" name="Zástupný symbol pro poznámky 2"/>
+          <p:cNvSpPr>
+            <a:spLocks noGrp="1"/>
+          </p:cNvSpPr>
+          <p:nvPr>
+            <p:ph type="body" idx="1"/>
+          </p:nvPr>
+        </p:nvSpPr>
+        <p:spPr/>
+        <p:txBody>
+          <a:bodyPr/>
+          <a:lstStyle/>
+          <a:p>
+            <a:endParaRPr lang="en-US"/>
+          </a:p>
+        </p:txBody>
+      </p:sp>
+      <p:sp>
+        <p:nvSpPr>
+          <p:cNvPr id="4" name="Zástupný symbol pro číslo snímku 3"/>
+          <p:cNvSpPr>
+            <a:spLocks noGrp="1"/>
+          </p:cNvSpPr>
+          <p:nvPr>
+            <p:ph type="sldNum" sz="quarter" idx="10"/>
+          </p:nvPr>
+        </p:nvSpPr>
+        <p:spPr/>
+        <p:txBody>
+          <a:bodyPr/>
+          <a:lstStyle/>
+          <a:p>
+            <a:fld id="{0D90CD49-4EC5-4BD0-B5EE-BE56AF294619}" type="slidenum">
+              <a:rPr lang="cs-CZ" smtClean="0"/>
+              <a:t>15</a:t>
+            </a:fld>
+            <a:endParaRPr lang="cs-CZ" dirty="0"/>
+          </a:p>
+        </p:txBody>
+      </p:sp>
+    </p:spTree>
+    <p:extLst>
+      <p:ext uri="{BB962C8B-B14F-4D97-AF65-F5344CB8AC3E}">
+        <p14:creationId xmlns:p14="http://schemas.microsoft.com/office/powerpoint/2010/main" val="1869885468"/>
+      </p:ext>
+    </p:extLst>
+  </p:cSld>
+  <p:clrMapOvr>
+    <a:masterClrMapping/>
+  </p:clrMapOvr>
+</p:notes>
+</file>
+
+<file path=ppt/notesSlides/notesSlide14.xml><?xml version="1.0" encoding="utf-8"?>
+<p:notes xmlns:a="http://schemas.openxmlformats.org/drawingml/2006/main" xmlns:r="http://schemas.openxmlformats.org/officeDocument/2006/relationships" xmlns:p="http://schemas.openxmlformats.org/presentationml/2006/main">
+  <p:cSld>
+    <p:spTree>
+      <p:nvGrpSpPr>
+        <p:cNvPr id="1" name=""/>
+        <p:cNvGrpSpPr/>
+        <p:nvPr/>
+      </p:nvGrpSpPr>
+      <p:grpSpPr>
+        <a:xfrm>
+          <a:off x="0" y="0"/>
+          <a:ext cx="0" cy="0"/>
+          <a:chOff x="0" y="0"/>
+          <a:chExt cx="0" cy="0"/>
+        </a:xfrm>
+      </p:grpSpPr>
+      <p:sp>
+        <p:nvSpPr>
+          <p:cNvPr id="2" name="Zástupný symbol pro obrázek snímku 1"/>
+          <p:cNvSpPr>
+            <a:spLocks noGrp="1" noRot="1" noChangeAspect="1"/>
+          </p:cNvSpPr>
+          <p:nvPr>
+            <p:ph type="sldImg"/>
+          </p:nvPr>
+        </p:nvSpPr>
+        <p:spPr/>
+      </p:sp>
+      <p:sp>
+        <p:nvSpPr>
+          <p:cNvPr id="3" name="Zástupný symbol pro poznámky 2"/>
+          <p:cNvSpPr>
+            <a:spLocks noGrp="1"/>
+          </p:cNvSpPr>
+          <p:nvPr>
+            <p:ph type="body" idx="1"/>
+          </p:nvPr>
+        </p:nvSpPr>
+        <p:spPr/>
+        <p:txBody>
+          <a:bodyPr/>
+          <a:lstStyle/>
+          <a:p>
+            <a:endParaRPr lang="en-US"/>
+          </a:p>
+        </p:txBody>
+      </p:sp>
+      <p:sp>
+        <p:nvSpPr>
+          <p:cNvPr id="4" name="Zástupný symbol pro číslo snímku 3"/>
+          <p:cNvSpPr>
+            <a:spLocks noGrp="1"/>
+          </p:cNvSpPr>
+          <p:nvPr>
+            <p:ph type="sldNum" sz="quarter" idx="10"/>
+          </p:nvPr>
+        </p:nvSpPr>
+        <p:spPr/>
+        <p:txBody>
+          <a:bodyPr/>
+          <a:lstStyle/>
+          <a:p>
+            <a:fld id="{0D90CD49-4EC5-4BD0-B5EE-BE56AF294619}" type="slidenum">
+              <a:rPr lang="cs-CZ" smtClean="0"/>
+              <a:t>16</a:t>
+            </a:fld>
+            <a:endParaRPr lang="cs-CZ" dirty="0"/>
+          </a:p>
+        </p:txBody>
+      </p:sp>
+    </p:spTree>
+    <p:extLst>
+      <p:ext uri="{BB962C8B-B14F-4D97-AF65-F5344CB8AC3E}">
+        <p14:creationId xmlns:p14="http://schemas.microsoft.com/office/powerpoint/2010/main" val="1714899005"/>
+      </p:ext>
+    </p:extLst>
+  </p:cSld>
+  <p:clrMapOvr>
+    <a:masterClrMapping/>
+  </p:clrMapOvr>
+</p:notes>
+</file>
+
+<file path=ppt/notesSlides/notesSlide2.xml><?xml version="1.0" encoding="utf-8"?>
+<p:notes xmlns:a="http://schemas.openxmlformats.org/drawingml/2006/main" xmlns:r="http://schemas.openxmlformats.org/officeDocument/2006/relationships" xmlns:p="http://schemas.openxmlformats.org/presentationml/2006/main">
+  <p:cSld>
+    <p:spTree>
+      <p:nvGrpSpPr>
+        <p:cNvPr id="1" name=""/>
+        <p:cNvGrpSpPr/>
+        <p:nvPr/>
+      </p:nvGrpSpPr>
+      <p:grpSpPr>
+        <a:xfrm>
+          <a:off x="0" y="0"/>
+          <a:ext cx="0" cy="0"/>
+          <a:chOff x="0" y="0"/>
+          <a:chExt cx="0" cy="0"/>
+        </a:xfrm>
+      </p:grpSpPr>
+      <p:sp>
+        <p:nvSpPr>
+          <p:cNvPr id="2" name="Zástupný symbol pro obrázek snímku 1"/>
+          <p:cNvSpPr>
+            <a:spLocks noGrp="1" noRot="1" noChangeAspect="1"/>
+          </p:cNvSpPr>
+          <p:nvPr>
+            <p:ph type="sldImg"/>
+          </p:nvPr>
+        </p:nvSpPr>
+        <p:spPr/>
+      </p:sp>
+      <p:sp>
+        <p:nvSpPr>
+          <p:cNvPr id="3" name="Zástupný symbol pro poznámky 2"/>
+          <p:cNvSpPr>
+            <a:spLocks noGrp="1"/>
+          </p:cNvSpPr>
+          <p:nvPr>
+            <p:ph type="body" idx="1"/>
+          </p:nvPr>
+        </p:nvSpPr>
+        <p:spPr/>
+        <p:txBody>
+          <a:bodyPr/>
+          <a:lstStyle/>
+          <a:p>
+            <a:endParaRPr lang="en-US"/>
+          </a:p>
+        </p:txBody>
+      </p:sp>
+      <p:sp>
+        <p:nvSpPr>
+          <p:cNvPr id="4" name="Zástupný symbol pro číslo snímku 3"/>
+          <p:cNvSpPr>
+            <a:spLocks noGrp="1"/>
+          </p:cNvSpPr>
+          <p:nvPr>
+            <p:ph type="sldNum" sz="quarter" idx="10"/>
+          </p:nvPr>
+        </p:nvSpPr>
+        <p:spPr/>
+        <p:txBody>
+          <a:bodyPr/>
+          <a:lstStyle/>
+          <a:p>
+            <a:fld id="{0D90CD49-4EC5-4BD0-B5EE-BE56AF294619}" type="slidenum">
+              <a:rPr lang="cs-CZ" smtClean="0"/>
+              <a:t>2</a:t>
+            </a:fld>
+            <a:endParaRPr lang="cs-CZ" dirty="0"/>
+          </a:p>
+        </p:txBody>
+      </p:sp>
+    </p:spTree>
+    <p:extLst>
+      <p:ext uri="{BB962C8B-B14F-4D97-AF65-F5344CB8AC3E}">
+        <p14:creationId xmlns:p14="http://schemas.microsoft.com/office/powerpoint/2010/main" val="2627721536"/>
+      </p:ext>
+    </p:extLst>
+  </p:cSld>
+  <p:clrMapOvr>
+    <a:masterClrMapping/>
+  </p:clrMapOvr>
+</p:notes>
+</file>
+
+<file path=ppt/notesSlides/notesSlide3.xml><?xml version="1.0" encoding="utf-8"?>
+<p:notes xmlns:a="http://schemas.openxmlformats.org/drawingml/2006/main" xmlns:r="http://schemas.openxmlformats.org/officeDocument/2006/relationships" xmlns:p="http://schemas.openxmlformats.org/presentationml/2006/main">
+  <p:cSld>
+    <p:spTree>
+      <p:nvGrpSpPr>
+        <p:cNvPr id="1" name=""/>
+        <p:cNvGrpSpPr/>
+        <p:nvPr/>
+      </p:nvGrpSpPr>
+      <p:grpSpPr>
+        <a:xfrm>
+          <a:off x="0" y="0"/>
+          <a:ext cx="0" cy="0"/>
+          <a:chOff x="0" y="0"/>
+          <a:chExt cx="0" cy="0"/>
+        </a:xfrm>
+      </p:grpSpPr>
+      <p:sp>
+        <p:nvSpPr>
+          <p:cNvPr id="2" name="Zástupný symbol pro obrázek snímku 1"/>
+          <p:cNvSpPr>
+            <a:spLocks noGrp="1" noRot="1" noChangeAspect="1"/>
+          </p:cNvSpPr>
+          <p:nvPr>
+            <p:ph type="sldImg"/>
+          </p:nvPr>
+        </p:nvSpPr>
+        <p:spPr/>
+      </p:sp>
+      <p:sp>
+        <p:nvSpPr>
+          <p:cNvPr id="3" name="Zástupný symbol pro poznámky 2"/>
+          <p:cNvSpPr>
+            <a:spLocks noGrp="1"/>
+          </p:cNvSpPr>
+          <p:nvPr>
+            <p:ph type="body" idx="1"/>
+          </p:nvPr>
+        </p:nvSpPr>
+        <p:spPr/>
+        <p:txBody>
+          <a:bodyPr/>
+          <a:lstStyle/>
+          <a:p>
+            <a:endParaRPr lang="en-US"/>
+          </a:p>
+        </p:txBody>
+      </p:sp>
+      <p:sp>
+        <p:nvSpPr>
+          <p:cNvPr id="4" name="Zástupný symbol pro číslo snímku 3"/>
+          <p:cNvSpPr>
+            <a:spLocks noGrp="1"/>
+          </p:cNvSpPr>
+          <p:nvPr>
+            <p:ph type="sldNum" sz="quarter" idx="10"/>
+          </p:nvPr>
+        </p:nvSpPr>
+        <p:spPr/>
+        <p:txBody>
+          <a:bodyPr/>
+          <a:lstStyle/>
+          <a:p>
+            <a:fld id="{0D90CD49-4EC5-4BD0-B5EE-BE56AF294619}" type="slidenum">
+              <a:rPr lang="cs-CZ" smtClean="0"/>
+              <a:t>3</a:t>
+            </a:fld>
+            <a:endParaRPr lang="cs-CZ" dirty="0"/>
+          </a:p>
+        </p:txBody>
+      </p:sp>
+    </p:spTree>
+    <p:extLst>
+      <p:ext uri="{BB962C8B-B14F-4D97-AF65-F5344CB8AC3E}">
+        <p14:creationId xmlns:p14="http://schemas.microsoft.com/office/powerpoint/2010/main" val="2969763663"/>
+      </p:ext>
+    </p:extLst>
+  </p:cSld>
+  <p:clrMapOvr>
+    <a:masterClrMapping/>
+  </p:clrMapOvr>
+</p:notes>
+</file>
+
+<file path=ppt/notesSlides/notesSlide4.xml><?xml version="1.0" encoding="utf-8"?>
+<p:notes xmlns:a="http://schemas.openxmlformats.org/drawingml/2006/main" xmlns:r="http://schemas.openxmlformats.org/officeDocument/2006/relationships" xmlns:p="http://schemas.openxmlformats.org/presentationml/2006/main">
+  <p:cSld>
+    <p:spTree>
+      <p:nvGrpSpPr>
+        <p:cNvPr id="1" name=""/>
+        <p:cNvGrpSpPr/>
+        <p:nvPr/>
+      </p:nvGrpSpPr>
+      <p:grpSpPr>
+        <a:xfrm>
+          <a:off x="0" y="0"/>
+          <a:ext cx="0" cy="0"/>
+          <a:chOff x="0" y="0"/>
+          <a:chExt cx="0" cy="0"/>
+        </a:xfrm>
+      </p:grpSpPr>
+      <p:sp>
+        <p:nvSpPr>
+          <p:cNvPr id="2" name="Zástupný symbol pro obrázek snímku 1"/>
+          <p:cNvSpPr>
+            <a:spLocks noGrp="1" noRot="1" noChangeAspect="1"/>
+          </p:cNvSpPr>
+          <p:nvPr>
+            <p:ph type="sldImg"/>
+          </p:nvPr>
+        </p:nvSpPr>
+        <p:spPr/>
+      </p:sp>
+      <p:sp>
+        <p:nvSpPr>
+          <p:cNvPr id="3" name="Zástupný symbol pro poznámky 2"/>
+          <p:cNvSpPr>
+            <a:spLocks noGrp="1"/>
+          </p:cNvSpPr>
+          <p:nvPr>
+            <p:ph type="body" idx="1"/>
+          </p:nvPr>
+        </p:nvSpPr>
+        <p:spPr/>
+        <p:txBody>
+          <a:bodyPr/>
+          <a:lstStyle/>
+          <a:p>
+            <a:endParaRPr lang="en-US"/>
+          </a:p>
+        </p:txBody>
+      </p:sp>
+      <p:sp>
+        <p:nvSpPr>
+          <p:cNvPr id="4" name="Zástupný symbol pro číslo snímku 3"/>
+          <p:cNvSpPr>
+            <a:spLocks noGrp="1"/>
+          </p:cNvSpPr>
+          <p:nvPr>
+            <p:ph type="sldNum" sz="quarter" idx="10"/>
+          </p:nvPr>
+        </p:nvSpPr>
+        <p:spPr/>
+        <p:txBody>
+          <a:bodyPr/>
+          <a:lstStyle/>
+          <a:p>
+            <a:fld id="{0D90CD49-4EC5-4BD0-B5EE-BE56AF294619}" type="slidenum">
+              <a:rPr lang="cs-CZ" smtClean="0"/>
+              <a:t>4</a:t>
+            </a:fld>
+            <a:endParaRPr lang="cs-CZ" dirty="0"/>
+          </a:p>
+        </p:txBody>
+      </p:sp>
+    </p:spTree>
+    <p:extLst>
+      <p:ext uri="{BB962C8B-B14F-4D97-AF65-F5344CB8AC3E}">
+        <p14:creationId xmlns:p14="http://schemas.microsoft.com/office/powerpoint/2010/main" val="3074679380"/>
+      </p:ext>
+    </p:extLst>
+  </p:cSld>
+  <p:clrMapOvr>
+    <a:masterClrMapping/>
+  </p:clrMapOvr>
+</p:notes>
+</file>
+
+<file path=ppt/notesSlides/notesSlide5.xml><?xml version="1.0" encoding="utf-8"?>
+<p:notes xmlns:a="http://schemas.openxmlformats.org/drawingml/2006/main" xmlns:r="http://schemas.openxmlformats.org/officeDocument/2006/relationships" xmlns:p="http://schemas.openxmlformats.org/presentationml/2006/main">
+  <p:cSld>
+    <p:spTree>
+      <p:nvGrpSpPr>
+        <p:cNvPr id="1" name=""/>
+        <p:cNvGrpSpPr/>
+        <p:nvPr/>
+      </p:nvGrpSpPr>
+      <p:grpSpPr>
+        <a:xfrm>
+          <a:off x="0" y="0"/>
+          <a:ext cx="0" cy="0"/>
+          <a:chOff x="0" y="0"/>
+          <a:chExt cx="0" cy="0"/>
+        </a:xfrm>
+      </p:grpSpPr>
+      <p:sp>
+        <p:nvSpPr>
+          <p:cNvPr id="2" name="Zástupný symbol pro obrázek snímku 1"/>
+          <p:cNvSpPr>
+            <a:spLocks noGrp="1" noRot="1" noChangeAspect="1"/>
+          </p:cNvSpPr>
+          <p:nvPr>
+            <p:ph type="sldImg"/>
+          </p:nvPr>
+        </p:nvSpPr>
+        <p:spPr/>
+      </p:sp>
+      <p:sp>
+        <p:nvSpPr>
+          <p:cNvPr id="3" name="Zástupný symbol pro poznámky 2"/>
+          <p:cNvSpPr>
+            <a:spLocks noGrp="1"/>
+          </p:cNvSpPr>
+          <p:nvPr>
+            <p:ph type="body" idx="1"/>
+          </p:nvPr>
+        </p:nvSpPr>
+        <p:spPr/>
+        <p:txBody>
+          <a:bodyPr/>
+          <a:lstStyle/>
+          <a:p>
+            <a:endParaRPr lang="en-US"/>
+          </a:p>
+        </p:txBody>
+      </p:sp>
+      <p:sp>
+        <p:nvSpPr>
+          <p:cNvPr id="4" name="Zástupný symbol pro číslo snímku 3"/>
+          <p:cNvSpPr>
+            <a:spLocks noGrp="1"/>
+          </p:cNvSpPr>
+          <p:nvPr>
+            <p:ph type="sldNum" sz="quarter" idx="10"/>
+          </p:nvPr>
+        </p:nvSpPr>
+        <p:spPr/>
+        <p:txBody>
+          <a:bodyPr/>
+          <a:lstStyle/>
+          <a:p>
+            <a:fld id="{0D90CD49-4EC5-4BD0-B5EE-BE56AF294619}" type="slidenum">
+              <a:rPr lang="cs-CZ" smtClean="0"/>
               <a:t>5</a:t>
+            </a:fld>
+            <a:endParaRPr lang="cs-CZ" dirty="0"/>
+          </a:p>
+        </p:txBody>
+      </p:sp>
+    </p:spTree>
+    <p:extLst>
+      <p:ext uri="{BB962C8B-B14F-4D97-AF65-F5344CB8AC3E}">
+        <p14:creationId xmlns:p14="http://schemas.microsoft.com/office/powerpoint/2010/main" val="361692762"/>
+      </p:ext>
+    </p:extLst>
+  </p:cSld>
+  <p:clrMapOvr>
+    <a:masterClrMapping/>
+  </p:clrMapOvr>
+</p:notes>
+</file>
+
+<file path=ppt/notesSlides/notesSlide6.xml><?xml version="1.0" encoding="utf-8"?>
+<p:notes xmlns:a="http://schemas.openxmlformats.org/drawingml/2006/main" xmlns:r="http://schemas.openxmlformats.org/officeDocument/2006/relationships" xmlns:p="http://schemas.openxmlformats.org/presentationml/2006/main">
+  <p:cSld>
+    <p:spTree>
+      <p:nvGrpSpPr>
+        <p:cNvPr id="1" name=""/>
+        <p:cNvGrpSpPr/>
+        <p:nvPr/>
+      </p:nvGrpSpPr>
+      <p:grpSpPr>
+        <a:xfrm>
+          <a:off x="0" y="0"/>
+          <a:ext cx="0" cy="0"/>
+          <a:chOff x="0" y="0"/>
+          <a:chExt cx="0" cy="0"/>
+        </a:xfrm>
+      </p:grpSpPr>
+      <p:sp>
+        <p:nvSpPr>
+          <p:cNvPr id="2" name="Zástupný symbol pro obrázek snímku 1"/>
+          <p:cNvSpPr>
+            <a:spLocks noGrp="1" noRot="1" noChangeAspect="1"/>
+          </p:cNvSpPr>
+          <p:nvPr>
+            <p:ph type="sldImg"/>
+          </p:nvPr>
+        </p:nvSpPr>
+        <p:spPr/>
+      </p:sp>
+      <p:sp>
+        <p:nvSpPr>
+          <p:cNvPr id="3" name="Zástupný symbol pro poznámky 2"/>
+          <p:cNvSpPr>
+            <a:spLocks noGrp="1"/>
+          </p:cNvSpPr>
+          <p:nvPr>
+            <p:ph type="body" idx="1"/>
+          </p:nvPr>
+        </p:nvSpPr>
+        <p:spPr/>
+        <p:txBody>
+          <a:bodyPr/>
+          <a:lstStyle/>
+          <a:p>
+            <a:endParaRPr lang="cs-CZ" dirty="0"/>
+          </a:p>
+        </p:txBody>
+      </p:sp>
+      <p:sp>
+        <p:nvSpPr>
+          <p:cNvPr id="4" name="Zástupný symbol pro číslo snímku 3"/>
+          <p:cNvSpPr>
+            <a:spLocks noGrp="1"/>
+          </p:cNvSpPr>
+          <p:nvPr>
+            <p:ph type="sldNum" sz="quarter" idx="10"/>
+          </p:nvPr>
+        </p:nvSpPr>
+        <p:spPr/>
+        <p:txBody>
+          <a:bodyPr/>
+          <a:lstStyle/>
+          <a:p>
+            <a:fld id="{0D90CD49-4EC5-4BD0-B5EE-BE56AF294619}" type="slidenum">
+              <a:rPr lang="cs-CZ" smtClean="0"/>
+              <a:t>6</a:t>
             </a:fld>
             <a:endParaRPr lang="cs-CZ" dirty="0"/>
           </a:p>
@@ -6837,6 +7618,258 @@
     <p:extLst>
       <p:ext uri="{BB962C8B-B14F-4D97-AF65-F5344CB8AC3E}">
         <p14:creationId xmlns:p14="http://schemas.microsoft.com/office/powerpoint/2010/main" val="3248219405"/>
+      </p:ext>
+    </p:extLst>
+  </p:cSld>
+  <p:clrMapOvr>
+    <a:masterClrMapping/>
+  </p:clrMapOvr>
+</p:notes>
+</file>
+
+<file path=ppt/notesSlides/notesSlide7.xml><?xml version="1.0" encoding="utf-8"?>
+<p:notes xmlns:a="http://schemas.openxmlformats.org/drawingml/2006/main" xmlns:r="http://schemas.openxmlformats.org/officeDocument/2006/relationships" xmlns:p="http://schemas.openxmlformats.org/presentationml/2006/main">
+  <p:cSld>
+    <p:spTree>
+      <p:nvGrpSpPr>
+        <p:cNvPr id="1" name=""/>
+        <p:cNvGrpSpPr/>
+        <p:nvPr/>
+      </p:nvGrpSpPr>
+      <p:grpSpPr>
+        <a:xfrm>
+          <a:off x="0" y="0"/>
+          <a:ext cx="0" cy="0"/>
+          <a:chOff x="0" y="0"/>
+          <a:chExt cx="0" cy="0"/>
+        </a:xfrm>
+      </p:grpSpPr>
+      <p:sp>
+        <p:nvSpPr>
+          <p:cNvPr id="2" name="Zástupný symbol pro obrázek snímku 1"/>
+          <p:cNvSpPr>
+            <a:spLocks noGrp="1" noRot="1" noChangeAspect="1"/>
+          </p:cNvSpPr>
+          <p:nvPr>
+            <p:ph type="sldImg"/>
+          </p:nvPr>
+        </p:nvSpPr>
+        <p:spPr/>
+      </p:sp>
+      <p:sp>
+        <p:nvSpPr>
+          <p:cNvPr id="3" name="Zástupný symbol pro poznámky 2"/>
+          <p:cNvSpPr>
+            <a:spLocks noGrp="1"/>
+          </p:cNvSpPr>
+          <p:nvPr>
+            <p:ph type="body" idx="1"/>
+          </p:nvPr>
+        </p:nvSpPr>
+        <p:spPr/>
+        <p:txBody>
+          <a:bodyPr/>
+          <a:lstStyle/>
+          <a:p>
+            <a:endParaRPr lang="en-US"/>
+          </a:p>
+        </p:txBody>
+      </p:sp>
+      <p:sp>
+        <p:nvSpPr>
+          <p:cNvPr id="4" name="Zástupný symbol pro číslo snímku 3"/>
+          <p:cNvSpPr>
+            <a:spLocks noGrp="1"/>
+          </p:cNvSpPr>
+          <p:nvPr>
+            <p:ph type="sldNum" sz="quarter" idx="10"/>
+          </p:nvPr>
+        </p:nvSpPr>
+        <p:spPr/>
+        <p:txBody>
+          <a:bodyPr/>
+          <a:lstStyle/>
+          <a:p>
+            <a:fld id="{0D90CD49-4EC5-4BD0-B5EE-BE56AF294619}" type="slidenum">
+              <a:rPr lang="cs-CZ" smtClean="0"/>
+              <a:t>8</a:t>
+            </a:fld>
+            <a:endParaRPr lang="cs-CZ" dirty="0"/>
+          </a:p>
+        </p:txBody>
+      </p:sp>
+    </p:spTree>
+    <p:extLst>
+      <p:ext uri="{BB962C8B-B14F-4D97-AF65-F5344CB8AC3E}">
+        <p14:creationId xmlns:p14="http://schemas.microsoft.com/office/powerpoint/2010/main" val="3666580130"/>
+      </p:ext>
+    </p:extLst>
+  </p:cSld>
+  <p:clrMapOvr>
+    <a:masterClrMapping/>
+  </p:clrMapOvr>
+</p:notes>
+</file>
+
+<file path=ppt/notesSlides/notesSlide8.xml><?xml version="1.0" encoding="utf-8"?>
+<p:notes xmlns:a="http://schemas.openxmlformats.org/drawingml/2006/main" xmlns:r="http://schemas.openxmlformats.org/officeDocument/2006/relationships" xmlns:p="http://schemas.openxmlformats.org/presentationml/2006/main">
+  <p:cSld>
+    <p:spTree>
+      <p:nvGrpSpPr>
+        <p:cNvPr id="1" name=""/>
+        <p:cNvGrpSpPr/>
+        <p:nvPr/>
+      </p:nvGrpSpPr>
+      <p:grpSpPr>
+        <a:xfrm>
+          <a:off x="0" y="0"/>
+          <a:ext cx="0" cy="0"/>
+          <a:chOff x="0" y="0"/>
+          <a:chExt cx="0" cy="0"/>
+        </a:xfrm>
+      </p:grpSpPr>
+      <p:sp>
+        <p:nvSpPr>
+          <p:cNvPr id="2" name="Zástupný symbol pro obrázek snímku 1"/>
+          <p:cNvSpPr>
+            <a:spLocks noGrp="1" noRot="1" noChangeAspect="1"/>
+          </p:cNvSpPr>
+          <p:nvPr>
+            <p:ph type="sldImg"/>
+          </p:nvPr>
+        </p:nvSpPr>
+        <p:spPr/>
+      </p:sp>
+      <p:sp>
+        <p:nvSpPr>
+          <p:cNvPr id="3" name="Zástupný symbol pro poznámky 2"/>
+          <p:cNvSpPr>
+            <a:spLocks noGrp="1"/>
+          </p:cNvSpPr>
+          <p:nvPr>
+            <p:ph type="body" idx="1"/>
+          </p:nvPr>
+        </p:nvSpPr>
+        <p:spPr/>
+        <p:txBody>
+          <a:bodyPr/>
+          <a:lstStyle/>
+          <a:p>
+            <a:endParaRPr lang="en-US"/>
+          </a:p>
+        </p:txBody>
+      </p:sp>
+      <p:sp>
+        <p:nvSpPr>
+          <p:cNvPr id="4" name="Zástupný symbol pro číslo snímku 3"/>
+          <p:cNvSpPr>
+            <a:spLocks noGrp="1"/>
+          </p:cNvSpPr>
+          <p:nvPr>
+            <p:ph type="sldNum" sz="quarter" idx="10"/>
+          </p:nvPr>
+        </p:nvSpPr>
+        <p:spPr/>
+        <p:txBody>
+          <a:bodyPr/>
+          <a:lstStyle/>
+          <a:p>
+            <a:fld id="{0D90CD49-4EC5-4BD0-B5EE-BE56AF294619}" type="slidenum">
+              <a:rPr lang="cs-CZ" smtClean="0"/>
+              <a:t>10</a:t>
+            </a:fld>
+            <a:endParaRPr lang="cs-CZ" dirty="0"/>
+          </a:p>
+        </p:txBody>
+      </p:sp>
+    </p:spTree>
+    <p:extLst>
+      <p:ext uri="{BB962C8B-B14F-4D97-AF65-F5344CB8AC3E}">
+        <p14:creationId xmlns:p14="http://schemas.microsoft.com/office/powerpoint/2010/main" val="284739492"/>
+      </p:ext>
+    </p:extLst>
+  </p:cSld>
+  <p:clrMapOvr>
+    <a:masterClrMapping/>
+  </p:clrMapOvr>
+</p:notes>
+</file>
+
+<file path=ppt/notesSlides/notesSlide9.xml><?xml version="1.0" encoding="utf-8"?>
+<p:notes xmlns:a="http://schemas.openxmlformats.org/drawingml/2006/main" xmlns:r="http://schemas.openxmlformats.org/officeDocument/2006/relationships" xmlns:p="http://schemas.openxmlformats.org/presentationml/2006/main">
+  <p:cSld>
+    <p:spTree>
+      <p:nvGrpSpPr>
+        <p:cNvPr id="1" name=""/>
+        <p:cNvGrpSpPr/>
+        <p:nvPr/>
+      </p:nvGrpSpPr>
+      <p:grpSpPr>
+        <a:xfrm>
+          <a:off x="0" y="0"/>
+          <a:ext cx="0" cy="0"/>
+          <a:chOff x="0" y="0"/>
+          <a:chExt cx="0" cy="0"/>
+        </a:xfrm>
+      </p:grpSpPr>
+      <p:sp>
+        <p:nvSpPr>
+          <p:cNvPr id="2" name="Zástupný symbol pro obrázek snímku 1"/>
+          <p:cNvSpPr>
+            <a:spLocks noGrp="1" noRot="1" noChangeAspect="1"/>
+          </p:cNvSpPr>
+          <p:nvPr>
+            <p:ph type="sldImg"/>
+          </p:nvPr>
+        </p:nvSpPr>
+        <p:spPr/>
+      </p:sp>
+      <p:sp>
+        <p:nvSpPr>
+          <p:cNvPr id="3" name="Zástupný symbol pro poznámky 2"/>
+          <p:cNvSpPr>
+            <a:spLocks noGrp="1"/>
+          </p:cNvSpPr>
+          <p:nvPr>
+            <p:ph type="body" idx="1"/>
+          </p:nvPr>
+        </p:nvSpPr>
+        <p:spPr/>
+        <p:txBody>
+          <a:bodyPr/>
+          <a:lstStyle/>
+          <a:p>
+            <a:endParaRPr lang="en-US"/>
+          </a:p>
+        </p:txBody>
+      </p:sp>
+      <p:sp>
+        <p:nvSpPr>
+          <p:cNvPr id="4" name="Zástupný symbol pro číslo snímku 3"/>
+          <p:cNvSpPr>
+            <a:spLocks noGrp="1"/>
+          </p:cNvSpPr>
+          <p:nvPr>
+            <p:ph type="sldNum" sz="quarter" idx="10"/>
+          </p:nvPr>
+        </p:nvSpPr>
+        <p:spPr/>
+        <p:txBody>
+          <a:bodyPr/>
+          <a:lstStyle/>
+          <a:p>
+            <a:fld id="{0D90CD49-4EC5-4BD0-B5EE-BE56AF294619}" type="slidenum">
+              <a:rPr lang="cs-CZ" smtClean="0"/>
+              <a:t>11</a:t>
+            </a:fld>
+            <a:endParaRPr lang="cs-CZ" dirty="0"/>
+          </a:p>
+        </p:txBody>
+      </p:sp>
+    </p:spTree>
+    <p:extLst>
+      <p:ext uri="{BB962C8B-B14F-4D97-AF65-F5344CB8AC3E}">
+        <p14:creationId xmlns:p14="http://schemas.microsoft.com/office/powerpoint/2010/main" val="448817864"/>
       </p:ext>
     </p:extLst>
   </p:cSld>
@@ -6975,7 +8008,7 @@
           <a:p>
             <a:fld id="{4ABD8D0A-6121-4E0A-B305-AFF8B868C796}" type="datetimeFigureOut">
               <a:rPr lang="en-US" smtClean="0"/>
-              <a:t>27-Mar-18</a:t>
+              <a:t>3/27/2018</a:t>
             </a:fld>
             <a:endParaRPr lang="en-US" dirty="0"/>
           </a:p>
@@ -7143,7 +8176,7 @@
           <a:p>
             <a:fld id="{4ABD8D0A-6121-4E0A-B305-AFF8B868C796}" type="datetimeFigureOut">
               <a:rPr lang="en-US" smtClean="0"/>
-              <a:t>27-Mar-18</a:t>
+              <a:t>3/27/2018</a:t>
             </a:fld>
             <a:endParaRPr lang="en-US" dirty="0"/>
           </a:p>
@@ -7321,7 +8354,7 @@
           <a:p>
             <a:fld id="{4ABD8D0A-6121-4E0A-B305-AFF8B868C796}" type="datetimeFigureOut">
               <a:rPr lang="en-US" smtClean="0"/>
-              <a:t>27-Mar-18</a:t>
+              <a:t>3/27/2018</a:t>
             </a:fld>
             <a:endParaRPr lang="en-US" dirty="0"/>
           </a:p>
@@ -7489,7 +8522,7 @@
           <a:p>
             <a:fld id="{4ABD8D0A-6121-4E0A-B305-AFF8B868C796}" type="datetimeFigureOut">
               <a:rPr lang="en-US" smtClean="0"/>
-              <a:t>27-Mar-18</a:t>
+              <a:t>3/27/2018</a:t>
             </a:fld>
             <a:endParaRPr lang="en-US" dirty="0"/>
           </a:p>
@@ -7734,7 +8767,7 @@
           <a:p>
             <a:fld id="{4ABD8D0A-6121-4E0A-B305-AFF8B868C796}" type="datetimeFigureOut">
               <a:rPr lang="en-US" smtClean="0"/>
-              <a:t>27-Mar-18</a:t>
+              <a:t>3/27/2018</a:t>
             </a:fld>
             <a:endParaRPr lang="en-US" dirty="0"/>
           </a:p>
@@ -7963,7 +8996,7 @@
           <a:p>
             <a:fld id="{4ABD8D0A-6121-4E0A-B305-AFF8B868C796}" type="datetimeFigureOut">
               <a:rPr lang="en-US" smtClean="0"/>
-              <a:t>27-Mar-18</a:t>
+              <a:t>3/27/2018</a:t>
             </a:fld>
             <a:endParaRPr lang="en-US" dirty="0"/>
           </a:p>
@@ -8327,7 +9360,7 @@
           <a:p>
             <a:fld id="{4ABD8D0A-6121-4E0A-B305-AFF8B868C796}" type="datetimeFigureOut">
               <a:rPr lang="en-US" smtClean="0"/>
-              <a:t>27-Mar-18</a:t>
+              <a:t>3/27/2018</a:t>
             </a:fld>
             <a:endParaRPr lang="en-US" dirty="0"/>
           </a:p>
@@ -8444,7 +9477,7 @@
           <a:p>
             <a:fld id="{4ABD8D0A-6121-4E0A-B305-AFF8B868C796}" type="datetimeFigureOut">
               <a:rPr lang="en-US" smtClean="0"/>
-              <a:t>27-Mar-18</a:t>
+              <a:t>3/27/2018</a:t>
             </a:fld>
             <a:endParaRPr lang="en-US" dirty="0"/>
           </a:p>
@@ -8539,7 +9572,7 @@
           <a:p>
             <a:fld id="{4ABD8D0A-6121-4E0A-B305-AFF8B868C796}" type="datetimeFigureOut">
               <a:rPr lang="en-US" smtClean="0"/>
-              <a:t>27-Mar-18</a:t>
+              <a:t>3/27/2018</a:t>
             </a:fld>
             <a:endParaRPr lang="en-US" dirty="0"/>
           </a:p>
@@ -8814,7 +9847,7 @@
           <a:p>
             <a:fld id="{4ABD8D0A-6121-4E0A-B305-AFF8B868C796}" type="datetimeFigureOut">
               <a:rPr lang="en-US" smtClean="0"/>
-              <a:t>27-Mar-18</a:t>
+              <a:t>3/27/2018</a:t>
             </a:fld>
             <a:endParaRPr lang="en-US" dirty="0"/>
           </a:p>
@@ -9066,7 +10099,7 @@
           <a:p>
             <a:fld id="{4ABD8D0A-6121-4E0A-B305-AFF8B868C796}" type="datetimeFigureOut">
               <a:rPr lang="en-US" smtClean="0"/>
-              <a:t>27-Mar-18</a:t>
+              <a:t>3/27/2018</a:t>
             </a:fld>
             <a:endParaRPr lang="en-US" dirty="0"/>
           </a:p>
@@ -9277,7 +10310,7 @@
           <a:p>
             <a:fld id="{4ABD8D0A-6121-4E0A-B305-AFF8B868C796}" type="datetimeFigureOut">
               <a:rPr lang="en-US" smtClean="0"/>
-              <a:t>27-Mar-18</a:t>
+              <a:t>3/27/2018</a:t>
             </a:fld>
             <a:endParaRPr lang="en-US" dirty="0"/>
           </a:p>
@@ -10355,6 +11388,325 @@
       </p:grpSpPr>
       <p:sp>
         <p:nvSpPr>
+          <p:cNvPr id="26" name="Rectangle 25">
+            <a:extLst>
+              <a:ext uri="{FF2B5EF4-FFF2-40B4-BE49-F238E27FC236}">
+                <a16:creationId xmlns:a16="http://schemas.microsoft.com/office/drawing/2014/main" id="{823AC064-BC96-4F32-8AE1-B2FD38754823}"/>
+              </a:ext>
+            </a:extLst>
+          </p:cNvPr>
+          <p:cNvSpPr>
+            <a:spLocks noGrp="1" noRot="1" noChangeAspect="1" noMove="1" noResize="1" noEditPoints="1" noAdjustHandles="1" noChangeArrowheads="1" noChangeShapeType="1" noTextEdit="1"/>
+          </p:cNvSpPr>
+          <p:nvPr>
+            <p:extLst>
+              <p:ext uri="{386F3935-93C4-4BCD-93E2-E3B085C9AB24}">
+                <p16:designElem xmlns:p16="http://schemas.microsoft.com/office/powerpoint/2015/main" val="1"/>
+              </p:ext>
+            </p:extLst>
+          </p:nvPr>
+        </p:nvSpPr>
+        <p:spPr bwMode="ltGray">
+          <a:xfrm>
+            <a:off x="378068" y="4633546"/>
+            <a:ext cx="11438793" cy="1844256"/>
+          </a:xfrm>
+          <a:prstGeom prst="rect">
+            <a:avLst/>
+          </a:prstGeom>
+          <a:solidFill>
+            <a:schemeClr val="tx1">
+              <a:lumMod val="75000"/>
+              <a:lumOff val="25000"/>
+            </a:schemeClr>
+          </a:solidFill>
+          <a:ln w="127000" cap="sq" cmpd="thinThick">
+            <a:solidFill>
+              <a:schemeClr val="tx1">
+                <a:lumMod val="75000"/>
+                <a:lumOff val="25000"/>
+              </a:schemeClr>
+            </a:solidFill>
+          </a:ln>
+        </p:spPr>
+        <p:style>
+          <a:lnRef idx="2">
+            <a:schemeClr val="accent1">
+              <a:shade val="50000"/>
+            </a:schemeClr>
+          </a:lnRef>
+          <a:fillRef idx="1">
+            <a:schemeClr val="accent1"/>
+          </a:fillRef>
+          <a:effectRef idx="0">
+            <a:schemeClr val="accent1"/>
+          </a:effectRef>
+          <a:fontRef idx="minor">
+            <a:schemeClr val="lt1"/>
+          </a:fontRef>
+        </p:style>
+        <p:txBody>
+          <a:bodyPr rtlCol="0" anchor="ctr"/>
+          <a:lstStyle/>
+          <a:p>
+            <a:pPr algn="ctr"/>
+            <a:endParaRPr lang="en-US" dirty="0"/>
+          </a:p>
+        </p:txBody>
+      </p:sp>
+      <p:cxnSp>
+        <p:nvCxnSpPr>
+          <p:cNvPr id="28" name="Straight Connector 27">
+            <a:extLst>
+              <a:ext uri="{FF2B5EF4-FFF2-40B4-BE49-F238E27FC236}">
+                <a16:creationId xmlns:a16="http://schemas.microsoft.com/office/drawing/2014/main" id="{7E7C77BC-7138-40B1-A15B-20F57A494629}"/>
+              </a:ext>
+            </a:extLst>
+          </p:cNvPr>
+          <p:cNvCxnSpPr>
+            <a:cxnSpLocks noGrp="1" noRot="1" noChangeAspect="1" noMove="1" noResize="1" noEditPoints="1" noAdjustHandles="1" noChangeArrowheads="1" noChangeShapeType="1"/>
+          </p:cNvCxnSpPr>
+          <p:nvPr>
+            <p:extLst>
+              <p:ext uri="{386F3935-93C4-4BCD-93E2-E3B085C9AB24}">
+                <p16:designElem xmlns:p16="http://schemas.microsoft.com/office/powerpoint/2015/main" val="1"/>
+              </p:ext>
+            </p:extLst>
+          </p:nvPr>
+        </p:nvCxnSpPr>
+        <p:spPr>
+          <a:xfrm>
+            <a:off x="2209800" y="5738691"/>
+            <a:ext cx="7772400" cy="0"/>
+          </a:xfrm>
+          <a:prstGeom prst="line">
+            <a:avLst/>
+          </a:prstGeom>
+          <a:ln w="22225">
+            <a:solidFill>
+              <a:schemeClr val="bg1">
+                <a:lumMod val="85000"/>
+              </a:schemeClr>
+            </a:solidFill>
+          </a:ln>
+        </p:spPr>
+        <p:style>
+          <a:lnRef idx="1">
+            <a:schemeClr val="accent1"/>
+          </a:lnRef>
+          <a:fillRef idx="0">
+            <a:schemeClr val="accent1"/>
+          </a:fillRef>
+          <a:effectRef idx="0">
+            <a:schemeClr val="accent1"/>
+          </a:effectRef>
+          <a:fontRef idx="minor">
+            <a:schemeClr val="tx1"/>
+          </a:fontRef>
+        </p:style>
+      </p:cxnSp>
+      <p:cxnSp>
+        <p:nvCxnSpPr>
+          <p:cNvPr id="30" name="Straight Connector 29">
+            <a:extLst>
+              <a:ext uri="{FF2B5EF4-FFF2-40B4-BE49-F238E27FC236}">
+                <a16:creationId xmlns:a16="http://schemas.microsoft.com/office/drawing/2014/main" id="{DB146403-F3D6-484B-B2ED-97F9565D0370}"/>
+              </a:ext>
+            </a:extLst>
+          </p:cNvPr>
+          <p:cNvCxnSpPr>
+            <a:cxnSpLocks noGrp="1" noRot="1" noChangeAspect="1" noMove="1" noResize="1" noEditPoints="1" noAdjustHandles="1" noChangeArrowheads="1" noChangeShapeType="1"/>
+          </p:cNvCxnSpPr>
+          <p:nvPr>
+            <p:extLst>
+              <p:ext uri="{386F3935-93C4-4BCD-93E2-E3B085C9AB24}">
+                <p16:designElem xmlns:p16="http://schemas.microsoft.com/office/powerpoint/2015/main" val="1"/>
+              </p:ext>
+            </p:extLst>
+          </p:nvPr>
+        </p:nvCxnSpPr>
+        <p:spPr>
+          <a:xfrm>
+            <a:off x="6096000" y="477749"/>
+            <a:ext cx="0" cy="3657600"/>
+          </a:xfrm>
+          <a:prstGeom prst="line">
+            <a:avLst/>
+          </a:prstGeom>
+          <a:ln w="101600" cmpd="dbl">
+            <a:solidFill>
+              <a:schemeClr val="tx1">
+                <a:lumMod val="65000"/>
+                <a:lumOff val="35000"/>
+              </a:schemeClr>
+            </a:solidFill>
+          </a:ln>
+        </p:spPr>
+        <p:style>
+          <a:lnRef idx="1">
+            <a:schemeClr val="accent1"/>
+          </a:lnRef>
+          <a:fillRef idx="0">
+            <a:schemeClr val="accent1"/>
+          </a:fillRef>
+          <a:effectRef idx="0">
+            <a:schemeClr val="accent1"/>
+          </a:effectRef>
+          <a:fontRef idx="minor">
+            <a:schemeClr val="tx1"/>
+          </a:fontRef>
+        </p:style>
+      </p:cxnSp>
+      <p:pic>
+        <p:nvPicPr>
+          <p:cNvPr id="21" name="Zástupný symbol pro obsah 20">
+            <a:extLst>
+              <a:ext uri="{FF2B5EF4-FFF2-40B4-BE49-F238E27FC236}">
+                <a16:creationId xmlns:a16="http://schemas.microsoft.com/office/drawing/2014/main" id="{5872535A-0D1C-459E-92B8-CFAD8EB1EAB2}"/>
+              </a:ext>
+            </a:extLst>
+          </p:cNvPr>
+          <p:cNvPicPr>
+            <a:picLocks noGrp="1" noChangeAspect="1"/>
+          </p:cNvPicPr>
+          <p:nvPr>
+            <p:ph sz="half" idx="2"/>
+          </p:nvPr>
+        </p:nvPicPr>
+        <p:blipFill>
+          <a:blip r:embed="rId3">
+            <a:extLst>
+              <a:ext uri="{28A0092B-C50C-407E-A947-70E740481C1C}">
+                <a14:useLocalDpi xmlns:a14="http://schemas.microsoft.com/office/drawing/2010/main" val="0"/>
+              </a:ext>
+            </a:extLst>
+          </a:blip>
+          <a:stretch>
+            <a:fillRect/>
+          </a:stretch>
+        </p:blipFill>
+        <p:spPr>
+          <a:xfrm>
+            <a:off x="6370913" y="307729"/>
+            <a:ext cx="4741252" cy="3997637"/>
+          </a:xfrm>
+          <a:prstGeom prst="rect">
+            <a:avLst/>
+          </a:prstGeom>
+        </p:spPr>
+      </p:pic>
+      <p:pic>
+        <p:nvPicPr>
+          <p:cNvPr id="19" name="Zástupný symbol pro obsah 18">
+            <a:extLst>
+              <a:ext uri="{FF2B5EF4-FFF2-40B4-BE49-F238E27FC236}">
+                <a16:creationId xmlns:a16="http://schemas.microsoft.com/office/drawing/2014/main" id="{F86F8D6D-BCD1-4AB2-99E3-ED184156B26A}"/>
+              </a:ext>
+            </a:extLst>
+          </p:cNvPr>
+          <p:cNvPicPr>
+            <a:picLocks noGrp="1" noChangeAspect="1"/>
+          </p:cNvPicPr>
+          <p:nvPr>
+            <p:ph sz="half" idx="1"/>
+          </p:nvPr>
+        </p:nvPicPr>
+        <p:blipFill>
+          <a:blip r:embed="rId4">
+            <a:extLst>
+              <a:ext uri="{28A0092B-C50C-407E-A947-70E740481C1C}">
+                <a14:useLocalDpi xmlns:a14="http://schemas.microsoft.com/office/drawing/2010/main" val="0"/>
+              </a:ext>
+            </a:extLst>
+          </a:blip>
+          <a:stretch>
+            <a:fillRect/>
+          </a:stretch>
+        </p:blipFill>
+        <p:spPr>
+          <a:xfrm>
+            <a:off x="378068" y="1662225"/>
+            <a:ext cx="5455917" cy="1288647"/>
+          </a:xfrm>
+          <a:prstGeom prst="rect">
+            <a:avLst/>
+          </a:prstGeom>
+        </p:spPr>
+      </p:pic>
+      <p:sp>
+        <p:nvSpPr>
+          <p:cNvPr id="2" name="Title 1"/>
+          <p:cNvSpPr>
+            <a:spLocks noGrp="1"/>
+          </p:cNvSpPr>
+          <p:nvPr>
+            <p:ph type="title"/>
+          </p:nvPr>
+        </p:nvSpPr>
+        <p:spPr>
+          <a:xfrm>
+            <a:off x="527538" y="4756638"/>
+            <a:ext cx="11139854" cy="930447"/>
+          </a:xfrm>
+        </p:spPr>
+        <p:txBody>
+          <a:bodyPr vert="horz" lIns="91440" tIns="45720" rIns="91440" bIns="45720" rtlCol="0" anchor="b">
+            <a:normAutofit/>
+          </a:bodyPr>
+          <a:lstStyle/>
+          <a:p>
+            <a:pPr algn="ctr"/>
+            <a:r>
+              <a:rPr lang="en-US" sz="5400" dirty="0">
+                <a:solidFill>
+                  <a:schemeClr val="bg1"/>
+                </a:solidFill>
+              </a:rPr>
+              <a:t>Component flow  + life cycle</a:t>
+            </a:r>
+          </a:p>
+        </p:txBody>
+      </p:sp>
+    </p:spTree>
+    <p:extLst>
+      <p:ext uri="{BB962C8B-B14F-4D97-AF65-F5344CB8AC3E}">
+        <p14:creationId xmlns:p14="http://schemas.microsoft.com/office/powerpoint/2010/main" val="788727157"/>
+      </p:ext>
+    </p:extLst>
+  </p:cSld>
+  <p:clrMapOvr>
+    <a:masterClrMapping/>
+  </p:clrMapOvr>
+</p:sld>
+</file>
+
+<file path=ppt/slides/slide11.xml><?xml version="1.0" encoding="utf-8"?>
+<p:sld xmlns:a="http://schemas.openxmlformats.org/drawingml/2006/main" xmlns:r="http://schemas.openxmlformats.org/officeDocument/2006/relationships" xmlns:p="http://schemas.openxmlformats.org/presentationml/2006/main">
+  <p:cSld>
+    <p:bg>
+      <p:bgPr>
+        <a:solidFill>
+          <a:schemeClr val="bg1"/>
+        </a:solidFill>
+        <a:effectLst/>
+      </p:bgPr>
+    </p:bg>
+    <p:spTree>
+      <p:nvGrpSpPr>
+        <p:cNvPr id="1" name=""/>
+        <p:cNvGrpSpPr/>
+        <p:nvPr/>
+      </p:nvGrpSpPr>
+      <p:grpSpPr>
+        <a:xfrm>
+          <a:off x="0" y="0"/>
+          <a:ext cx="0" cy="0"/>
+          <a:chOff x="0" y="0"/>
+          <a:chExt cx="0" cy="0"/>
+        </a:xfrm>
+      </p:grpSpPr>
+      <p:sp>
+        <p:nvSpPr>
           <p:cNvPr id="29" name="Rectangle 28">
             <a:extLst>
               <a:ext uri="{FF2B5EF4-FFF2-40B4-BE49-F238E27FC236}">
@@ -10632,20 +11984,43 @@
           <a:p>
             <a:pPr lvl="1"/>
             <a:r>
-              <a:rPr lang="cs-CZ" sz="2000" dirty="0" smtClean="0"/>
+              <a:rPr lang="cs-CZ" sz="2000" dirty="0"/>
               <a:t>Proce</a:t>
             </a:r>
             <a:r>
-              <a:rPr lang="en-US" sz="2000" dirty="0" smtClean="0"/>
+              <a:rPr lang="en-US" sz="2000" dirty="0"/>
               <a:t>s</a:t>
             </a:r>
             <a:r>
-              <a:rPr lang="cs-CZ" sz="2000" dirty="0" smtClean="0"/>
-              <a:t>sing </a:t>
+              <a:rPr lang="cs-CZ" sz="2000" dirty="0"/>
+              <a:t>sing data </a:t>
+            </a:r>
+            <a:r>
+              <a:rPr lang="en-US" sz="2000" dirty="0"/>
+              <a:t>may</a:t>
             </a:r>
             <a:r>
               <a:rPr lang="cs-CZ" sz="2000" dirty="0"/>
-              <a:t>data may be slow</a:t>
+              <a:t> </a:t>
+            </a:r>
+            <a:r>
+              <a:rPr lang="en-US" sz="2000" dirty="0"/>
+              <a:t>be slow</a:t>
+            </a:r>
+          </a:p>
+          <a:p>
+            <a:pPr lvl="2"/>
+            <a:r>
+              <a:rPr lang="en-US" sz="1600" dirty="0"/>
+              <a:t>Merging duplicates</a:t>
+            </a:r>
+            <a:r>
+              <a:rPr lang="cs-CZ" sz="1600" dirty="0"/>
+              <a:t> and</a:t>
+            </a:r>
+            <a:r>
+              <a:rPr lang="en-US" sz="1600" dirty="0"/>
+              <a:t> creating tree graph can took some time for large datasets (1000+ items)</a:t>
             </a:r>
           </a:p>
           <a:p>
@@ -10668,19 +12043,20 @@
   <p:clrMapOvr>
     <a:masterClrMapping/>
   </p:clrMapOvr>
-  <p:timing>
-    <p:tnLst>
-      <p:par>
-        <p:cTn id="1" dur="indefinite" restart="never" nodeType="tmRoot"/>
-      </p:par>
-    </p:tnLst>
-  </p:timing>
 </p:sld>
 </file>
 
-<file path=ppt/slides/slide11.xml><?xml version="1.0" encoding="utf-8"?>
+<file path=ppt/slides/slide12.xml><?xml version="1.0" encoding="utf-8"?>
 <p:sld xmlns:a="http://schemas.openxmlformats.org/drawingml/2006/main" xmlns:r="http://schemas.openxmlformats.org/officeDocument/2006/relationships" xmlns:p="http://schemas.openxmlformats.org/presentationml/2006/main">
   <p:cSld>
+    <p:bg>
+      <p:bgPr>
+        <a:solidFill>
+          <a:schemeClr val="tx1"/>
+        </a:solidFill>
+        <a:effectLst/>
+      </p:bgPr>
+    </p:bg>
     <p:spTree>
       <p:nvGrpSpPr>
         <p:cNvPr id="1" name=""/>
@@ -10697,6 +12073,185 @@
       </p:grpSpPr>
       <p:sp>
         <p:nvSpPr>
+          <p:cNvPr id="15" name="Rectangle 9">
+            <a:extLst>
+              <a:ext uri="{FF2B5EF4-FFF2-40B4-BE49-F238E27FC236}">
+                <a16:creationId xmlns:a16="http://schemas.microsoft.com/office/drawing/2014/main" id="{2A8AA5BC-4F7A-4226-8F99-6D824B226A97}"/>
+              </a:ext>
+            </a:extLst>
+          </p:cNvPr>
+          <p:cNvSpPr>
+            <a:spLocks noGrp="1" noRot="1" noChangeAspect="1" noMove="1" noResize="1" noEditPoints="1" noAdjustHandles="1" noChangeArrowheads="1" noChangeShapeType="1" noTextEdit="1"/>
+          </p:cNvSpPr>
+          <p:nvPr>
+            <p:extLst>
+              <p:ext uri="{386F3935-93C4-4BCD-93E2-E3B085C9AB24}">
+                <p16:designElem xmlns:p16="http://schemas.microsoft.com/office/powerpoint/2015/main" val="1"/>
+              </p:ext>
+            </p:extLst>
+          </p:nvPr>
+        </p:nvSpPr>
+        <p:spPr>
+          <a:xfrm>
+            <a:off x="0" y="-3324"/>
+            <a:ext cx="12192000" cy="6861324"/>
+          </a:xfrm>
+          <a:prstGeom prst="rect">
+            <a:avLst/>
+          </a:prstGeom>
+          <a:solidFill>
+            <a:schemeClr val="tx1"/>
+          </a:solidFill>
+          <a:ln>
+            <a:noFill/>
+          </a:ln>
+        </p:spPr>
+        <p:style>
+          <a:lnRef idx="2">
+            <a:schemeClr val="accent1">
+              <a:shade val="50000"/>
+            </a:schemeClr>
+          </a:lnRef>
+          <a:fillRef idx="1">
+            <a:schemeClr val="accent1"/>
+          </a:fillRef>
+          <a:effectRef idx="0">
+            <a:schemeClr val="accent1"/>
+          </a:effectRef>
+          <a:fontRef idx="minor">
+            <a:schemeClr val="lt1"/>
+          </a:fontRef>
+        </p:style>
+        <p:txBody>
+          <a:bodyPr rtlCol="0" anchor="ctr"/>
+          <a:lstStyle/>
+          <a:p>
+            <a:pPr algn="ctr"/>
+            <a:endParaRPr lang="en-US" dirty="0"/>
+          </a:p>
+        </p:txBody>
+      </p:sp>
+      <p:sp>
+        <p:nvSpPr>
+          <p:cNvPr id="16" name="Rectangle 11">
+            <a:extLst>
+              <a:ext uri="{FF2B5EF4-FFF2-40B4-BE49-F238E27FC236}">
+                <a16:creationId xmlns:a16="http://schemas.microsoft.com/office/drawing/2014/main" id="{3E5445C6-DD42-4979-86FF-03730E8C6DB0}"/>
+              </a:ext>
+            </a:extLst>
+          </p:cNvPr>
+          <p:cNvSpPr>
+            <a:spLocks noGrp="1" noRot="1" noChangeAspect="1" noMove="1" noResize="1" noEditPoints="1" noAdjustHandles="1" noChangeArrowheads="1" noChangeShapeType="1" noTextEdit="1"/>
+          </p:cNvSpPr>
+          <p:nvPr>
+            <p:extLst>
+              <p:ext uri="{386F3935-93C4-4BCD-93E2-E3B085C9AB24}">
+                <p16:designElem xmlns:p16="http://schemas.microsoft.com/office/powerpoint/2015/main" val="1"/>
+              </p:ext>
+            </p:extLst>
+          </p:nvPr>
+        </p:nvSpPr>
+        <p:spPr bwMode="ltGray">
+          <a:xfrm>
+            <a:off x="321734" y="321733"/>
+            <a:ext cx="11573488" cy="6214534"/>
+          </a:xfrm>
+          <a:prstGeom prst="rect">
+            <a:avLst/>
+          </a:prstGeom>
+          <a:solidFill>
+            <a:schemeClr val="bg1">
+              <a:lumMod val="75000"/>
+              <a:lumOff val="25000"/>
+            </a:schemeClr>
+          </a:solidFill>
+          <a:ln w="127000" cap="sq" cmpd="thinThick">
+            <a:solidFill>
+              <a:schemeClr val="bg1">
+                <a:lumMod val="75000"/>
+                <a:lumOff val="25000"/>
+              </a:schemeClr>
+            </a:solidFill>
+          </a:ln>
+        </p:spPr>
+        <p:style>
+          <a:lnRef idx="2">
+            <a:schemeClr val="accent1">
+              <a:shade val="50000"/>
+            </a:schemeClr>
+          </a:lnRef>
+          <a:fillRef idx="1">
+            <a:schemeClr val="accent1"/>
+          </a:fillRef>
+          <a:effectRef idx="0">
+            <a:schemeClr val="accent1"/>
+          </a:effectRef>
+          <a:fontRef idx="minor">
+            <a:schemeClr val="lt1"/>
+          </a:fontRef>
+        </p:style>
+        <p:txBody>
+          <a:bodyPr rtlCol="0" anchor="ctr"/>
+          <a:lstStyle/>
+          <a:p>
+            <a:pPr algn="ctr"/>
+            <a:endParaRPr lang="en-US" dirty="0"/>
+          </a:p>
+        </p:txBody>
+      </p:sp>
+      <p:cxnSp>
+        <p:nvCxnSpPr>
+          <p:cNvPr id="14" name="Straight Connector 13">
+            <a:extLst>
+              <a:ext uri="{FF2B5EF4-FFF2-40B4-BE49-F238E27FC236}">
+                <a16:creationId xmlns:a16="http://schemas.microsoft.com/office/drawing/2014/main" id="{45000665-DFC7-417E-8FD7-516A0F15C975}"/>
+              </a:ext>
+            </a:extLst>
+          </p:cNvPr>
+          <p:cNvCxnSpPr>
+            <a:cxnSpLocks noGrp="1" noRot="1" noChangeAspect="1" noMove="1" noResize="1" noEditPoints="1" noAdjustHandles="1" noChangeArrowheads="1" noChangeShapeType="1"/>
+          </p:cNvCxnSpPr>
+          <p:nvPr>
+            <p:extLst>
+              <p:ext uri="{386F3935-93C4-4BCD-93E2-E3B085C9AB24}">
+                <p16:designElem xmlns:p16="http://schemas.microsoft.com/office/powerpoint/2015/main" val="1"/>
+              </p:ext>
+            </p:extLst>
+          </p:nvPr>
+        </p:nvCxnSpPr>
+        <p:spPr>
+          <a:xfrm>
+            <a:off x="4724400" y="4109417"/>
+            <a:ext cx="2743200" cy="0"/>
+          </a:xfrm>
+          <a:prstGeom prst="line">
+            <a:avLst/>
+          </a:prstGeom>
+          <a:ln w="12700">
+            <a:solidFill>
+              <a:schemeClr val="tx1">
+                <a:lumMod val="85000"/>
+              </a:schemeClr>
+            </a:solidFill>
+          </a:ln>
+        </p:spPr>
+        <p:style>
+          <a:lnRef idx="1">
+            <a:schemeClr val="accent1"/>
+          </a:lnRef>
+          <a:fillRef idx="0">
+            <a:schemeClr val="accent1"/>
+          </a:fillRef>
+          <a:effectRef idx="0">
+            <a:schemeClr val="accent1"/>
+          </a:effectRef>
+          <a:fontRef idx="minor">
+            <a:schemeClr val="tx1"/>
+          </a:fontRef>
+        </p:style>
+      </p:cxnSp>
+      <p:sp>
+        <p:nvSpPr>
           <p:cNvPr id="5" name="Title 4"/>
           <p:cNvSpPr>
             <a:spLocks noGrp="1"/>
@@ -10705,35 +12260,30 @@
             <p:ph type="title"/>
           </p:nvPr>
         </p:nvSpPr>
-        <p:spPr/>
+        <p:spPr>
+          <a:xfrm>
+            <a:off x="1524000" y="1122362"/>
+            <a:ext cx="9144000" cy="2840037"/>
+          </a:xfrm>
+        </p:spPr>
         <p:txBody>
-          <a:bodyPr/>
+          <a:bodyPr vert="horz" lIns="91440" tIns="45720" rIns="91440" bIns="45720" rtlCol="0" anchor="b">
+            <a:normAutofit/>
+          </a:bodyPr>
           <a:lstStyle/>
           <a:p>
+            <a:pPr algn="ctr"/>
             <a:r>
-              <a:rPr lang="en-US" dirty="0" smtClean="0"/>
+              <a:rPr lang="en-US" sz="5800" kern="1200" dirty="0">
+                <a:solidFill>
+                  <a:schemeClr val="tx1"/>
+                </a:solidFill>
+                <a:latin typeface="+mj-lt"/>
+                <a:ea typeface="+mj-ea"/>
+                <a:cs typeface="+mj-cs"/>
+              </a:rPr>
               <a:t>Competitive solutions</a:t>
             </a:r>
-            <a:endParaRPr lang="en-US" dirty="0"/>
-          </a:p>
-        </p:txBody>
-      </p:sp>
-      <p:sp>
-        <p:nvSpPr>
-          <p:cNvPr id="6" name="Text Placeholder 5"/>
-          <p:cNvSpPr>
-            <a:spLocks noGrp="1"/>
-          </p:cNvSpPr>
-          <p:nvPr>
-            <p:ph type="body" idx="1"/>
-          </p:nvPr>
-        </p:nvSpPr>
-        <p:spPr/>
-        <p:txBody>
-          <a:bodyPr/>
-          <a:lstStyle/>
-          <a:p>
-            <a:endParaRPr lang="en-US"/>
           </a:p>
         </p:txBody>
       </p:sp>
@@ -10745,19 +12295,1596 @@
     </p:extLst>
   </p:cSld>
   <p:clrMapOvr>
-    <a:masterClrMapping/>
+    <a:overrideClrMapping bg1="dk1" tx1="lt1" bg2="dk2" tx2="lt2" accent1="accent1" accent2="accent2" accent3="accent3" accent4="accent4" accent5="accent5" accent6="accent6" hlink="hlink" folHlink="folHlink"/>
   </p:clrMapOvr>
-  <p:timing>
-    <p:tnLst>
-      <p:par>
-        <p:cTn id="1" dur="indefinite" restart="never" nodeType="tmRoot"/>
-      </p:par>
-    </p:tnLst>
-  </p:timing>
 </p:sld>
 </file>
 
-<file path=ppt/slides/slide12.xml><?xml version="1.0" encoding="utf-8"?>
+<file path=ppt/slides/slide13.xml><?xml version="1.0" encoding="utf-8"?>
+<p:sld xmlns:a="http://schemas.openxmlformats.org/drawingml/2006/main" xmlns:r="http://schemas.openxmlformats.org/officeDocument/2006/relationships" xmlns:p="http://schemas.openxmlformats.org/presentationml/2006/main">
+  <p:cSld>
+    <p:bg>
+      <p:bgPr>
+        <a:solidFill>
+          <a:schemeClr val="bg1"/>
+        </a:solidFill>
+        <a:effectLst/>
+      </p:bgPr>
+    </p:bg>
+    <p:spTree>
+      <p:nvGrpSpPr>
+        <p:cNvPr id="1" name=""/>
+        <p:cNvGrpSpPr/>
+        <p:nvPr/>
+      </p:nvGrpSpPr>
+      <p:grpSpPr>
+        <a:xfrm>
+          <a:off x="0" y="0"/>
+          <a:ext cx="0" cy="0"/>
+          <a:chOff x="0" y="0"/>
+          <a:chExt cx="0" cy="0"/>
+        </a:xfrm>
+      </p:grpSpPr>
+      <p:sp>
+        <p:nvSpPr>
+          <p:cNvPr id="45" name="Freeform: Shape 44">
+            <a:extLst>
+              <a:ext uri="{FF2B5EF4-FFF2-40B4-BE49-F238E27FC236}">
+                <a16:creationId xmlns:a16="http://schemas.microsoft.com/office/drawing/2014/main" id="{E862BE82-D00D-42C1-BF16-93AA37870C32}"/>
+              </a:ext>
+            </a:extLst>
+          </p:cNvPr>
+          <p:cNvSpPr>
+            <a:spLocks noGrp="1" noRot="1" noChangeAspect="1" noMove="1" noResize="1" noEditPoints="1" noAdjustHandles="1" noChangeArrowheads="1" noChangeShapeType="1" noTextEdit="1"/>
+          </p:cNvSpPr>
+          <p:nvPr>
+            <p:extLst>
+              <p:ext uri="{386F3935-93C4-4BCD-93E2-E3B085C9AB24}">
+                <p16:designElem xmlns:p16="http://schemas.microsoft.com/office/powerpoint/2015/main" val="1"/>
+              </p:ext>
+            </p:extLst>
+          </p:nvPr>
+        </p:nvSpPr>
+        <p:spPr>
+          <a:xfrm>
+            <a:off x="0" y="-2008"/>
+            <a:ext cx="5609220" cy="5840278"/>
+          </a:xfrm>
+          <a:custGeom>
+            <a:avLst/>
+            <a:gdLst>
+              <a:gd name="connsiteX0" fmla="*/ 0 w 5609220"/>
+              <a:gd name="connsiteY0" fmla="*/ 0 h 5840278"/>
+              <a:gd name="connsiteX1" fmla="*/ 4637091 w 5609220"/>
+              <a:gd name="connsiteY1" fmla="*/ 0 h 5840278"/>
+              <a:gd name="connsiteX2" fmla="*/ 4822569 w 5609220"/>
+              <a:gd name="connsiteY2" fmla="*/ 204077 h 5840278"/>
+              <a:gd name="connsiteX3" fmla="*/ 5609220 w 5609220"/>
+              <a:gd name="connsiteY3" fmla="*/ 2395363 h 5840278"/>
+              <a:gd name="connsiteX4" fmla="*/ 2164305 w 5609220"/>
+              <a:gd name="connsiteY4" fmla="*/ 5840278 h 5840278"/>
+              <a:gd name="connsiteX5" fmla="*/ 238220 w 5609220"/>
+              <a:gd name="connsiteY5" fmla="*/ 5251941 h 5840278"/>
+              <a:gd name="connsiteX6" fmla="*/ 0 w 5609220"/>
+              <a:gd name="connsiteY6" fmla="*/ 5073803 h 5840278"/>
+            </a:gdLst>
+            <a:ahLst/>
+            <a:cxnLst>
+              <a:cxn ang="0">
+                <a:pos x="connsiteX0" y="connsiteY0"/>
+              </a:cxn>
+              <a:cxn ang="0">
+                <a:pos x="connsiteX1" y="connsiteY1"/>
+              </a:cxn>
+              <a:cxn ang="0">
+                <a:pos x="connsiteX2" y="connsiteY2"/>
+              </a:cxn>
+              <a:cxn ang="0">
+                <a:pos x="connsiteX3" y="connsiteY3"/>
+              </a:cxn>
+              <a:cxn ang="0">
+                <a:pos x="connsiteX4" y="connsiteY4"/>
+              </a:cxn>
+              <a:cxn ang="0">
+                <a:pos x="connsiteX5" y="connsiteY5"/>
+              </a:cxn>
+              <a:cxn ang="0">
+                <a:pos x="connsiteX6" y="connsiteY6"/>
+              </a:cxn>
+            </a:cxnLst>
+            <a:rect l="l" t="t" r="r" b="b"/>
+            <a:pathLst>
+              <a:path w="5609220" h="5840278">
+                <a:moveTo>
+                  <a:pt x="0" y="0"/>
+                </a:moveTo>
+                <a:lnTo>
+                  <a:pt x="4637091" y="0"/>
+                </a:lnTo>
+                <a:lnTo>
+                  <a:pt x="4822569" y="204077"/>
+                </a:lnTo>
+                <a:cubicBezTo>
+                  <a:pt x="5314007" y="799562"/>
+                  <a:pt x="5609220" y="1562987"/>
+                  <a:pt x="5609220" y="2395363"/>
+                </a:cubicBezTo>
+                <a:cubicBezTo>
+                  <a:pt x="5609220" y="4297937"/>
+                  <a:pt x="4066879" y="5840278"/>
+                  <a:pt x="2164305" y="5840278"/>
+                </a:cubicBezTo>
+                <a:cubicBezTo>
+                  <a:pt x="1450840" y="5840278"/>
+                  <a:pt x="788032" y="5623387"/>
+                  <a:pt x="238220" y="5251941"/>
+                </a:cubicBezTo>
+                <a:lnTo>
+                  <a:pt x="0" y="5073803"/>
+                </a:lnTo>
+                <a:close/>
+              </a:path>
+            </a:pathLst>
+          </a:custGeom>
+          <a:solidFill>
+            <a:schemeClr val="tx1">
+              <a:alpha val="50000"/>
+            </a:schemeClr>
+          </a:solidFill>
+          <a:ln>
+            <a:noFill/>
+          </a:ln>
+        </p:spPr>
+        <p:style>
+          <a:lnRef idx="2">
+            <a:schemeClr val="accent1">
+              <a:shade val="50000"/>
+            </a:schemeClr>
+          </a:lnRef>
+          <a:fillRef idx="1">
+            <a:schemeClr val="accent1"/>
+          </a:fillRef>
+          <a:effectRef idx="0">
+            <a:schemeClr val="accent1"/>
+          </a:effectRef>
+          <a:fontRef idx="minor">
+            <a:schemeClr val="lt1"/>
+          </a:fontRef>
+        </p:style>
+        <p:txBody>
+          <a:bodyPr rtlCol="0" anchor="ctr"/>
+          <a:lstStyle/>
+          <a:p>
+            <a:pPr marL="0" marR="0" lvl="0" indent="0" algn="ctr" defTabSz="914400" rtl="0" eaLnBrk="1" fontAlgn="auto" latinLnBrk="0" hangingPunct="1">
+              <a:lnSpc>
+                <a:spcPct val="100000"/>
+              </a:lnSpc>
+              <a:spcBef>
+                <a:spcPts val="0"/>
+              </a:spcBef>
+              <a:spcAft>
+                <a:spcPts val="0"/>
+              </a:spcAft>
+              <a:buClrTx/>
+              <a:buSzTx/>
+              <a:buFontTx/>
+              <a:buNone/>
+              <a:tabLst/>
+              <a:defRPr/>
+            </a:pPr>
+            <a:endParaRPr kumimoji="0" lang="en-US" sz="1800" b="0" i="0" u="none" strike="noStrike" kern="1200" cap="none" spc="0" normalizeH="0" baseline="0" noProof="0">
+              <a:ln>
+                <a:noFill/>
+              </a:ln>
+              <a:solidFill>
+                <a:prstClr val="white"/>
+              </a:solidFill>
+              <a:effectLst/>
+              <a:uLnTx/>
+              <a:uFillTx/>
+              <a:latin typeface="Calibri" panose="020F0502020204030204"/>
+              <a:ea typeface="+mn-ea"/>
+              <a:cs typeface="+mn-cs"/>
+            </a:endParaRPr>
+          </a:p>
+        </p:txBody>
+      </p:sp>
+      <p:sp>
+        <p:nvSpPr>
+          <p:cNvPr id="50" name="Freeform: Shape 46">
+            <a:extLst>
+              <a:ext uri="{FF2B5EF4-FFF2-40B4-BE49-F238E27FC236}">
+                <a16:creationId xmlns:a16="http://schemas.microsoft.com/office/drawing/2014/main" id="{F6D92C2D-1D3D-4974-918C-06579FB354A9}"/>
+              </a:ext>
+            </a:extLst>
+          </p:cNvPr>
+          <p:cNvSpPr>
+            <a:spLocks noGrp="1" noRot="1" noChangeAspect="1" noMove="1" noResize="1" noEditPoints="1" noAdjustHandles="1" noChangeArrowheads="1" noChangeShapeType="1" noTextEdit="1"/>
+          </p:cNvSpPr>
+          <p:nvPr>
+            <p:extLst>
+              <p:ext uri="{386F3935-93C4-4BCD-93E2-E3B085C9AB24}">
+                <p16:designElem xmlns:p16="http://schemas.microsoft.com/office/powerpoint/2015/main" val="1"/>
+              </p:ext>
+            </p:extLst>
+          </p:nvPr>
+        </p:nvSpPr>
+        <p:spPr>
+          <a:xfrm>
+            <a:off x="-2333" y="-2"/>
+            <a:ext cx="5441859" cy="5654940"/>
+          </a:xfrm>
+          <a:custGeom>
+            <a:avLst/>
+            <a:gdLst>
+              <a:gd name="connsiteX0" fmla="*/ 0 w 5441859"/>
+              <a:gd name="connsiteY0" fmla="*/ 0 h 5654940"/>
+              <a:gd name="connsiteX1" fmla="*/ 4400492 w 5441859"/>
+              <a:gd name="connsiteY1" fmla="*/ 0 h 5654940"/>
+              <a:gd name="connsiteX2" fmla="*/ 4484767 w 5441859"/>
+              <a:gd name="connsiteY2" fmla="*/ 76595 h 5654940"/>
+              <a:gd name="connsiteX3" fmla="*/ 5441859 w 5441859"/>
+              <a:gd name="connsiteY3" fmla="*/ 2387221 h 5654940"/>
+              <a:gd name="connsiteX4" fmla="*/ 2174140 w 5441859"/>
+              <a:gd name="connsiteY4" fmla="*/ 5654940 h 5654940"/>
+              <a:gd name="connsiteX5" fmla="*/ 156693 w 5441859"/>
+              <a:gd name="connsiteY5" fmla="*/ 4957981 h 5654940"/>
+              <a:gd name="connsiteX6" fmla="*/ 0 w 5441859"/>
+              <a:gd name="connsiteY6" fmla="*/ 4820612 h 5654940"/>
+            </a:gdLst>
+            <a:ahLst/>
+            <a:cxnLst>
+              <a:cxn ang="0">
+                <a:pos x="connsiteX0" y="connsiteY0"/>
+              </a:cxn>
+              <a:cxn ang="0">
+                <a:pos x="connsiteX1" y="connsiteY1"/>
+              </a:cxn>
+              <a:cxn ang="0">
+                <a:pos x="connsiteX2" y="connsiteY2"/>
+              </a:cxn>
+              <a:cxn ang="0">
+                <a:pos x="connsiteX3" y="connsiteY3"/>
+              </a:cxn>
+              <a:cxn ang="0">
+                <a:pos x="connsiteX4" y="connsiteY4"/>
+              </a:cxn>
+              <a:cxn ang="0">
+                <a:pos x="connsiteX5" y="connsiteY5"/>
+              </a:cxn>
+              <a:cxn ang="0">
+                <a:pos x="connsiteX6" y="connsiteY6"/>
+              </a:cxn>
+            </a:cxnLst>
+            <a:rect l="l" t="t" r="r" b="b"/>
+            <a:pathLst>
+              <a:path w="5441859" h="5654940">
+                <a:moveTo>
+                  <a:pt x="0" y="0"/>
+                </a:moveTo>
+                <a:lnTo>
+                  <a:pt x="4400492" y="0"/>
+                </a:lnTo>
+                <a:lnTo>
+                  <a:pt x="4484767" y="76595"/>
+                </a:lnTo>
+                <a:cubicBezTo>
+                  <a:pt x="5076108" y="667936"/>
+                  <a:pt x="5441859" y="1484866"/>
+                  <a:pt x="5441859" y="2387221"/>
+                </a:cubicBezTo>
+                <a:cubicBezTo>
+                  <a:pt x="5441859" y="4191932"/>
+                  <a:pt x="3978851" y="5654940"/>
+                  <a:pt x="2174140" y="5654940"/>
+                </a:cubicBezTo>
+                <a:cubicBezTo>
+                  <a:pt x="1412778" y="5654940"/>
+                  <a:pt x="712231" y="5394557"/>
+                  <a:pt x="156693" y="4957981"/>
+                </a:cubicBezTo>
+                <a:lnTo>
+                  <a:pt x="0" y="4820612"/>
+                </a:lnTo>
+                <a:close/>
+              </a:path>
+            </a:pathLst>
+          </a:custGeom>
+          <a:solidFill>
+            <a:schemeClr val="tx1">
+              <a:lumMod val="75000"/>
+              <a:lumOff val="25000"/>
+            </a:schemeClr>
+          </a:solidFill>
+          <a:ln>
+            <a:noFill/>
+          </a:ln>
+        </p:spPr>
+        <p:style>
+          <a:lnRef idx="2">
+            <a:schemeClr val="accent1">
+              <a:shade val="50000"/>
+            </a:schemeClr>
+          </a:lnRef>
+          <a:fillRef idx="1">
+            <a:schemeClr val="accent1"/>
+          </a:fillRef>
+          <a:effectRef idx="0">
+            <a:schemeClr val="accent1"/>
+          </a:effectRef>
+          <a:fontRef idx="minor">
+            <a:schemeClr val="lt1"/>
+          </a:fontRef>
+        </p:style>
+        <p:txBody>
+          <a:bodyPr rtlCol="0" anchor="ctr"/>
+          <a:lstStyle/>
+          <a:p>
+            <a:pPr marL="0" marR="0" lvl="0" indent="0" algn="ctr" defTabSz="914400" rtl="0" eaLnBrk="1" fontAlgn="auto" latinLnBrk="0" hangingPunct="1">
+              <a:lnSpc>
+                <a:spcPct val="100000"/>
+              </a:lnSpc>
+              <a:spcBef>
+                <a:spcPts val="0"/>
+              </a:spcBef>
+              <a:spcAft>
+                <a:spcPts val="0"/>
+              </a:spcAft>
+              <a:buClrTx/>
+              <a:buSzTx/>
+              <a:buFontTx/>
+              <a:buNone/>
+              <a:tabLst/>
+              <a:defRPr/>
+            </a:pPr>
+            <a:endParaRPr kumimoji="0" lang="en-US" sz="1800" b="0" i="0" u="none" strike="noStrike" kern="1200" cap="none" spc="0" normalizeH="0" baseline="0" noProof="0">
+              <a:ln>
+                <a:noFill/>
+              </a:ln>
+              <a:solidFill>
+                <a:prstClr val="white"/>
+              </a:solidFill>
+              <a:effectLst/>
+              <a:uLnTx/>
+              <a:uFillTx/>
+              <a:latin typeface="Calibri" panose="020F0502020204030204"/>
+              <a:ea typeface="+mn-ea"/>
+              <a:cs typeface="+mn-cs"/>
+            </a:endParaRPr>
+          </a:p>
+        </p:txBody>
+      </p:sp>
+      <p:pic>
+        <p:nvPicPr>
+          <p:cNvPr id="7" name="Zástupný symbol pro obsah 6">
+            <a:extLst>
+              <a:ext uri="{FF2B5EF4-FFF2-40B4-BE49-F238E27FC236}">
+                <a16:creationId xmlns:a16="http://schemas.microsoft.com/office/drawing/2014/main" id="{9A503E35-D034-43E8-A13D-4606D4BA46C7}"/>
+              </a:ext>
+            </a:extLst>
+          </p:cNvPr>
+          <p:cNvPicPr>
+            <a:picLocks noGrp="1" noChangeAspect="1"/>
+          </p:cNvPicPr>
+          <p:nvPr>
+            <p:ph sz="half" idx="2"/>
+          </p:nvPr>
+        </p:nvPicPr>
+        <p:blipFill rotWithShape="1">
+          <a:blip r:embed="rId3">
+            <a:extLst>
+              <a:ext uri="{BEBA8EAE-BF5A-486C-A8C5-ECC9F3942E4B}">
+                <a14:imgProps xmlns:a14="http://schemas.microsoft.com/office/drawing/2010/main">
+                  <a14:imgLayer r:embed="rId4">
+                    <a14:imgEffect>
+                      <a14:sharpenSoften amount="25000"/>
+                    </a14:imgEffect>
+                  </a14:imgLayer>
+                </a14:imgProps>
+              </a:ext>
+              <a:ext uri="{28A0092B-C50C-407E-A947-70E740481C1C}">
+                <a14:useLocalDpi xmlns:a14="http://schemas.microsoft.com/office/drawing/2010/main" val="0"/>
+              </a:ext>
+            </a:extLst>
+          </a:blip>
+          <a:srcRect/>
+          <a:stretch/>
+        </p:blipFill>
+        <p:spPr>
+          <a:xfrm>
+            <a:off x="6038101" y="1227943"/>
+            <a:ext cx="5510771" cy="4109187"/>
+          </a:xfrm>
+          <a:prstGeom prst="rect">
+            <a:avLst/>
+          </a:prstGeom>
+        </p:spPr>
+      </p:pic>
+      <p:sp>
+        <p:nvSpPr>
+          <p:cNvPr id="3" name="Nadpis 2">
+            <a:extLst>
+              <a:ext uri="{FF2B5EF4-FFF2-40B4-BE49-F238E27FC236}">
+                <a16:creationId xmlns:a16="http://schemas.microsoft.com/office/drawing/2014/main" id="{6882CBB1-0524-4C1B-8502-5DE15168493E}"/>
+              </a:ext>
+            </a:extLst>
+          </p:cNvPr>
+          <p:cNvSpPr>
+            <a:spLocks noGrp="1"/>
+          </p:cNvSpPr>
+          <p:nvPr>
+            <p:ph type="title"/>
+          </p:nvPr>
+        </p:nvSpPr>
+        <p:spPr>
+          <a:xfrm>
+            <a:off x="750242" y="632990"/>
+            <a:ext cx="4062643" cy="1043409"/>
+          </a:xfrm>
+        </p:spPr>
+        <p:txBody>
+          <a:bodyPr vert="horz" lIns="91440" tIns="45720" rIns="91440" bIns="45720" rtlCol="0" anchor="ctr">
+            <a:normAutofit/>
+          </a:bodyPr>
+          <a:lstStyle/>
+          <a:p>
+            <a:r>
+              <a:rPr lang="en-US" sz="3600" kern="1200" dirty="0">
+                <a:solidFill>
+                  <a:schemeClr val="bg1"/>
+                </a:solidFill>
+                <a:latin typeface="+mj-lt"/>
+                <a:ea typeface="+mj-ea"/>
+                <a:cs typeface="+mj-cs"/>
+              </a:rPr>
+              <a:t>RC-tree</a:t>
+            </a:r>
+          </a:p>
+        </p:txBody>
+      </p:sp>
+      <p:sp>
+        <p:nvSpPr>
+          <p:cNvPr id="8" name="Zástupný symbol pro obsah 3">
+            <a:extLst>
+              <a:ext uri="{FF2B5EF4-FFF2-40B4-BE49-F238E27FC236}">
+                <a16:creationId xmlns:a16="http://schemas.microsoft.com/office/drawing/2014/main" id="{3B7855B4-D287-46EA-8681-29193054D514}"/>
+              </a:ext>
+            </a:extLst>
+          </p:cNvPr>
+          <p:cNvSpPr txBox="1">
+            <a:spLocks/>
+          </p:cNvSpPr>
+          <p:nvPr/>
+        </p:nvSpPr>
+        <p:spPr>
+          <a:xfrm>
+            <a:off x="518474" y="1774372"/>
+            <a:ext cx="4222202" cy="2754086"/>
+          </a:xfrm>
+          <a:prstGeom prst="rect">
+            <a:avLst/>
+          </a:prstGeom>
+        </p:spPr>
+        <p:txBody>
+          <a:bodyPr vert="horz" lIns="91440" tIns="45720" rIns="91440" bIns="45720" rtlCol="0" anchor="t">
+            <a:normAutofit fontScale="92500" lnSpcReduction="10000"/>
+          </a:bodyPr>
+          <a:lstStyle>
+            <a:lvl1pPr marL="228600" indent="-228600" algn="l" defTabSz="914400" rtl="0" eaLnBrk="1" latinLnBrk="0" hangingPunct="1">
+              <a:lnSpc>
+                <a:spcPct val="90000"/>
+              </a:lnSpc>
+              <a:spcBef>
+                <a:spcPts val="1000"/>
+              </a:spcBef>
+              <a:buFont typeface="Arial" panose="020B0604020202020204" pitchFamily="34" charset="0"/>
+              <a:buChar char="•"/>
+              <a:defRPr sz="2800" kern="1200">
+                <a:solidFill>
+                  <a:schemeClr val="tx1"/>
+                </a:solidFill>
+                <a:latin typeface="+mn-lt"/>
+                <a:ea typeface="+mn-ea"/>
+                <a:cs typeface="+mn-cs"/>
+              </a:defRPr>
+            </a:lvl1pPr>
+            <a:lvl2pPr marL="685800" indent="-228600" algn="l" defTabSz="914400" rtl="0" eaLnBrk="1" latinLnBrk="0" hangingPunct="1">
+              <a:lnSpc>
+                <a:spcPct val="90000"/>
+              </a:lnSpc>
+              <a:spcBef>
+                <a:spcPts val="500"/>
+              </a:spcBef>
+              <a:buFont typeface="Arial" panose="020B0604020202020204" pitchFamily="34" charset="0"/>
+              <a:buChar char="•"/>
+              <a:defRPr sz="2400" kern="1200">
+                <a:solidFill>
+                  <a:schemeClr val="tx1"/>
+                </a:solidFill>
+                <a:latin typeface="+mn-lt"/>
+                <a:ea typeface="+mn-ea"/>
+                <a:cs typeface="+mn-cs"/>
+              </a:defRPr>
+            </a:lvl2pPr>
+            <a:lvl3pPr marL="1143000" indent="-228600" algn="l" defTabSz="914400" rtl="0" eaLnBrk="1" latinLnBrk="0" hangingPunct="1">
+              <a:lnSpc>
+                <a:spcPct val="90000"/>
+              </a:lnSpc>
+              <a:spcBef>
+                <a:spcPts val="500"/>
+              </a:spcBef>
+              <a:buFont typeface="Arial" panose="020B0604020202020204" pitchFamily="34" charset="0"/>
+              <a:buChar char="•"/>
+              <a:defRPr sz="2000" kern="1200">
+                <a:solidFill>
+                  <a:schemeClr val="tx1"/>
+                </a:solidFill>
+                <a:latin typeface="+mn-lt"/>
+                <a:ea typeface="+mn-ea"/>
+                <a:cs typeface="+mn-cs"/>
+              </a:defRPr>
+            </a:lvl3pPr>
+            <a:lvl4pPr marL="1600200" indent="-228600" algn="l" defTabSz="914400" rtl="0" eaLnBrk="1" latinLnBrk="0" hangingPunct="1">
+              <a:lnSpc>
+                <a:spcPct val="90000"/>
+              </a:lnSpc>
+              <a:spcBef>
+                <a:spcPts val="500"/>
+              </a:spcBef>
+              <a:buFont typeface="Arial" panose="020B0604020202020204" pitchFamily="34" charset="0"/>
+              <a:buChar char="•"/>
+              <a:defRPr sz="1800" kern="1200">
+                <a:solidFill>
+                  <a:schemeClr val="tx1"/>
+                </a:solidFill>
+                <a:latin typeface="+mn-lt"/>
+                <a:ea typeface="+mn-ea"/>
+                <a:cs typeface="+mn-cs"/>
+              </a:defRPr>
+            </a:lvl4pPr>
+            <a:lvl5pPr marL="2057400" indent="-228600" algn="l" defTabSz="914400" rtl="0" eaLnBrk="1" latinLnBrk="0" hangingPunct="1">
+              <a:lnSpc>
+                <a:spcPct val="90000"/>
+              </a:lnSpc>
+              <a:spcBef>
+                <a:spcPts val="500"/>
+              </a:spcBef>
+              <a:buFont typeface="Arial" panose="020B0604020202020204" pitchFamily="34" charset="0"/>
+              <a:buChar char="•"/>
+              <a:defRPr sz="1800" kern="1200">
+                <a:solidFill>
+                  <a:schemeClr val="tx1"/>
+                </a:solidFill>
+                <a:latin typeface="+mn-lt"/>
+                <a:ea typeface="+mn-ea"/>
+                <a:cs typeface="+mn-cs"/>
+              </a:defRPr>
+            </a:lvl5pPr>
+            <a:lvl6pPr marL="2514600" indent="-228600" algn="l" defTabSz="914400" rtl="0" eaLnBrk="1" latinLnBrk="0" hangingPunct="1">
+              <a:lnSpc>
+                <a:spcPct val="90000"/>
+              </a:lnSpc>
+              <a:spcBef>
+                <a:spcPts val="500"/>
+              </a:spcBef>
+              <a:buFont typeface="Arial" panose="020B0604020202020204" pitchFamily="34" charset="0"/>
+              <a:buChar char="•"/>
+              <a:defRPr sz="1800" kern="1200">
+                <a:solidFill>
+                  <a:schemeClr val="tx1"/>
+                </a:solidFill>
+                <a:latin typeface="+mn-lt"/>
+                <a:ea typeface="+mn-ea"/>
+                <a:cs typeface="+mn-cs"/>
+              </a:defRPr>
+            </a:lvl6pPr>
+            <a:lvl7pPr marL="2971800" indent="-228600" algn="l" defTabSz="914400" rtl="0" eaLnBrk="1" latinLnBrk="0" hangingPunct="1">
+              <a:lnSpc>
+                <a:spcPct val="90000"/>
+              </a:lnSpc>
+              <a:spcBef>
+                <a:spcPts val="500"/>
+              </a:spcBef>
+              <a:buFont typeface="Arial" panose="020B0604020202020204" pitchFamily="34" charset="0"/>
+              <a:buChar char="•"/>
+              <a:defRPr sz="1800" kern="1200">
+                <a:solidFill>
+                  <a:schemeClr val="tx1"/>
+                </a:solidFill>
+                <a:latin typeface="+mn-lt"/>
+                <a:ea typeface="+mn-ea"/>
+                <a:cs typeface="+mn-cs"/>
+              </a:defRPr>
+            </a:lvl7pPr>
+            <a:lvl8pPr marL="3429000" indent="-228600" algn="l" defTabSz="914400" rtl="0" eaLnBrk="1" latinLnBrk="0" hangingPunct="1">
+              <a:lnSpc>
+                <a:spcPct val="90000"/>
+              </a:lnSpc>
+              <a:spcBef>
+                <a:spcPts val="500"/>
+              </a:spcBef>
+              <a:buFont typeface="Arial" panose="020B0604020202020204" pitchFamily="34" charset="0"/>
+              <a:buChar char="•"/>
+              <a:defRPr sz="1800" kern="1200">
+                <a:solidFill>
+                  <a:schemeClr val="tx1"/>
+                </a:solidFill>
+                <a:latin typeface="+mn-lt"/>
+                <a:ea typeface="+mn-ea"/>
+                <a:cs typeface="+mn-cs"/>
+              </a:defRPr>
+            </a:lvl8pPr>
+            <a:lvl9pPr marL="3886200" indent="-228600" algn="l" defTabSz="914400" rtl="0" eaLnBrk="1" latinLnBrk="0" hangingPunct="1">
+              <a:lnSpc>
+                <a:spcPct val="90000"/>
+              </a:lnSpc>
+              <a:spcBef>
+                <a:spcPts val="500"/>
+              </a:spcBef>
+              <a:buFont typeface="Arial" panose="020B0604020202020204" pitchFamily="34" charset="0"/>
+              <a:buChar char="•"/>
+              <a:defRPr sz="1800" kern="1200">
+                <a:solidFill>
+                  <a:schemeClr val="tx1"/>
+                </a:solidFill>
+                <a:latin typeface="+mn-lt"/>
+                <a:ea typeface="+mn-ea"/>
+                <a:cs typeface="+mn-cs"/>
+              </a:defRPr>
+            </a:lvl9pPr>
+          </a:lstStyle>
+          <a:p>
+            <a:r>
+              <a:rPr lang="en-US" sz="1800" dirty="0">
+                <a:solidFill>
+                  <a:schemeClr val="bg1"/>
+                </a:solidFill>
+              </a:rPr>
+              <a:t>Pros</a:t>
+            </a:r>
+          </a:p>
+          <a:p>
+            <a:pPr lvl="1"/>
+            <a:r>
+              <a:rPr lang="en-US" sz="1800" dirty="0">
+                <a:solidFill>
+                  <a:schemeClr val="bg1"/>
+                </a:solidFill>
+              </a:rPr>
+              <a:t>Draggable options</a:t>
+            </a:r>
+          </a:p>
+          <a:p>
+            <a:r>
+              <a:rPr lang="en-US" sz="1800" dirty="0">
+                <a:solidFill>
+                  <a:schemeClr val="bg1"/>
+                </a:solidFill>
+              </a:rPr>
+              <a:t>Cons</a:t>
+            </a:r>
+          </a:p>
+          <a:p>
+            <a:pPr lvl="1"/>
+            <a:r>
+              <a:rPr lang="en-US" sz="1800" dirty="0">
+                <a:solidFill>
+                  <a:schemeClr val="bg1"/>
+                </a:solidFill>
+              </a:rPr>
+              <a:t>Unable to customize render method</a:t>
+            </a:r>
+          </a:p>
+          <a:p>
+            <a:pPr lvl="1"/>
+            <a:r>
+              <a:rPr lang="en-US" sz="1800" dirty="0">
+                <a:solidFill>
+                  <a:schemeClr val="bg1"/>
+                </a:solidFill>
+              </a:rPr>
+              <a:t>Render all options at once</a:t>
+            </a:r>
+            <a:endParaRPr lang="cs-CZ" sz="1800" dirty="0">
+              <a:solidFill>
+                <a:schemeClr val="bg1"/>
+              </a:solidFill>
+            </a:endParaRPr>
+          </a:p>
+          <a:p>
+            <a:pPr lvl="1"/>
+            <a:r>
+              <a:rPr lang="en-US" sz="1800" dirty="0">
+                <a:solidFill>
+                  <a:schemeClr val="bg1"/>
+                </a:solidFill>
+              </a:rPr>
+              <a:t>Removing</a:t>
+            </a:r>
+            <a:r>
+              <a:rPr lang="cs-CZ" sz="1800" dirty="0">
+                <a:solidFill>
+                  <a:schemeClr val="bg1"/>
+                </a:solidFill>
+              </a:rPr>
+              <a:t> </a:t>
+            </a:r>
+            <a:r>
+              <a:rPr lang="en-US" sz="1800" dirty="0">
+                <a:solidFill>
+                  <a:schemeClr val="bg1"/>
+                </a:solidFill>
+              </a:rPr>
+              <a:t>selected</a:t>
+            </a:r>
+            <a:r>
+              <a:rPr lang="cs-CZ" sz="1800" dirty="0">
+                <a:solidFill>
+                  <a:schemeClr val="bg1"/>
+                </a:solidFill>
+              </a:rPr>
+              <a:t> </a:t>
+            </a:r>
+            <a:r>
+              <a:rPr lang="en-US" sz="1800" dirty="0">
+                <a:solidFill>
+                  <a:schemeClr val="bg1"/>
+                </a:solidFill>
+              </a:rPr>
+              <a:t>only</a:t>
+            </a:r>
+            <a:r>
+              <a:rPr lang="cs-CZ" sz="1800" dirty="0">
+                <a:solidFill>
+                  <a:schemeClr val="bg1"/>
+                </a:solidFill>
+              </a:rPr>
+              <a:t> via checkbox</a:t>
+            </a:r>
+          </a:p>
+          <a:p>
+            <a:pPr lvl="1"/>
+            <a:r>
+              <a:rPr lang="cs-CZ" sz="1800" dirty="0">
+                <a:solidFill>
+                  <a:schemeClr val="bg1"/>
+                </a:solidFill>
+              </a:rPr>
+              <a:t>Support </a:t>
+            </a:r>
+            <a:r>
+              <a:rPr lang="en-US" sz="1800" dirty="0">
+                <a:solidFill>
+                  <a:schemeClr val="bg1"/>
+                </a:solidFill>
+              </a:rPr>
+              <a:t>only specific option format</a:t>
+            </a:r>
+            <a:endParaRPr lang="cs-CZ" sz="1800" dirty="0">
+              <a:solidFill>
+                <a:schemeClr val="bg1"/>
+              </a:solidFill>
+            </a:endParaRPr>
+          </a:p>
+          <a:p>
+            <a:pPr lvl="2"/>
+            <a:r>
+              <a:rPr lang="en-US" sz="1400" dirty="0">
+                <a:solidFill>
+                  <a:schemeClr val="bg1"/>
+                </a:solidFill>
+              </a:rPr>
+              <a:t>{ label: ‘node1’, children: [ { label: ‘node1-0’, children: []}, …]}</a:t>
+            </a:r>
+          </a:p>
+          <a:p>
+            <a:pPr marL="0" indent="0">
+              <a:buNone/>
+            </a:pPr>
+            <a:r>
+              <a:rPr lang="en-US" sz="1800" dirty="0">
+                <a:solidFill>
+                  <a:schemeClr val="bg1"/>
+                </a:solidFill>
+              </a:rPr>
+              <a:t>http://react-component.github.io/tree/</a:t>
+            </a:r>
+          </a:p>
+          <a:p>
+            <a:endParaRPr lang="en-US" sz="1800" dirty="0">
+              <a:solidFill>
+                <a:schemeClr val="bg1"/>
+              </a:solidFill>
+            </a:endParaRPr>
+          </a:p>
+        </p:txBody>
+      </p:sp>
+    </p:spTree>
+    <p:extLst>
+      <p:ext uri="{BB962C8B-B14F-4D97-AF65-F5344CB8AC3E}">
+        <p14:creationId xmlns:p14="http://schemas.microsoft.com/office/powerpoint/2010/main" val="4055687960"/>
+      </p:ext>
+    </p:extLst>
+  </p:cSld>
+  <p:clrMapOvr>
+    <a:overrideClrMapping bg1="lt1" tx1="dk1" bg2="lt2" tx2="dk2" accent1="accent1" accent2="accent2" accent3="accent3" accent4="accent4" accent5="accent5" accent6="accent6" hlink="hlink" folHlink="folHlink"/>
+  </p:clrMapOvr>
+</p:sld>
+</file>
+
+<file path=ppt/slides/slide14.xml><?xml version="1.0" encoding="utf-8"?>
+<p:sld xmlns:a="http://schemas.openxmlformats.org/drawingml/2006/main" xmlns:r="http://schemas.openxmlformats.org/officeDocument/2006/relationships" xmlns:p="http://schemas.openxmlformats.org/presentationml/2006/main">
+  <p:cSld>
+    <p:bg>
+      <p:bgPr>
+        <a:solidFill>
+          <a:schemeClr val="bg1"/>
+        </a:solidFill>
+        <a:effectLst/>
+      </p:bgPr>
+    </p:bg>
+    <p:spTree>
+      <p:nvGrpSpPr>
+        <p:cNvPr id="1" name=""/>
+        <p:cNvGrpSpPr/>
+        <p:nvPr/>
+      </p:nvGrpSpPr>
+      <p:grpSpPr>
+        <a:xfrm>
+          <a:off x="0" y="0"/>
+          <a:ext cx="0" cy="0"/>
+          <a:chOff x="0" y="0"/>
+          <a:chExt cx="0" cy="0"/>
+        </a:xfrm>
+      </p:grpSpPr>
+      <p:sp>
+        <p:nvSpPr>
+          <p:cNvPr id="62" name="Freeform: Shape 61">
+            <a:extLst>
+              <a:ext uri="{FF2B5EF4-FFF2-40B4-BE49-F238E27FC236}">
+                <a16:creationId xmlns:a16="http://schemas.microsoft.com/office/drawing/2014/main" id="{E862BE82-D00D-42C1-BF16-93AA37870C32}"/>
+              </a:ext>
+            </a:extLst>
+          </p:cNvPr>
+          <p:cNvSpPr>
+            <a:spLocks noGrp="1" noRot="1" noChangeAspect="1" noMove="1" noResize="1" noEditPoints="1" noAdjustHandles="1" noChangeArrowheads="1" noChangeShapeType="1" noTextEdit="1"/>
+          </p:cNvSpPr>
+          <p:nvPr>
+            <p:extLst>
+              <p:ext uri="{386F3935-93C4-4BCD-93E2-E3B085C9AB24}">
+                <p16:designElem xmlns:p16="http://schemas.microsoft.com/office/powerpoint/2015/main" val="1"/>
+              </p:ext>
+            </p:extLst>
+          </p:nvPr>
+        </p:nvSpPr>
+        <p:spPr>
+          <a:xfrm>
+            <a:off x="0" y="-2008"/>
+            <a:ext cx="5609220" cy="5840278"/>
+          </a:xfrm>
+          <a:custGeom>
+            <a:avLst/>
+            <a:gdLst>
+              <a:gd name="connsiteX0" fmla="*/ 0 w 5609220"/>
+              <a:gd name="connsiteY0" fmla="*/ 0 h 5840278"/>
+              <a:gd name="connsiteX1" fmla="*/ 4637091 w 5609220"/>
+              <a:gd name="connsiteY1" fmla="*/ 0 h 5840278"/>
+              <a:gd name="connsiteX2" fmla="*/ 4822569 w 5609220"/>
+              <a:gd name="connsiteY2" fmla="*/ 204077 h 5840278"/>
+              <a:gd name="connsiteX3" fmla="*/ 5609220 w 5609220"/>
+              <a:gd name="connsiteY3" fmla="*/ 2395363 h 5840278"/>
+              <a:gd name="connsiteX4" fmla="*/ 2164305 w 5609220"/>
+              <a:gd name="connsiteY4" fmla="*/ 5840278 h 5840278"/>
+              <a:gd name="connsiteX5" fmla="*/ 238220 w 5609220"/>
+              <a:gd name="connsiteY5" fmla="*/ 5251941 h 5840278"/>
+              <a:gd name="connsiteX6" fmla="*/ 0 w 5609220"/>
+              <a:gd name="connsiteY6" fmla="*/ 5073803 h 5840278"/>
+            </a:gdLst>
+            <a:ahLst/>
+            <a:cxnLst>
+              <a:cxn ang="0">
+                <a:pos x="connsiteX0" y="connsiteY0"/>
+              </a:cxn>
+              <a:cxn ang="0">
+                <a:pos x="connsiteX1" y="connsiteY1"/>
+              </a:cxn>
+              <a:cxn ang="0">
+                <a:pos x="connsiteX2" y="connsiteY2"/>
+              </a:cxn>
+              <a:cxn ang="0">
+                <a:pos x="connsiteX3" y="connsiteY3"/>
+              </a:cxn>
+              <a:cxn ang="0">
+                <a:pos x="connsiteX4" y="connsiteY4"/>
+              </a:cxn>
+              <a:cxn ang="0">
+                <a:pos x="connsiteX5" y="connsiteY5"/>
+              </a:cxn>
+              <a:cxn ang="0">
+                <a:pos x="connsiteX6" y="connsiteY6"/>
+              </a:cxn>
+            </a:cxnLst>
+            <a:rect l="l" t="t" r="r" b="b"/>
+            <a:pathLst>
+              <a:path w="5609220" h="5840278">
+                <a:moveTo>
+                  <a:pt x="0" y="0"/>
+                </a:moveTo>
+                <a:lnTo>
+                  <a:pt x="4637091" y="0"/>
+                </a:lnTo>
+                <a:lnTo>
+                  <a:pt x="4822569" y="204077"/>
+                </a:lnTo>
+                <a:cubicBezTo>
+                  <a:pt x="5314007" y="799562"/>
+                  <a:pt x="5609220" y="1562987"/>
+                  <a:pt x="5609220" y="2395363"/>
+                </a:cubicBezTo>
+                <a:cubicBezTo>
+                  <a:pt x="5609220" y="4297937"/>
+                  <a:pt x="4066879" y="5840278"/>
+                  <a:pt x="2164305" y="5840278"/>
+                </a:cubicBezTo>
+                <a:cubicBezTo>
+                  <a:pt x="1450840" y="5840278"/>
+                  <a:pt x="788032" y="5623387"/>
+                  <a:pt x="238220" y="5251941"/>
+                </a:cubicBezTo>
+                <a:lnTo>
+                  <a:pt x="0" y="5073803"/>
+                </a:lnTo>
+                <a:close/>
+              </a:path>
+            </a:pathLst>
+          </a:custGeom>
+          <a:solidFill>
+            <a:schemeClr val="tx1">
+              <a:alpha val="50000"/>
+            </a:schemeClr>
+          </a:solidFill>
+          <a:ln>
+            <a:noFill/>
+          </a:ln>
+        </p:spPr>
+        <p:style>
+          <a:lnRef idx="2">
+            <a:schemeClr val="accent1">
+              <a:shade val="50000"/>
+            </a:schemeClr>
+          </a:lnRef>
+          <a:fillRef idx="1">
+            <a:schemeClr val="accent1"/>
+          </a:fillRef>
+          <a:effectRef idx="0">
+            <a:schemeClr val="accent1"/>
+          </a:effectRef>
+          <a:fontRef idx="minor">
+            <a:schemeClr val="lt1"/>
+          </a:fontRef>
+        </p:style>
+        <p:txBody>
+          <a:bodyPr rtlCol="0" anchor="ctr"/>
+          <a:lstStyle/>
+          <a:p>
+            <a:pPr marL="0" marR="0" lvl="0" indent="0" algn="ctr" defTabSz="914400" rtl="0" eaLnBrk="1" fontAlgn="auto" latinLnBrk="0" hangingPunct="1">
+              <a:lnSpc>
+                <a:spcPct val="100000"/>
+              </a:lnSpc>
+              <a:spcBef>
+                <a:spcPts val="0"/>
+              </a:spcBef>
+              <a:spcAft>
+                <a:spcPts val="0"/>
+              </a:spcAft>
+              <a:buClrTx/>
+              <a:buSzTx/>
+              <a:buFontTx/>
+              <a:buNone/>
+              <a:tabLst/>
+              <a:defRPr/>
+            </a:pPr>
+            <a:endParaRPr kumimoji="0" lang="en-US" sz="1800" b="0" i="0" u="none" strike="noStrike" kern="1200" cap="none" spc="0" normalizeH="0" baseline="0" noProof="0">
+              <a:ln>
+                <a:noFill/>
+              </a:ln>
+              <a:solidFill>
+                <a:prstClr val="white"/>
+              </a:solidFill>
+              <a:effectLst/>
+              <a:uLnTx/>
+              <a:uFillTx/>
+              <a:latin typeface="Calibri" panose="020F0502020204030204"/>
+              <a:ea typeface="+mn-ea"/>
+              <a:cs typeface="+mn-cs"/>
+            </a:endParaRPr>
+          </a:p>
+        </p:txBody>
+      </p:sp>
+      <p:sp>
+        <p:nvSpPr>
+          <p:cNvPr id="64" name="Freeform: Shape 63">
+            <a:extLst>
+              <a:ext uri="{FF2B5EF4-FFF2-40B4-BE49-F238E27FC236}">
+                <a16:creationId xmlns:a16="http://schemas.microsoft.com/office/drawing/2014/main" id="{F6D92C2D-1D3D-4974-918C-06579FB354A9}"/>
+              </a:ext>
+            </a:extLst>
+          </p:cNvPr>
+          <p:cNvSpPr>
+            <a:spLocks noGrp="1" noRot="1" noChangeAspect="1" noMove="1" noResize="1" noEditPoints="1" noAdjustHandles="1" noChangeArrowheads="1" noChangeShapeType="1" noTextEdit="1"/>
+          </p:cNvSpPr>
+          <p:nvPr>
+            <p:extLst>
+              <p:ext uri="{386F3935-93C4-4BCD-93E2-E3B085C9AB24}">
+                <p16:designElem xmlns:p16="http://schemas.microsoft.com/office/powerpoint/2015/main" val="1"/>
+              </p:ext>
+            </p:extLst>
+          </p:nvPr>
+        </p:nvSpPr>
+        <p:spPr>
+          <a:xfrm>
+            <a:off x="-2333" y="-2"/>
+            <a:ext cx="5441859" cy="5654940"/>
+          </a:xfrm>
+          <a:custGeom>
+            <a:avLst/>
+            <a:gdLst>
+              <a:gd name="connsiteX0" fmla="*/ 0 w 5441859"/>
+              <a:gd name="connsiteY0" fmla="*/ 0 h 5654940"/>
+              <a:gd name="connsiteX1" fmla="*/ 4400492 w 5441859"/>
+              <a:gd name="connsiteY1" fmla="*/ 0 h 5654940"/>
+              <a:gd name="connsiteX2" fmla="*/ 4484767 w 5441859"/>
+              <a:gd name="connsiteY2" fmla="*/ 76595 h 5654940"/>
+              <a:gd name="connsiteX3" fmla="*/ 5441859 w 5441859"/>
+              <a:gd name="connsiteY3" fmla="*/ 2387221 h 5654940"/>
+              <a:gd name="connsiteX4" fmla="*/ 2174140 w 5441859"/>
+              <a:gd name="connsiteY4" fmla="*/ 5654940 h 5654940"/>
+              <a:gd name="connsiteX5" fmla="*/ 156693 w 5441859"/>
+              <a:gd name="connsiteY5" fmla="*/ 4957981 h 5654940"/>
+              <a:gd name="connsiteX6" fmla="*/ 0 w 5441859"/>
+              <a:gd name="connsiteY6" fmla="*/ 4820612 h 5654940"/>
+            </a:gdLst>
+            <a:ahLst/>
+            <a:cxnLst>
+              <a:cxn ang="0">
+                <a:pos x="connsiteX0" y="connsiteY0"/>
+              </a:cxn>
+              <a:cxn ang="0">
+                <a:pos x="connsiteX1" y="connsiteY1"/>
+              </a:cxn>
+              <a:cxn ang="0">
+                <a:pos x="connsiteX2" y="connsiteY2"/>
+              </a:cxn>
+              <a:cxn ang="0">
+                <a:pos x="connsiteX3" y="connsiteY3"/>
+              </a:cxn>
+              <a:cxn ang="0">
+                <a:pos x="connsiteX4" y="connsiteY4"/>
+              </a:cxn>
+              <a:cxn ang="0">
+                <a:pos x="connsiteX5" y="connsiteY5"/>
+              </a:cxn>
+              <a:cxn ang="0">
+                <a:pos x="connsiteX6" y="connsiteY6"/>
+              </a:cxn>
+            </a:cxnLst>
+            <a:rect l="l" t="t" r="r" b="b"/>
+            <a:pathLst>
+              <a:path w="5441859" h="5654940">
+                <a:moveTo>
+                  <a:pt x="0" y="0"/>
+                </a:moveTo>
+                <a:lnTo>
+                  <a:pt x="4400492" y="0"/>
+                </a:lnTo>
+                <a:lnTo>
+                  <a:pt x="4484767" y="76595"/>
+                </a:lnTo>
+                <a:cubicBezTo>
+                  <a:pt x="5076108" y="667936"/>
+                  <a:pt x="5441859" y="1484866"/>
+                  <a:pt x="5441859" y="2387221"/>
+                </a:cubicBezTo>
+                <a:cubicBezTo>
+                  <a:pt x="5441859" y="4191932"/>
+                  <a:pt x="3978851" y="5654940"/>
+                  <a:pt x="2174140" y="5654940"/>
+                </a:cubicBezTo>
+                <a:cubicBezTo>
+                  <a:pt x="1412778" y="5654940"/>
+                  <a:pt x="712231" y="5394557"/>
+                  <a:pt x="156693" y="4957981"/>
+                </a:cubicBezTo>
+                <a:lnTo>
+                  <a:pt x="0" y="4820612"/>
+                </a:lnTo>
+                <a:close/>
+              </a:path>
+            </a:pathLst>
+          </a:custGeom>
+          <a:solidFill>
+            <a:schemeClr val="tx1">
+              <a:lumMod val="75000"/>
+              <a:lumOff val="25000"/>
+            </a:schemeClr>
+          </a:solidFill>
+          <a:ln>
+            <a:noFill/>
+          </a:ln>
+        </p:spPr>
+        <p:style>
+          <a:lnRef idx="2">
+            <a:schemeClr val="accent1">
+              <a:shade val="50000"/>
+            </a:schemeClr>
+          </a:lnRef>
+          <a:fillRef idx="1">
+            <a:schemeClr val="accent1"/>
+          </a:fillRef>
+          <a:effectRef idx="0">
+            <a:schemeClr val="accent1"/>
+          </a:effectRef>
+          <a:fontRef idx="minor">
+            <a:schemeClr val="lt1"/>
+          </a:fontRef>
+        </p:style>
+        <p:txBody>
+          <a:bodyPr rtlCol="0" anchor="ctr"/>
+          <a:lstStyle/>
+          <a:p>
+            <a:pPr marL="0" marR="0" lvl="0" indent="0" algn="ctr" defTabSz="914400" rtl="0" eaLnBrk="1" fontAlgn="auto" latinLnBrk="0" hangingPunct="1">
+              <a:lnSpc>
+                <a:spcPct val="100000"/>
+              </a:lnSpc>
+              <a:spcBef>
+                <a:spcPts val="0"/>
+              </a:spcBef>
+              <a:spcAft>
+                <a:spcPts val="0"/>
+              </a:spcAft>
+              <a:buClrTx/>
+              <a:buSzTx/>
+              <a:buFontTx/>
+              <a:buNone/>
+              <a:tabLst/>
+              <a:defRPr/>
+            </a:pPr>
+            <a:endParaRPr kumimoji="0" lang="en-US" sz="1800" b="0" i="0" u="none" strike="noStrike" kern="1200" cap="none" spc="0" normalizeH="0" baseline="0" noProof="0">
+              <a:ln>
+                <a:noFill/>
+              </a:ln>
+              <a:solidFill>
+                <a:prstClr val="white"/>
+              </a:solidFill>
+              <a:effectLst/>
+              <a:uLnTx/>
+              <a:uFillTx/>
+              <a:latin typeface="Calibri" panose="020F0502020204030204"/>
+              <a:ea typeface="+mn-ea"/>
+              <a:cs typeface="+mn-cs"/>
+            </a:endParaRPr>
+          </a:p>
+        </p:txBody>
+      </p:sp>
+      <p:pic>
+        <p:nvPicPr>
+          <p:cNvPr id="6" name="Zástupný symbol pro obsah 5">
+            <a:extLst>
+              <a:ext uri="{FF2B5EF4-FFF2-40B4-BE49-F238E27FC236}">
+                <a16:creationId xmlns:a16="http://schemas.microsoft.com/office/drawing/2014/main" id="{B243D253-C2F1-4EC3-8190-12F321560E32}"/>
+              </a:ext>
+            </a:extLst>
+          </p:cNvPr>
+          <p:cNvPicPr>
+            <a:picLocks noGrp="1" noChangeAspect="1"/>
+          </p:cNvPicPr>
+          <p:nvPr>
+            <p:ph sz="half" idx="2"/>
+          </p:nvPr>
+        </p:nvPicPr>
+        <p:blipFill>
+          <a:blip r:embed="rId3">
+            <a:extLst>
+              <a:ext uri="{28A0092B-C50C-407E-A947-70E740481C1C}">
+                <a14:useLocalDpi xmlns:a14="http://schemas.microsoft.com/office/drawing/2010/main" val="0"/>
+              </a:ext>
+            </a:extLst>
+          </a:blip>
+          <a:stretch>
+            <a:fillRect/>
+          </a:stretch>
+        </p:blipFill>
+        <p:spPr>
+          <a:xfrm>
+            <a:off x="6038101" y="1298379"/>
+            <a:ext cx="5510771" cy="3968315"/>
+          </a:xfrm>
+          <a:prstGeom prst="rect">
+            <a:avLst/>
+          </a:prstGeom>
+        </p:spPr>
+      </p:pic>
+      <p:sp>
+        <p:nvSpPr>
+          <p:cNvPr id="3" name="Nadpis 2">
+            <a:extLst>
+              <a:ext uri="{FF2B5EF4-FFF2-40B4-BE49-F238E27FC236}">
+                <a16:creationId xmlns:a16="http://schemas.microsoft.com/office/drawing/2014/main" id="{6882CBB1-0524-4C1B-8502-5DE15168493E}"/>
+              </a:ext>
+            </a:extLst>
+          </p:cNvPr>
+          <p:cNvSpPr>
+            <a:spLocks noGrp="1"/>
+          </p:cNvSpPr>
+          <p:nvPr>
+            <p:ph type="title"/>
+          </p:nvPr>
+        </p:nvSpPr>
+        <p:spPr>
+          <a:xfrm>
+            <a:off x="750242" y="632990"/>
+            <a:ext cx="4062643" cy="1043409"/>
+          </a:xfrm>
+        </p:spPr>
+        <p:txBody>
+          <a:bodyPr vert="horz" lIns="91440" tIns="45720" rIns="91440" bIns="45720" rtlCol="0" anchor="ctr">
+            <a:normAutofit/>
+          </a:bodyPr>
+          <a:lstStyle/>
+          <a:p>
+            <a:r>
+              <a:rPr lang="en-US" sz="3300" kern="1200">
+                <a:solidFill>
+                  <a:schemeClr val="bg1"/>
+                </a:solidFill>
+                <a:latin typeface="+mj-lt"/>
+                <a:ea typeface="+mj-ea"/>
+                <a:cs typeface="+mj-cs"/>
+              </a:rPr>
+              <a:t>Ant.design tree-select</a:t>
+            </a:r>
+          </a:p>
+        </p:txBody>
+      </p:sp>
+      <p:sp>
+        <p:nvSpPr>
+          <p:cNvPr id="8" name="Zástupný symbol pro obsah 3">
+            <a:extLst>
+              <a:ext uri="{FF2B5EF4-FFF2-40B4-BE49-F238E27FC236}">
+                <a16:creationId xmlns:a16="http://schemas.microsoft.com/office/drawing/2014/main" id="{3B7855B4-D287-46EA-8681-29193054D514}"/>
+              </a:ext>
+            </a:extLst>
+          </p:cNvPr>
+          <p:cNvSpPr txBox="1">
+            <a:spLocks/>
+          </p:cNvSpPr>
+          <p:nvPr/>
+        </p:nvSpPr>
+        <p:spPr>
+          <a:xfrm>
+            <a:off x="518474" y="1774372"/>
+            <a:ext cx="4064409" cy="2754086"/>
+          </a:xfrm>
+          <a:prstGeom prst="rect">
+            <a:avLst/>
+          </a:prstGeom>
+        </p:spPr>
+        <p:txBody>
+          <a:bodyPr vert="horz" lIns="91440" tIns="45720" rIns="91440" bIns="45720" rtlCol="0" anchor="t">
+            <a:normAutofit/>
+          </a:bodyPr>
+          <a:lstStyle>
+            <a:lvl1pPr marL="228600" indent="-228600" algn="l" defTabSz="914400" rtl="0" eaLnBrk="1" latinLnBrk="0" hangingPunct="1">
+              <a:lnSpc>
+                <a:spcPct val="90000"/>
+              </a:lnSpc>
+              <a:spcBef>
+                <a:spcPts val="1000"/>
+              </a:spcBef>
+              <a:buFont typeface="Arial" panose="020B0604020202020204" pitchFamily="34" charset="0"/>
+              <a:buChar char="•"/>
+              <a:defRPr sz="2800" kern="1200">
+                <a:solidFill>
+                  <a:schemeClr val="tx1"/>
+                </a:solidFill>
+                <a:latin typeface="+mn-lt"/>
+                <a:ea typeface="+mn-ea"/>
+                <a:cs typeface="+mn-cs"/>
+              </a:defRPr>
+            </a:lvl1pPr>
+            <a:lvl2pPr marL="685800" indent="-228600" algn="l" defTabSz="914400" rtl="0" eaLnBrk="1" latinLnBrk="0" hangingPunct="1">
+              <a:lnSpc>
+                <a:spcPct val="90000"/>
+              </a:lnSpc>
+              <a:spcBef>
+                <a:spcPts val="500"/>
+              </a:spcBef>
+              <a:buFont typeface="Arial" panose="020B0604020202020204" pitchFamily="34" charset="0"/>
+              <a:buChar char="•"/>
+              <a:defRPr sz="2400" kern="1200">
+                <a:solidFill>
+                  <a:schemeClr val="tx1"/>
+                </a:solidFill>
+                <a:latin typeface="+mn-lt"/>
+                <a:ea typeface="+mn-ea"/>
+                <a:cs typeface="+mn-cs"/>
+              </a:defRPr>
+            </a:lvl2pPr>
+            <a:lvl3pPr marL="1143000" indent="-228600" algn="l" defTabSz="914400" rtl="0" eaLnBrk="1" latinLnBrk="0" hangingPunct="1">
+              <a:lnSpc>
+                <a:spcPct val="90000"/>
+              </a:lnSpc>
+              <a:spcBef>
+                <a:spcPts val="500"/>
+              </a:spcBef>
+              <a:buFont typeface="Arial" panose="020B0604020202020204" pitchFamily="34" charset="0"/>
+              <a:buChar char="•"/>
+              <a:defRPr sz="2000" kern="1200">
+                <a:solidFill>
+                  <a:schemeClr val="tx1"/>
+                </a:solidFill>
+                <a:latin typeface="+mn-lt"/>
+                <a:ea typeface="+mn-ea"/>
+                <a:cs typeface="+mn-cs"/>
+              </a:defRPr>
+            </a:lvl3pPr>
+            <a:lvl4pPr marL="1600200" indent="-228600" algn="l" defTabSz="914400" rtl="0" eaLnBrk="1" latinLnBrk="0" hangingPunct="1">
+              <a:lnSpc>
+                <a:spcPct val="90000"/>
+              </a:lnSpc>
+              <a:spcBef>
+                <a:spcPts val="500"/>
+              </a:spcBef>
+              <a:buFont typeface="Arial" panose="020B0604020202020204" pitchFamily="34" charset="0"/>
+              <a:buChar char="•"/>
+              <a:defRPr sz="1800" kern="1200">
+                <a:solidFill>
+                  <a:schemeClr val="tx1"/>
+                </a:solidFill>
+                <a:latin typeface="+mn-lt"/>
+                <a:ea typeface="+mn-ea"/>
+                <a:cs typeface="+mn-cs"/>
+              </a:defRPr>
+            </a:lvl4pPr>
+            <a:lvl5pPr marL="2057400" indent="-228600" algn="l" defTabSz="914400" rtl="0" eaLnBrk="1" latinLnBrk="0" hangingPunct="1">
+              <a:lnSpc>
+                <a:spcPct val="90000"/>
+              </a:lnSpc>
+              <a:spcBef>
+                <a:spcPts val="500"/>
+              </a:spcBef>
+              <a:buFont typeface="Arial" panose="020B0604020202020204" pitchFamily="34" charset="0"/>
+              <a:buChar char="•"/>
+              <a:defRPr sz="1800" kern="1200">
+                <a:solidFill>
+                  <a:schemeClr val="tx1"/>
+                </a:solidFill>
+                <a:latin typeface="+mn-lt"/>
+                <a:ea typeface="+mn-ea"/>
+                <a:cs typeface="+mn-cs"/>
+              </a:defRPr>
+            </a:lvl5pPr>
+            <a:lvl6pPr marL="2514600" indent="-228600" algn="l" defTabSz="914400" rtl="0" eaLnBrk="1" latinLnBrk="0" hangingPunct="1">
+              <a:lnSpc>
+                <a:spcPct val="90000"/>
+              </a:lnSpc>
+              <a:spcBef>
+                <a:spcPts val="500"/>
+              </a:spcBef>
+              <a:buFont typeface="Arial" panose="020B0604020202020204" pitchFamily="34" charset="0"/>
+              <a:buChar char="•"/>
+              <a:defRPr sz="1800" kern="1200">
+                <a:solidFill>
+                  <a:schemeClr val="tx1"/>
+                </a:solidFill>
+                <a:latin typeface="+mn-lt"/>
+                <a:ea typeface="+mn-ea"/>
+                <a:cs typeface="+mn-cs"/>
+              </a:defRPr>
+            </a:lvl6pPr>
+            <a:lvl7pPr marL="2971800" indent="-228600" algn="l" defTabSz="914400" rtl="0" eaLnBrk="1" latinLnBrk="0" hangingPunct="1">
+              <a:lnSpc>
+                <a:spcPct val="90000"/>
+              </a:lnSpc>
+              <a:spcBef>
+                <a:spcPts val="500"/>
+              </a:spcBef>
+              <a:buFont typeface="Arial" panose="020B0604020202020204" pitchFamily="34" charset="0"/>
+              <a:buChar char="•"/>
+              <a:defRPr sz="1800" kern="1200">
+                <a:solidFill>
+                  <a:schemeClr val="tx1"/>
+                </a:solidFill>
+                <a:latin typeface="+mn-lt"/>
+                <a:ea typeface="+mn-ea"/>
+                <a:cs typeface="+mn-cs"/>
+              </a:defRPr>
+            </a:lvl7pPr>
+            <a:lvl8pPr marL="3429000" indent="-228600" algn="l" defTabSz="914400" rtl="0" eaLnBrk="1" latinLnBrk="0" hangingPunct="1">
+              <a:lnSpc>
+                <a:spcPct val="90000"/>
+              </a:lnSpc>
+              <a:spcBef>
+                <a:spcPts val="500"/>
+              </a:spcBef>
+              <a:buFont typeface="Arial" panose="020B0604020202020204" pitchFamily="34" charset="0"/>
+              <a:buChar char="•"/>
+              <a:defRPr sz="1800" kern="1200">
+                <a:solidFill>
+                  <a:schemeClr val="tx1"/>
+                </a:solidFill>
+                <a:latin typeface="+mn-lt"/>
+                <a:ea typeface="+mn-ea"/>
+                <a:cs typeface="+mn-cs"/>
+              </a:defRPr>
+            </a:lvl8pPr>
+            <a:lvl9pPr marL="3886200" indent="-228600" algn="l" defTabSz="914400" rtl="0" eaLnBrk="1" latinLnBrk="0" hangingPunct="1">
+              <a:lnSpc>
+                <a:spcPct val="90000"/>
+              </a:lnSpc>
+              <a:spcBef>
+                <a:spcPts val="500"/>
+              </a:spcBef>
+              <a:buFont typeface="Arial" panose="020B0604020202020204" pitchFamily="34" charset="0"/>
+              <a:buChar char="•"/>
+              <a:defRPr sz="1800" kern="1200">
+                <a:solidFill>
+                  <a:schemeClr val="tx1"/>
+                </a:solidFill>
+                <a:latin typeface="+mn-lt"/>
+                <a:ea typeface="+mn-ea"/>
+                <a:cs typeface="+mn-cs"/>
+              </a:defRPr>
+            </a:lvl9pPr>
+          </a:lstStyle>
+          <a:p>
+            <a:r>
+              <a:rPr lang="en-US" sz="1500" dirty="0">
+                <a:solidFill>
+                  <a:schemeClr val="bg1"/>
+                </a:solidFill>
+              </a:rPr>
+              <a:t>Pros</a:t>
+            </a:r>
+          </a:p>
+          <a:p>
+            <a:pPr lvl="1"/>
+            <a:r>
+              <a:rPr lang="en-US" sz="1500" dirty="0">
+                <a:solidFill>
+                  <a:schemeClr val="bg1"/>
+                </a:solidFill>
+              </a:rPr>
+              <a:t>Modern design</a:t>
+            </a:r>
+          </a:p>
+          <a:p>
+            <a:r>
+              <a:rPr lang="en-US" sz="1500" dirty="0">
+                <a:solidFill>
+                  <a:schemeClr val="bg1"/>
+                </a:solidFill>
+              </a:rPr>
+              <a:t>Cons</a:t>
+            </a:r>
+          </a:p>
+          <a:p>
+            <a:pPr lvl="1"/>
+            <a:r>
+              <a:rPr lang="en-US" sz="1500" dirty="0">
+                <a:solidFill>
+                  <a:schemeClr val="bg1"/>
+                </a:solidFill>
+              </a:rPr>
+              <a:t>Each option</a:t>
+            </a:r>
+            <a:r>
+              <a:rPr lang="cs-CZ" sz="1500" dirty="0">
+                <a:solidFill>
+                  <a:schemeClr val="bg1"/>
+                </a:solidFill>
+              </a:rPr>
+              <a:t> </a:t>
+            </a:r>
+            <a:r>
+              <a:rPr lang="en-US" sz="1500" dirty="0">
+                <a:solidFill>
+                  <a:schemeClr val="bg1"/>
+                </a:solidFill>
+              </a:rPr>
+              <a:t>take</a:t>
+            </a:r>
+            <a:r>
+              <a:rPr lang="cs-CZ" sz="1500" dirty="0">
+                <a:solidFill>
+                  <a:schemeClr val="bg1"/>
+                </a:solidFill>
+              </a:rPr>
+              <a:t> </a:t>
+            </a:r>
+            <a:r>
+              <a:rPr lang="en-US" sz="1500" dirty="0">
+                <a:solidFill>
+                  <a:schemeClr val="bg1"/>
+                </a:solidFill>
+              </a:rPr>
+              <a:t>too</a:t>
+            </a:r>
+            <a:r>
+              <a:rPr lang="cs-CZ" sz="1500" dirty="0">
+                <a:solidFill>
+                  <a:schemeClr val="bg1"/>
+                </a:solidFill>
+              </a:rPr>
+              <a:t> much </a:t>
+            </a:r>
+            <a:r>
+              <a:rPr lang="en-US" sz="1500" dirty="0">
+                <a:solidFill>
+                  <a:schemeClr val="bg1"/>
+                </a:solidFill>
+              </a:rPr>
+              <a:t>space</a:t>
+            </a:r>
+          </a:p>
+          <a:p>
+            <a:pPr lvl="1"/>
+            <a:r>
+              <a:rPr lang="en-US" sz="1500" dirty="0">
+                <a:solidFill>
+                  <a:schemeClr val="bg1"/>
+                </a:solidFill>
+              </a:rPr>
+              <a:t>Unable to customize render method</a:t>
+            </a:r>
+          </a:p>
+          <a:p>
+            <a:pPr lvl="1"/>
+            <a:r>
+              <a:rPr lang="en-US" sz="1500" dirty="0">
+                <a:solidFill>
+                  <a:schemeClr val="bg1"/>
+                </a:solidFill>
+              </a:rPr>
+              <a:t>Render all options at once</a:t>
+            </a:r>
+          </a:p>
+          <a:p>
+            <a:pPr marL="0" indent="0">
+              <a:buNone/>
+            </a:pPr>
+            <a:r>
+              <a:rPr lang="en-US" sz="1500" dirty="0">
+                <a:solidFill>
+                  <a:schemeClr val="bg1"/>
+                </a:solidFill>
+              </a:rPr>
+              <a:t>https://ant.design/components/tree-select/</a:t>
+            </a:r>
+          </a:p>
+          <a:p>
+            <a:endParaRPr lang="en-US" sz="1500" dirty="0">
+              <a:solidFill>
+                <a:schemeClr val="bg1"/>
+              </a:solidFill>
+            </a:endParaRPr>
+          </a:p>
+        </p:txBody>
+      </p:sp>
+    </p:spTree>
+    <p:extLst>
+      <p:ext uri="{BB962C8B-B14F-4D97-AF65-F5344CB8AC3E}">
+        <p14:creationId xmlns:p14="http://schemas.microsoft.com/office/powerpoint/2010/main" val="4186131083"/>
+      </p:ext>
+    </p:extLst>
+  </p:cSld>
+  <p:clrMapOvr>
+    <a:overrideClrMapping bg1="lt1" tx1="dk1" bg2="lt2" tx2="dk2" accent1="accent1" accent2="accent2" accent3="accent3" accent4="accent4" accent5="accent5" accent6="accent6" hlink="hlink" folHlink="folHlink"/>
+  </p:clrMapOvr>
+</p:sld>
+</file>
+
+<file path=ppt/slides/slide15.xml><?xml version="1.0" encoding="utf-8"?>
 <p:sld xmlns:a="http://schemas.openxmlformats.org/drawingml/2006/main" xmlns:r="http://schemas.openxmlformats.org/officeDocument/2006/relationships" xmlns:p="http://schemas.openxmlformats.org/presentationml/2006/main">
   <p:cSld>
     <p:bg>
@@ -10841,7 +13968,7 @@
           <a:lstStyle/>
           <a:p>
             <a:pPr algn="ctr"/>
-            <a:endParaRPr lang="en-US"/>
+            <a:endParaRPr lang="en-US" dirty="0"/>
           </a:p>
         </p:txBody>
       </p:sp>
@@ -10917,7 +14044,7 @@
           <a:lstStyle/>
           <a:p>
             <a:r>
-              <a:rPr lang="en-US" sz="4800" kern="1200">
+              <a:rPr lang="en-US" sz="4800" kern="1200" dirty="0">
                 <a:solidFill>
                   <a:schemeClr val="bg1"/>
                 </a:solidFill>
@@ -10943,7 +14070,7 @@
 </p:sld>
 </file>
 
-<file path=ppt/slides/slide13.xml><?xml version="1.0" encoding="utf-8"?>
+<file path=ppt/slides/slide16.xml><?xml version="1.0" encoding="utf-8"?>
 <p:sld xmlns:a="http://schemas.openxmlformats.org/drawingml/2006/main" xmlns:r="http://schemas.openxmlformats.org/officeDocument/2006/relationships" xmlns:p="http://schemas.openxmlformats.org/presentationml/2006/main">
   <p:cSld>
     <p:bg>
@@ -11024,7 +14151,7 @@
           <a:lstStyle/>
           <a:p>
             <a:pPr algn="ctr"/>
-            <a:endParaRPr lang="en-US"/>
+            <a:endParaRPr lang="en-US" dirty="0"/>
           </a:p>
         </p:txBody>
       </p:sp>
@@ -11092,7 +14219,7 @@
           <a:lstStyle/>
           <a:p>
             <a:pPr algn="ctr"/>
-            <a:endParaRPr lang="en-US"/>
+            <a:endParaRPr lang="en-US" dirty="0"/>
           </a:p>
         </p:txBody>
       </p:sp>
@@ -11171,7 +14298,7 @@
           <a:p>
             <a:pPr algn="ctr"/>
             <a:r>
-              <a:rPr lang="en-US" sz="5800" kern="1200">
+              <a:rPr lang="en-US" sz="5800" kern="1200" dirty="0">
                 <a:solidFill>
                   <a:schemeClr val="tx1"/>
                 </a:solidFill>
@@ -11208,7 +14335,7 @@
           <a:p>
             <a:pPr algn="ctr"/>
             <a:r>
-              <a:rPr lang="en-US" kern="1200">
+              <a:rPr lang="en-US" kern="1200" dirty="0">
                 <a:solidFill>
                   <a:schemeClr val="accent1"/>
                 </a:solidFill>
@@ -11368,7 +14495,7 @@
         </p:spPr>
         <p:txBody>
           <a:bodyPr anchor="ctr">
-            <a:normAutofit/>
+            <a:normAutofit fontScale="92500" lnSpcReduction="20000"/>
           </a:bodyPr>
           <a:lstStyle/>
           <a:p>
@@ -11377,14 +14504,23 @@
               <a:buAutoNum type="arabicPeriod"/>
             </a:pPr>
             <a:r>
-              <a:rPr lang="cs-CZ" sz="2400" dirty="0"/>
-              <a:t>Introduction to the </a:t>
+              <a:rPr lang="en-US" sz="2400" dirty="0"/>
+              <a:t>Goal</a:t>
+            </a:r>
+          </a:p>
+          <a:p>
+            <a:pPr marL="514350" indent="-514350">
+              <a:buFont typeface="+mj-lt"/>
+              <a:buAutoNum type="arabicPeriod"/>
+            </a:pPr>
+            <a:r>
+              <a:rPr lang="en-US" sz="2400" dirty="0"/>
+              <a:t>Introduction</a:t>
             </a:r>
             <a:r>
-              <a:rPr lang="cs-CZ" sz="2400" dirty="0" smtClean="0"/>
-              <a:t>problem</a:t>
+              <a:rPr lang="cs-CZ" sz="2400" dirty="0"/>
+              <a:t> to the problem</a:t>
             </a:r>
-            <a:endParaRPr lang="cs-CZ" sz="2400" dirty="0"/>
           </a:p>
           <a:p>
             <a:pPr marL="514350" indent="-514350">
@@ -11453,11 +14589,25 @@
             </a:r>
             <a:r>
               <a:rPr lang="en-US" sz="2400" dirty="0"/>
-              <a:t>c</a:t>
+              <a:t>cons</a:t>
+            </a:r>
+          </a:p>
+          <a:p>
+            <a:pPr marL="514350" indent="-514350">
+              <a:buFont typeface="+mj-lt"/>
+              <a:buAutoNum type="arabicPeriod"/>
+            </a:pPr>
+            <a:r>
+              <a:rPr lang="en-US" sz="2400" dirty="0"/>
+              <a:t>Competitive</a:t>
             </a:r>
             <a:r>
               <a:rPr lang="cs-CZ" sz="2400" dirty="0"/>
-              <a:t>ons</a:t>
+              <a:t> </a:t>
+            </a:r>
+            <a:r>
+              <a:rPr lang="en-US" sz="2400" dirty="0"/>
+              <a:t>solutions</a:t>
             </a:r>
           </a:p>
           <a:p>
@@ -11558,13 +14708,13 @@
           <p:nvPr/>
         </p:nvPicPr>
         <p:blipFill>
-          <a:blip r:embed="rId2">
+          <a:blip r:embed="rId3">
             <a:extLst>
               <a:ext uri="{28A0092B-C50C-407E-A947-70E740481C1C}">
                 <a14:useLocalDpi xmlns:a14="http://schemas.microsoft.com/office/drawing/2010/main" val="0"/>
               </a:ext>
               <a:ext uri="{96DAC541-7B7A-43D3-8B79-37D633B846F1}">
-                <asvg:svgBlip xmlns:asvg="http://schemas.microsoft.com/office/drawing/2016/SVG/main" xmlns="" r:embed="rId3"/>
+                <asvg:svgBlip xmlns:asvg="http://schemas.microsoft.com/office/drawing/2016/SVG/main" r:embed="rId4"/>
               </a:ext>
             </a:extLst>
           </a:blip>
@@ -11620,6 +14770,497 @@
           <a:chExt cx="0" cy="0"/>
         </a:xfrm>
       </p:grpSpPr>
+      <p:sp>
+        <p:nvSpPr>
+          <p:cNvPr id="11" name="Freeform: Shape 10">
+            <a:extLst>
+              <a:ext uri="{FF2B5EF4-FFF2-40B4-BE49-F238E27FC236}">
+                <a16:creationId xmlns:a16="http://schemas.microsoft.com/office/drawing/2014/main" id="{41A48365-B48D-490D-A7DE-D85CC9AD2FD7}"/>
+              </a:ext>
+            </a:extLst>
+          </p:cNvPr>
+          <p:cNvSpPr>
+            <a:spLocks noGrp="1" noRot="1" noChangeAspect="1" noMove="1" noResize="1" noEditPoints="1" noAdjustHandles="1" noChangeArrowheads="1" noChangeShapeType="1" noTextEdit="1"/>
+          </p:cNvSpPr>
+          <p:nvPr>
+            <p:extLst>
+              <p:ext uri="{386F3935-93C4-4BCD-93E2-E3B085C9AB24}">
+                <p16:designElem xmlns:p16="http://schemas.microsoft.com/office/powerpoint/2015/main" val="1"/>
+              </p:ext>
+            </p:extLst>
+          </p:nvPr>
+        </p:nvSpPr>
+        <p:spPr>
+          <a:xfrm>
+            <a:off x="0" y="-2"/>
+            <a:ext cx="6693455" cy="1511306"/>
+          </a:xfrm>
+          <a:custGeom>
+            <a:avLst/>
+            <a:gdLst>
+              <a:gd name="connsiteX0" fmla="*/ 2147981 w 6693455"/>
+              <a:gd name="connsiteY0" fmla="*/ 0 h 1511306"/>
+              <a:gd name="connsiteX1" fmla="*/ 6693455 w 6693455"/>
+              <a:gd name="connsiteY1" fmla="*/ 0 h 1511306"/>
+              <a:gd name="connsiteX2" fmla="*/ 5995838 w 6693455"/>
+              <a:gd name="connsiteY2" fmla="*/ 1511301 h 1511306"/>
+              <a:gd name="connsiteX3" fmla="*/ 2147982 w 6693455"/>
+              <a:gd name="connsiteY3" fmla="*/ 1511301 h 1511306"/>
+              <a:gd name="connsiteX4" fmla="*/ 2147982 w 6693455"/>
+              <a:gd name="connsiteY4" fmla="*/ 1511304 h 1511306"/>
+              <a:gd name="connsiteX5" fmla="*/ 680261 w 6693455"/>
+              <a:gd name="connsiteY5" fmla="*/ 1511304 h 1511306"/>
+              <a:gd name="connsiteX6" fmla="*/ 680261 w 6693455"/>
+              <a:gd name="connsiteY6" fmla="*/ 1511306 h 1511306"/>
+              <a:gd name="connsiteX7" fmla="*/ 0 w 6693455"/>
+              <a:gd name="connsiteY7" fmla="*/ 1511306 h 1511306"/>
+              <a:gd name="connsiteX8" fmla="*/ 0 w 6693455"/>
+              <a:gd name="connsiteY8" fmla="*/ 2 h 1511306"/>
+              <a:gd name="connsiteX9" fmla="*/ 680261 w 6693455"/>
+              <a:gd name="connsiteY9" fmla="*/ 2 h 1511306"/>
+              <a:gd name="connsiteX10" fmla="*/ 680261 w 6693455"/>
+              <a:gd name="connsiteY10" fmla="*/ 2544 h 1511306"/>
+              <a:gd name="connsiteX11" fmla="*/ 2147981 w 6693455"/>
+              <a:gd name="connsiteY11" fmla="*/ 2544 h 1511306"/>
+            </a:gdLst>
+            <a:ahLst/>
+            <a:cxnLst>
+              <a:cxn ang="0">
+                <a:pos x="connsiteX0" y="connsiteY0"/>
+              </a:cxn>
+              <a:cxn ang="0">
+                <a:pos x="connsiteX1" y="connsiteY1"/>
+              </a:cxn>
+              <a:cxn ang="0">
+                <a:pos x="connsiteX2" y="connsiteY2"/>
+              </a:cxn>
+              <a:cxn ang="0">
+                <a:pos x="connsiteX3" y="connsiteY3"/>
+              </a:cxn>
+              <a:cxn ang="0">
+                <a:pos x="connsiteX4" y="connsiteY4"/>
+              </a:cxn>
+              <a:cxn ang="0">
+                <a:pos x="connsiteX5" y="connsiteY5"/>
+              </a:cxn>
+              <a:cxn ang="0">
+                <a:pos x="connsiteX6" y="connsiteY6"/>
+              </a:cxn>
+              <a:cxn ang="0">
+                <a:pos x="connsiteX7" y="connsiteY7"/>
+              </a:cxn>
+              <a:cxn ang="0">
+                <a:pos x="connsiteX8" y="connsiteY8"/>
+              </a:cxn>
+              <a:cxn ang="0">
+                <a:pos x="connsiteX9" y="connsiteY9"/>
+              </a:cxn>
+              <a:cxn ang="0">
+                <a:pos x="connsiteX10" y="connsiteY10"/>
+              </a:cxn>
+              <a:cxn ang="0">
+                <a:pos x="connsiteX11" y="connsiteY11"/>
+              </a:cxn>
+            </a:cxnLst>
+            <a:rect l="l" t="t" r="r" b="b"/>
+            <a:pathLst>
+              <a:path w="6693455" h="1511306">
+                <a:moveTo>
+                  <a:pt x="2147981" y="0"/>
+                </a:moveTo>
+                <a:lnTo>
+                  <a:pt x="6693455" y="0"/>
+                </a:lnTo>
+                <a:lnTo>
+                  <a:pt x="5995838" y="1511301"/>
+                </a:lnTo>
+                <a:lnTo>
+                  <a:pt x="2147982" y="1511301"/>
+                </a:lnTo>
+                <a:lnTo>
+                  <a:pt x="2147982" y="1511304"/>
+                </a:lnTo>
+                <a:lnTo>
+                  <a:pt x="680261" y="1511304"/>
+                </a:lnTo>
+                <a:lnTo>
+                  <a:pt x="680261" y="1511306"/>
+                </a:lnTo>
+                <a:lnTo>
+                  <a:pt x="0" y="1511306"/>
+                </a:lnTo>
+                <a:lnTo>
+                  <a:pt x="0" y="2"/>
+                </a:lnTo>
+                <a:lnTo>
+                  <a:pt x="680261" y="2"/>
+                </a:lnTo>
+                <a:lnTo>
+                  <a:pt x="680261" y="2544"/>
+                </a:lnTo>
+                <a:lnTo>
+                  <a:pt x="2147981" y="2544"/>
+                </a:lnTo>
+                <a:close/>
+              </a:path>
+            </a:pathLst>
+          </a:custGeom>
+          <a:solidFill>
+            <a:schemeClr val="bg2"/>
+          </a:solidFill>
+          <a:ln>
+            <a:noFill/>
+          </a:ln>
+        </p:spPr>
+        <p:style>
+          <a:lnRef idx="2">
+            <a:schemeClr val="accent1">
+              <a:shade val="50000"/>
+            </a:schemeClr>
+          </a:lnRef>
+          <a:fillRef idx="1">
+            <a:schemeClr val="accent1"/>
+          </a:fillRef>
+          <a:effectRef idx="0">
+            <a:schemeClr val="accent1"/>
+          </a:effectRef>
+          <a:fontRef idx="minor">
+            <a:schemeClr val="lt1"/>
+          </a:fontRef>
+        </p:style>
+        <p:txBody>
+          <a:bodyPr rtlCol="0" anchor="ctr"/>
+          <a:lstStyle/>
+          <a:p>
+            <a:pPr algn="ctr"/>
+            <a:endParaRPr lang="en-US"/>
+          </a:p>
+        </p:txBody>
+      </p:sp>
+      <p:sp>
+        <p:nvSpPr>
+          <p:cNvPr id="13" name="Freeform: Shape 12">
+            <a:extLst>
+              <a:ext uri="{FF2B5EF4-FFF2-40B4-BE49-F238E27FC236}">
+                <a16:creationId xmlns:a16="http://schemas.microsoft.com/office/drawing/2014/main" id="{521F05AC-2996-48A9-9B40-1A0FC53D769B}"/>
+              </a:ext>
+            </a:extLst>
+          </p:cNvPr>
+          <p:cNvSpPr>
+            <a:spLocks noGrp="1" noRot="1" noChangeAspect="1" noMove="1" noResize="1" noEditPoints="1" noAdjustHandles="1" noChangeArrowheads="1" noChangeShapeType="1" noTextEdit="1"/>
+          </p:cNvSpPr>
+          <p:nvPr>
+            <p:extLst>
+              <p:ext uri="{386F3935-93C4-4BCD-93E2-E3B085C9AB24}">
+                <p16:designElem xmlns:p16="http://schemas.microsoft.com/office/powerpoint/2015/main" val="1"/>
+              </p:ext>
+            </p:extLst>
+          </p:nvPr>
+        </p:nvSpPr>
+        <p:spPr>
+          <a:xfrm>
+            <a:off x="1" y="1691640"/>
+            <a:ext cx="5931454" cy="5166360"/>
+          </a:xfrm>
+          <a:custGeom>
+            <a:avLst/>
+            <a:gdLst>
+              <a:gd name="connsiteX0" fmla="*/ 0 w 5931454"/>
+              <a:gd name="connsiteY0" fmla="*/ 0 h 5166360"/>
+              <a:gd name="connsiteX1" fmla="*/ 5931454 w 5931454"/>
+              <a:gd name="connsiteY1" fmla="*/ 0 h 5166360"/>
+              <a:gd name="connsiteX2" fmla="*/ 3537575 w 5931454"/>
+              <a:gd name="connsiteY2" fmla="*/ 5166360 h 5166360"/>
+              <a:gd name="connsiteX3" fmla="*/ 0 w 5931454"/>
+              <a:gd name="connsiteY3" fmla="*/ 5166360 h 5166360"/>
+            </a:gdLst>
+            <a:ahLst/>
+            <a:cxnLst>
+              <a:cxn ang="0">
+                <a:pos x="connsiteX0" y="connsiteY0"/>
+              </a:cxn>
+              <a:cxn ang="0">
+                <a:pos x="connsiteX1" y="connsiteY1"/>
+              </a:cxn>
+              <a:cxn ang="0">
+                <a:pos x="connsiteX2" y="connsiteY2"/>
+              </a:cxn>
+              <a:cxn ang="0">
+                <a:pos x="connsiteX3" y="connsiteY3"/>
+              </a:cxn>
+            </a:cxnLst>
+            <a:rect l="l" t="t" r="r" b="b"/>
+            <a:pathLst>
+              <a:path w="5931454" h="5166360">
+                <a:moveTo>
+                  <a:pt x="0" y="0"/>
+                </a:moveTo>
+                <a:lnTo>
+                  <a:pt x="5931454" y="0"/>
+                </a:lnTo>
+                <a:lnTo>
+                  <a:pt x="3537575" y="5166360"/>
+                </a:lnTo>
+                <a:lnTo>
+                  <a:pt x="0" y="5166360"/>
+                </a:lnTo>
+                <a:close/>
+              </a:path>
+            </a:pathLst>
+          </a:custGeom>
+          <a:solidFill>
+            <a:schemeClr val="tx1">
+              <a:alpha val="85000"/>
+            </a:schemeClr>
+          </a:solidFill>
+          <a:ln>
+            <a:noFill/>
+          </a:ln>
+        </p:spPr>
+        <p:style>
+          <a:lnRef idx="2">
+            <a:schemeClr val="accent1">
+              <a:shade val="50000"/>
+            </a:schemeClr>
+          </a:lnRef>
+          <a:fillRef idx="1">
+            <a:schemeClr val="accent1"/>
+          </a:fillRef>
+          <a:effectRef idx="0">
+            <a:schemeClr val="accent1"/>
+          </a:effectRef>
+          <a:fontRef idx="minor">
+            <a:schemeClr val="lt1"/>
+          </a:fontRef>
+        </p:style>
+        <p:txBody>
+          <a:bodyPr wrap="square" rtlCol="0" anchor="ctr">
+            <a:noAutofit/>
+          </a:bodyPr>
+          <a:lstStyle/>
+          <a:p>
+            <a:pPr algn="ctr"/>
+            <a:endParaRPr lang="en-US"/>
+          </a:p>
+        </p:txBody>
+      </p:sp>
+      <p:pic>
+        <p:nvPicPr>
+          <p:cNvPr id="6" name="Zástupný symbol pro obsah 5">
+            <a:extLst>
+              <a:ext uri="{FF2B5EF4-FFF2-40B4-BE49-F238E27FC236}">
+                <a16:creationId xmlns:a16="http://schemas.microsoft.com/office/drawing/2014/main" id="{96462EAE-F8D7-4663-A196-C5A00AD304D9}"/>
+              </a:ext>
+            </a:extLst>
+          </p:cNvPr>
+          <p:cNvPicPr>
+            <a:picLocks noGrp="1" noChangeAspect="1"/>
+          </p:cNvPicPr>
+          <p:nvPr>
+            <p:ph sz="half" idx="2"/>
+          </p:nvPr>
+        </p:nvPicPr>
+        <p:blipFill>
+          <a:blip r:embed="rId3">
+            <a:extLst>
+              <a:ext uri="{28A0092B-C50C-407E-A947-70E740481C1C}">
+                <a14:useLocalDpi xmlns:a14="http://schemas.microsoft.com/office/drawing/2010/main" val="0"/>
+              </a:ext>
+            </a:extLst>
+          </a:blip>
+          <a:stretch>
+            <a:fillRect/>
+          </a:stretch>
+        </p:blipFill>
+        <p:spPr>
+          <a:xfrm>
+            <a:off x="6693455" y="1471947"/>
+            <a:ext cx="4533345" cy="4171280"/>
+          </a:xfrm>
+          <a:custGeom>
+            <a:avLst/>
+            <a:gdLst>
+              <a:gd name="connsiteX0" fmla="*/ 0 w 4636009"/>
+              <a:gd name="connsiteY0" fmla="*/ 0 h 5032375"/>
+              <a:gd name="connsiteX1" fmla="*/ 4636009 w 4636009"/>
+              <a:gd name="connsiteY1" fmla="*/ 0 h 5032375"/>
+              <a:gd name="connsiteX2" fmla="*/ 4636009 w 4636009"/>
+              <a:gd name="connsiteY2" fmla="*/ 5032375 h 5032375"/>
+              <a:gd name="connsiteX3" fmla="*/ 0 w 4636009"/>
+              <a:gd name="connsiteY3" fmla="*/ 5032375 h 5032375"/>
+            </a:gdLst>
+            <a:ahLst/>
+            <a:cxnLst>
+              <a:cxn ang="0">
+                <a:pos x="connsiteX0" y="connsiteY0"/>
+              </a:cxn>
+              <a:cxn ang="0">
+                <a:pos x="connsiteX1" y="connsiteY1"/>
+              </a:cxn>
+              <a:cxn ang="0">
+                <a:pos x="connsiteX2" y="connsiteY2"/>
+              </a:cxn>
+              <a:cxn ang="0">
+                <a:pos x="connsiteX3" y="connsiteY3"/>
+              </a:cxn>
+            </a:cxnLst>
+            <a:rect l="l" t="t" r="r" b="b"/>
+            <a:pathLst>
+              <a:path w="4636009" h="5032375">
+                <a:moveTo>
+                  <a:pt x="0" y="0"/>
+                </a:moveTo>
+                <a:lnTo>
+                  <a:pt x="4636009" y="0"/>
+                </a:lnTo>
+                <a:lnTo>
+                  <a:pt x="4636009" y="5032375"/>
+                </a:lnTo>
+                <a:lnTo>
+                  <a:pt x="0" y="5032375"/>
+                </a:lnTo>
+                <a:close/>
+              </a:path>
+            </a:pathLst>
+          </a:custGeom>
+        </p:spPr>
+      </p:pic>
+      <p:sp>
+        <p:nvSpPr>
+          <p:cNvPr id="2" name="Nadpis 1">
+            <a:extLst>
+              <a:ext uri="{FF2B5EF4-FFF2-40B4-BE49-F238E27FC236}">
+                <a16:creationId xmlns:a16="http://schemas.microsoft.com/office/drawing/2014/main" id="{413604BE-81AE-4089-8FE9-FA3F78F15511}"/>
+              </a:ext>
+            </a:extLst>
+          </p:cNvPr>
+          <p:cNvSpPr>
+            <a:spLocks noGrp="1"/>
+          </p:cNvSpPr>
+          <p:nvPr>
+            <p:ph type="title"/>
+          </p:nvPr>
+        </p:nvSpPr>
+        <p:spPr>
+          <a:xfrm>
+            <a:off x="838200" y="365126"/>
+            <a:ext cx="5340605" cy="1146176"/>
+          </a:xfrm>
+        </p:spPr>
+        <p:txBody>
+          <a:bodyPr vert="horz" lIns="91440" tIns="45720" rIns="91440" bIns="45720" rtlCol="0" anchor="ctr">
+            <a:normAutofit/>
+          </a:bodyPr>
+          <a:lstStyle/>
+          <a:p>
+            <a:r>
+              <a:rPr lang="en-US" kern="1200">
+                <a:solidFill>
+                  <a:schemeClr val="tx1"/>
+                </a:solidFill>
+                <a:latin typeface="+mj-lt"/>
+                <a:ea typeface="+mj-ea"/>
+                <a:cs typeface="+mj-cs"/>
+              </a:rPr>
+              <a:t>Goal</a:t>
+            </a:r>
+          </a:p>
+        </p:txBody>
+      </p:sp>
+      <p:sp>
+        <p:nvSpPr>
+          <p:cNvPr id="3" name="Zástupný symbol pro obsah 2">
+            <a:extLst>
+              <a:ext uri="{FF2B5EF4-FFF2-40B4-BE49-F238E27FC236}">
+                <a16:creationId xmlns:a16="http://schemas.microsoft.com/office/drawing/2014/main" id="{28CE9283-29AC-4108-8C87-CF637BCD54CD}"/>
+              </a:ext>
+            </a:extLst>
+          </p:cNvPr>
+          <p:cNvSpPr>
+            <a:spLocks noGrp="1"/>
+          </p:cNvSpPr>
+          <p:nvPr>
+            <p:ph sz="half" idx="1"/>
+          </p:nvPr>
+        </p:nvSpPr>
+        <p:spPr>
+          <a:xfrm>
+            <a:off x="838200" y="2173288"/>
+            <a:ext cx="3603171" cy="3639684"/>
+          </a:xfrm>
+        </p:spPr>
+        <p:txBody>
+          <a:bodyPr vert="horz" lIns="91440" tIns="45720" rIns="91440" bIns="45720" rtlCol="0" anchor="ctr">
+            <a:normAutofit/>
+          </a:bodyPr>
+          <a:lstStyle/>
+          <a:p>
+            <a:r>
+              <a:rPr lang="en-US" sz="2000" dirty="0">
+                <a:solidFill>
+                  <a:schemeClr val="bg1"/>
+                </a:solidFill>
+              </a:rPr>
+              <a:t>Create UI component for selecting/ multi-selecting options</a:t>
+            </a:r>
+          </a:p>
+          <a:p>
+            <a:r>
+              <a:rPr lang="en-US" sz="2000" dirty="0">
+                <a:solidFill>
+                  <a:schemeClr val="bg1"/>
+                </a:solidFill>
+              </a:rPr>
+              <a:t>UI component will be represented as input field with dropdown menu</a:t>
+            </a:r>
+          </a:p>
+          <a:p>
+            <a:endParaRPr lang="en-US" sz="2000" dirty="0">
+              <a:solidFill>
+                <a:schemeClr val="bg1"/>
+              </a:solidFill>
+            </a:endParaRPr>
+          </a:p>
+        </p:txBody>
+      </p:sp>
+    </p:spTree>
+    <p:extLst>
+      <p:ext uri="{BB962C8B-B14F-4D97-AF65-F5344CB8AC3E}">
+        <p14:creationId xmlns:p14="http://schemas.microsoft.com/office/powerpoint/2010/main" val="1629872126"/>
+      </p:ext>
+    </p:extLst>
+  </p:cSld>
+  <p:clrMapOvr>
+    <a:masterClrMapping/>
+  </p:clrMapOvr>
+</p:sld>
+</file>
+
+<file path=ppt/slides/slide4.xml><?xml version="1.0" encoding="utf-8"?>
+<p:sld xmlns:a="http://schemas.openxmlformats.org/drawingml/2006/main" xmlns:r="http://schemas.openxmlformats.org/officeDocument/2006/relationships" xmlns:p="http://schemas.openxmlformats.org/presentationml/2006/main">
+  <p:cSld>
+    <p:bg>
+      <p:bgPr>
+        <a:solidFill>
+          <a:schemeClr val="bg1"/>
+        </a:solidFill>
+        <a:effectLst/>
+      </p:bgPr>
+    </p:bg>
+    <p:spTree>
+      <p:nvGrpSpPr>
+        <p:cNvPr id="1" name=""/>
+        <p:cNvGrpSpPr/>
+        <p:nvPr/>
+      </p:nvGrpSpPr>
+      <p:grpSpPr>
+        <a:xfrm>
+          <a:off x="0" y="0"/>
+          <a:ext cx="0" cy="0"/>
+          <a:chOff x="0" y="0"/>
+          <a:chExt cx="0" cy="0"/>
+        </a:xfrm>
+      </p:grpSpPr>
       <p:graphicFrame>
         <p:nvGraphicFramePr>
           <p:cNvPr id="7" name="Content Placeholder 2">
@@ -11636,7 +15277,7 @@
             <p:ph idx="1"/>
             <p:extLst>
               <p:ext uri="{D42A27DB-BD31-4B8C-83A1-F6EECF244321}">
-                <p14:modId xmlns:p14="http://schemas.microsoft.com/office/powerpoint/2010/main" val="632739092"/>
+                <p14:modId xmlns:p14="http://schemas.microsoft.com/office/powerpoint/2010/main" val="230630956"/>
               </p:ext>
             </p:extLst>
           </p:nvPr>
@@ -11647,7 +15288,7 @@
         </p:xfrm>
         <a:graphic>
           <a:graphicData uri="http://schemas.openxmlformats.org/drawingml/2006/diagram">
-            <dgm:relIds xmlns:dgm="http://schemas.openxmlformats.org/drawingml/2006/diagram" xmlns:r="http://schemas.openxmlformats.org/officeDocument/2006/relationships" r:dm="rId2" r:lo="rId3" r:qs="rId4" r:cs="rId5"/>
+            <dgm:relIds xmlns:dgm="http://schemas.openxmlformats.org/drawingml/2006/diagram" xmlns:r="http://schemas.openxmlformats.org/officeDocument/2006/relationships" r:dm="rId3" r:lo="rId4" r:qs="rId5" r:cs="rId6"/>
           </a:graphicData>
         </a:graphic>
       </p:graphicFrame>
@@ -11935,13 +15576,8 @@
           <a:p>
             <a:r>
               <a:rPr lang="en-US" dirty="0"/>
-              <a:t>Introduction to the </a:t>
+              <a:t>Introduction to the problem</a:t>
             </a:r>
-            <a:r>
-              <a:rPr lang="en-US" dirty="0" smtClean="0"/>
-              <a:t>problem</a:t>
-            </a:r>
-            <a:endParaRPr lang="en-US" dirty="0"/>
           </a:p>
         </p:txBody>
       </p:sp>
@@ -11958,7 +15594,7 @@
 </p:sld>
 </file>
 
-<file path=ppt/slides/slide4.xml><?xml version="1.0" encoding="utf-8"?>
+<file path=ppt/slides/slide5.xml><?xml version="1.0" encoding="utf-8"?>
 <p:sld xmlns:a="http://schemas.openxmlformats.org/drawingml/2006/main" xmlns:r="http://schemas.openxmlformats.org/officeDocument/2006/relationships" xmlns:p="http://schemas.openxmlformats.org/presentationml/2006/main">
   <p:cSld>
     <p:bg>
@@ -12274,7 +15910,7 @@
         </p:xfrm>
         <a:graphic>
           <a:graphicData uri="http://schemas.openxmlformats.org/drawingml/2006/diagram">
-            <dgm:relIds xmlns:dgm="http://schemas.openxmlformats.org/drawingml/2006/diagram" xmlns:r="http://schemas.openxmlformats.org/officeDocument/2006/relationships" r:dm="rId2" r:lo="rId3" r:qs="rId4" r:cs="rId5"/>
+            <dgm:relIds xmlns:dgm="http://schemas.openxmlformats.org/drawingml/2006/diagram" xmlns:r="http://schemas.openxmlformats.org/officeDocument/2006/relationships" r:dm="rId3" r:lo="rId4" r:qs="rId5" r:cs="rId6"/>
           </a:graphicData>
         </a:graphic>
       </p:graphicFrame>
@@ -12291,7 +15927,7 @@
 </p:sld>
 </file>
 
-<file path=ppt/slides/slide5.xml><?xml version="1.0" encoding="utf-8"?>
+<file path=ppt/slides/slide6.xml><?xml version="1.0" encoding="utf-8"?>
 <p:sld xmlns:a="http://schemas.openxmlformats.org/drawingml/2006/main" xmlns:r="http://schemas.openxmlformats.org/officeDocument/2006/relationships" xmlns:p="http://schemas.openxmlformats.org/presentationml/2006/main">
   <p:cSld>
     <p:bg>
@@ -12786,7 +16422,7 @@
 </p:sld>
 </file>
 
-<file path=ppt/slides/slide6.xml><?xml version="1.0" encoding="utf-8"?>
+<file path=ppt/slides/slide7.xml><?xml version="1.0" encoding="utf-8"?>
 <p:sld xmlns:a="http://schemas.openxmlformats.org/drawingml/2006/main" xmlns:r="http://schemas.openxmlformats.org/officeDocument/2006/relationships" xmlns:p="http://schemas.openxmlformats.org/presentationml/2006/main" show="0">
   <p:cSld>
     <p:spTree>
@@ -14725,18 +18361,10 @@
   <p:clrMapOvr>
     <a:masterClrMapping/>
   </p:clrMapOvr>
-  <mc:AlternateContent xmlns:mc="http://schemas.openxmlformats.org/markup-compatibility/2006">
-    <mc:Choice xmlns:p14="http://schemas.microsoft.com/office/powerpoint/2010/main" Requires="p14">
-      <p:transition spd="slow" p14:dur="2000"/>
-    </mc:Choice>
-    <mc:Fallback>
-      <p:transition spd="slow"/>
-    </mc:Fallback>
-  </mc:AlternateContent>
 </p:sld>
 </file>
 
-<file path=ppt/slides/slide7.xml><?xml version="1.0" encoding="utf-8"?>
+<file path=ppt/slides/slide8.xml><?xml version="1.0" encoding="utf-8"?>
 <p:sld xmlns:a="http://schemas.openxmlformats.org/drawingml/2006/main" xmlns:r="http://schemas.openxmlformats.org/officeDocument/2006/relationships" xmlns:p="http://schemas.openxmlformats.org/presentationml/2006/main">
   <p:cSld>
     <p:bg>
@@ -14841,7 +18469,7 @@
           </p:nvPr>
         </p:nvPicPr>
         <p:blipFill>
-          <a:blip r:embed="rId2">
+          <a:blip r:embed="rId3">
             <a:extLst>
               <a:ext uri="{28A0092B-C50C-407E-A947-70E740481C1C}">
                 <a14:useLocalDpi xmlns:a14="http://schemas.microsoft.com/office/drawing/2010/main" val="0"/>
@@ -14929,7 +18557,7 @@
 </p:sld>
 </file>
 
-<file path=ppt/slides/slide8.xml><?xml version="1.0" encoding="utf-8"?>
+<file path=ppt/slides/slide9.xml><?xml version="1.0" encoding="utf-8"?>
 <p:sld xmlns:a="http://schemas.openxmlformats.org/drawingml/2006/main" xmlns:r="http://schemas.openxmlformats.org/officeDocument/2006/relationships" xmlns:p="http://schemas.openxmlformats.org/presentationml/2006/main" show="0">
   <p:cSld>
     <p:spTree>
@@ -17080,333 +20708,6 @@
   <p:clrMapOvr>
     <a:masterClrMapping/>
   </p:clrMapOvr>
-  <mc:AlternateContent xmlns:mc="http://schemas.openxmlformats.org/markup-compatibility/2006">
-    <mc:Choice xmlns:p14="http://schemas.microsoft.com/office/powerpoint/2010/main" Requires="p14">
-      <p:transition spd="slow" p14:dur="2000"/>
-    </mc:Choice>
-    <mc:Fallback>
-      <p:transition spd="slow"/>
-    </mc:Fallback>
-  </mc:AlternateContent>
-</p:sld>
-</file>
-
-<file path=ppt/slides/slide9.xml><?xml version="1.0" encoding="utf-8"?>
-<p:sld xmlns:a="http://schemas.openxmlformats.org/drawingml/2006/main" xmlns:r="http://schemas.openxmlformats.org/officeDocument/2006/relationships" xmlns:p="http://schemas.openxmlformats.org/presentationml/2006/main">
-  <p:cSld>
-    <p:bg>
-      <p:bgPr>
-        <a:solidFill>
-          <a:schemeClr val="bg1"/>
-        </a:solidFill>
-        <a:effectLst/>
-      </p:bgPr>
-    </p:bg>
-    <p:spTree>
-      <p:nvGrpSpPr>
-        <p:cNvPr id="1" name=""/>
-        <p:cNvGrpSpPr/>
-        <p:nvPr/>
-      </p:nvGrpSpPr>
-      <p:grpSpPr>
-        <a:xfrm>
-          <a:off x="0" y="0"/>
-          <a:ext cx="0" cy="0"/>
-          <a:chOff x="0" y="0"/>
-          <a:chExt cx="0" cy="0"/>
-        </a:xfrm>
-      </p:grpSpPr>
-      <p:sp>
-        <p:nvSpPr>
-          <p:cNvPr id="26" name="Rectangle 25">
-            <a:extLst>
-              <a:ext uri="{FF2B5EF4-FFF2-40B4-BE49-F238E27FC236}">
-                <a16:creationId xmlns:a16="http://schemas.microsoft.com/office/drawing/2014/main" id="{823AC064-BC96-4F32-8AE1-B2FD38754823}"/>
-              </a:ext>
-            </a:extLst>
-          </p:cNvPr>
-          <p:cNvSpPr>
-            <a:spLocks noGrp="1" noRot="1" noChangeAspect="1" noMove="1" noResize="1" noEditPoints="1" noAdjustHandles="1" noChangeArrowheads="1" noChangeShapeType="1" noTextEdit="1"/>
-          </p:cNvSpPr>
-          <p:nvPr>
-            <p:extLst>
-              <p:ext uri="{386F3935-93C4-4BCD-93E2-E3B085C9AB24}">
-                <p16:designElem xmlns:p16="http://schemas.microsoft.com/office/powerpoint/2015/main" val="1"/>
-              </p:ext>
-            </p:extLst>
-          </p:nvPr>
-        </p:nvSpPr>
-        <p:spPr bwMode="ltGray">
-          <a:xfrm>
-            <a:off x="378068" y="4633546"/>
-            <a:ext cx="11438793" cy="1844256"/>
-          </a:xfrm>
-          <a:prstGeom prst="rect">
-            <a:avLst/>
-          </a:prstGeom>
-          <a:solidFill>
-            <a:schemeClr val="tx1">
-              <a:lumMod val="75000"/>
-              <a:lumOff val="25000"/>
-            </a:schemeClr>
-          </a:solidFill>
-          <a:ln w="127000" cap="sq" cmpd="thinThick">
-            <a:solidFill>
-              <a:schemeClr val="tx1">
-                <a:lumMod val="75000"/>
-                <a:lumOff val="25000"/>
-              </a:schemeClr>
-            </a:solidFill>
-          </a:ln>
-        </p:spPr>
-        <p:style>
-          <a:lnRef idx="2">
-            <a:schemeClr val="accent1">
-              <a:shade val="50000"/>
-            </a:schemeClr>
-          </a:lnRef>
-          <a:fillRef idx="1">
-            <a:schemeClr val="accent1"/>
-          </a:fillRef>
-          <a:effectRef idx="0">
-            <a:schemeClr val="accent1"/>
-          </a:effectRef>
-          <a:fontRef idx="minor">
-            <a:schemeClr val="lt1"/>
-          </a:fontRef>
-        </p:style>
-        <p:txBody>
-          <a:bodyPr rtlCol="0" anchor="ctr"/>
-          <a:lstStyle/>
-          <a:p>
-            <a:pPr algn="ctr"/>
-            <a:endParaRPr lang="en-US" dirty="0"/>
-          </a:p>
-        </p:txBody>
-      </p:sp>
-      <p:cxnSp>
-        <p:nvCxnSpPr>
-          <p:cNvPr id="28" name="Straight Connector 27">
-            <a:extLst>
-              <a:ext uri="{FF2B5EF4-FFF2-40B4-BE49-F238E27FC236}">
-                <a16:creationId xmlns:a16="http://schemas.microsoft.com/office/drawing/2014/main" id="{7E7C77BC-7138-40B1-A15B-20F57A494629}"/>
-              </a:ext>
-            </a:extLst>
-          </p:cNvPr>
-          <p:cNvCxnSpPr>
-            <a:cxnSpLocks noGrp="1" noRot="1" noChangeAspect="1" noMove="1" noResize="1" noEditPoints="1" noAdjustHandles="1" noChangeArrowheads="1" noChangeShapeType="1"/>
-          </p:cNvCxnSpPr>
-          <p:nvPr>
-            <p:extLst>
-              <p:ext uri="{386F3935-93C4-4BCD-93E2-E3B085C9AB24}">
-                <p16:designElem xmlns:p16="http://schemas.microsoft.com/office/powerpoint/2015/main" val="1"/>
-              </p:ext>
-            </p:extLst>
-          </p:nvPr>
-        </p:nvCxnSpPr>
-        <p:spPr>
-          <a:xfrm>
-            <a:off x="2209800" y="5738691"/>
-            <a:ext cx="7772400" cy="0"/>
-          </a:xfrm>
-          <a:prstGeom prst="line">
-            <a:avLst/>
-          </a:prstGeom>
-          <a:ln w="22225">
-            <a:solidFill>
-              <a:schemeClr val="bg1">
-                <a:lumMod val="85000"/>
-              </a:schemeClr>
-            </a:solidFill>
-          </a:ln>
-        </p:spPr>
-        <p:style>
-          <a:lnRef idx="1">
-            <a:schemeClr val="accent1"/>
-          </a:lnRef>
-          <a:fillRef idx="0">
-            <a:schemeClr val="accent1"/>
-          </a:fillRef>
-          <a:effectRef idx="0">
-            <a:schemeClr val="accent1"/>
-          </a:effectRef>
-          <a:fontRef idx="minor">
-            <a:schemeClr val="tx1"/>
-          </a:fontRef>
-        </p:style>
-      </p:cxnSp>
-      <p:cxnSp>
-        <p:nvCxnSpPr>
-          <p:cNvPr id="30" name="Straight Connector 29">
-            <a:extLst>
-              <a:ext uri="{FF2B5EF4-FFF2-40B4-BE49-F238E27FC236}">
-                <a16:creationId xmlns:a16="http://schemas.microsoft.com/office/drawing/2014/main" id="{DB146403-F3D6-484B-B2ED-97F9565D0370}"/>
-              </a:ext>
-            </a:extLst>
-          </p:cNvPr>
-          <p:cNvCxnSpPr>
-            <a:cxnSpLocks noGrp="1" noRot="1" noChangeAspect="1" noMove="1" noResize="1" noEditPoints="1" noAdjustHandles="1" noChangeArrowheads="1" noChangeShapeType="1"/>
-          </p:cNvCxnSpPr>
-          <p:nvPr>
-            <p:extLst>
-              <p:ext uri="{386F3935-93C4-4BCD-93E2-E3B085C9AB24}">
-                <p16:designElem xmlns:p16="http://schemas.microsoft.com/office/powerpoint/2015/main" val="1"/>
-              </p:ext>
-            </p:extLst>
-          </p:nvPr>
-        </p:nvCxnSpPr>
-        <p:spPr>
-          <a:xfrm>
-            <a:off x="6096000" y="477749"/>
-            <a:ext cx="0" cy="3657600"/>
-          </a:xfrm>
-          <a:prstGeom prst="line">
-            <a:avLst/>
-          </a:prstGeom>
-          <a:ln w="101600" cmpd="dbl">
-            <a:solidFill>
-              <a:schemeClr val="tx1">
-                <a:lumMod val="65000"/>
-                <a:lumOff val="35000"/>
-              </a:schemeClr>
-            </a:solidFill>
-          </a:ln>
-        </p:spPr>
-        <p:style>
-          <a:lnRef idx="1">
-            <a:schemeClr val="accent1"/>
-          </a:lnRef>
-          <a:fillRef idx="0">
-            <a:schemeClr val="accent1"/>
-          </a:fillRef>
-          <a:effectRef idx="0">
-            <a:schemeClr val="accent1"/>
-          </a:effectRef>
-          <a:fontRef idx="minor">
-            <a:schemeClr val="tx1"/>
-          </a:fontRef>
-        </p:style>
-      </p:cxnSp>
-      <p:pic>
-        <p:nvPicPr>
-          <p:cNvPr id="21" name="Zástupný symbol pro obsah 20">
-            <a:extLst>
-              <a:ext uri="{FF2B5EF4-FFF2-40B4-BE49-F238E27FC236}">
-                <a16:creationId xmlns:a16="http://schemas.microsoft.com/office/drawing/2014/main" id="{5872535A-0D1C-459E-92B8-CFAD8EB1EAB2}"/>
-              </a:ext>
-            </a:extLst>
-          </p:cNvPr>
-          <p:cNvPicPr>
-            <a:picLocks noGrp="1" noChangeAspect="1"/>
-          </p:cNvPicPr>
-          <p:nvPr>
-            <p:ph sz="half" idx="2"/>
-          </p:nvPr>
-        </p:nvPicPr>
-        <p:blipFill>
-          <a:blip r:embed="rId2">
-            <a:extLst>
-              <a:ext uri="{28A0092B-C50C-407E-A947-70E740481C1C}">
-                <a14:useLocalDpi xmlns:a14="http://schemas.microsoft.com/office/drawing/2010/main" val="0"/>
-              </a:ext>
-            </a:extLst>
-          </a:blip>
-          <a:stretch>
-            <a:fillRect/>
-          </a:stretch>
-        </p:blipFill>
-        <p:spPr>
-          <a:xfrm>
-            <a:off x="6370913" y="307729"/>
-            <a:ext cx="4741252" cy="3997637"/>
-          </a:xfrm>
-          <a:prstGeom prst="rect">
-            <a:avLst/>
-          </a:prstGeom>
-        </p:spPr>
-      </p:pic>
-      <p:pic>
-        <p:nvPicPr>
-          <p:cNvPr id="19" name="Zástupný symbol pro obsah 18">
-            <a:extLst>
-              <a:ext uri="{FF2B5EF4-FFF2-40B4-BE49-F238E27FC236}">
-                <a16:creationId xmlns:a16="http://schemas.microsoft.com/office/drawing/2014/main" id="{F86F8D6D-BCD1-4AB2-99E3-ED184156B26A}"/>
-              </a:ext>
-            </a:extLst>
-          </p:cNvPr>
-          <p:cNvPicPr>
-            <a:picLocks noGrp="1" noChangeAspect="1"/>
-          </p:cNvPicPr>
-          <p:nvPr>
-            <p:ph sz="half" idx="1"/>
-          </p:nvPr>
-        </p:nvPicPr>
-        <p:blipFill>
-          <a:blip r:embed="rId3">
-            <a:extLst>
-              <a:ext uri="{28A0092B-C50C-407E-A947-70E740481C1C}">
-                <a14:useLocalDpi xmlns:a14="http://schemas.microsoft.com/office/drawing/2010/main" val="0"/>
-              </a:ext>
-            </a:extLst>
-          </a:blip>
-          <a:stretch>
-            <a:fillRect/>
-          </a:stretch>
-        </p:blipFill>
-        <p:spPr>
-          <a:xfrm>
-            <a:off x="378068" y="1662225"/>
-            <a:ext cx="5455917" cy="1288647"/>
-          </a:xfrm>
-          <a:prstGeom prst="rect">
-            <a:avLst/>
-          </a:prstGeom>
-        </p:spPr>
-      </p:pic>
-      <p:sp>
-        <p:nvSpPr>
-          <p:cNvPr id="2" name="Title 1"/>
-          <p:cNvSpPr>
-            <a:spLocks noGrp="1"/>
-          </p:cNvSpPr>
-          <p:nvPr>
-            <p:ph type="title"/>
-          </p:nvPr>
-        </p:nvSpPr>
-        <p:spPr>
-          <a:xfrm>
-            <a:off x="527538" y="4756638"/>
-            <a:ext cx="11139854" cy="930447"/>
-          </a:xfrm>
-        </p:spPr>
-        <p:txBody>
-          <a:bodyPr vert="horz" lIns="91440" tIns="45720" rIns="91440" bIns="45720" rtlCol="0" anchor="b">
-            <a:normAutofit/>
-          </a:bodyPr>
-          <a:lstStyle/>
-          <a:p>
-            <a:pPr algn="ctr"/>
-            <a:r>
-              <a:rPr lang="en-US" sz="5400" dirty="0">
-                <a:solidFill>
-                  <a:schemeClr val="bg1"/>
-                </a:solidFill>
-              </a:rPr>
-              <a:t>Component flow  + life cycle</a:t>
-            </a:r>
-          </a:p>
-        </p:txBody>
-      </p:sp>
-    </p:spTree>
-    <p:extLst>
-      <p:ext uri="{BB962C8B-B14F-4D97-AF65-F5344CB8AC3E}">
-        <p14:creationId xmlns:p14="http://schemas.microsoft.com/office/powerpoint/2010/main" val="788727157"/>
-      </p:ext>
-    </p:extLst>
-  </p:cSld>
-  <p:clrMapOvr>
-    <a:masterClrMapping/>
-  </p:clrMapOvr>
 </p:sld>
 </file>
 
